--- a/BookCompanions-v2/RP-Class-1.pptx
+++ b/BookCompanions-v2/RP-Class-1.pptx
@@ -18469,6 +18469,49 @@
           <a:p>
             <a:pPr algn="ctr"/>
             <a:endParaRPr lang="en-US"/>
+          </a:p>
+        </p:txBody>
+      </p:sp>
+      <p:sp>
+        <p:nvSpPr>
+          <p:cNvPr id="12" name="TextBox 11">
+            <a:extLst>
+              <a:ext uri="{FF2B5EF4-FFF2-40B4-BE49-F238E27FC236}">
+                <a16:creationId xmlns:a16="http://schemas.microsoft.com/office/drawing/2014/main" id="{D373413A-10E5-9711-3898-9C155DF0D657}"/>
+              </a:ext>
+            </a:extLst>
+          </p:cNvPr>
+          <p:cNvSpPr txBox="1"/>
+          <p:nvPr/>
+        </p:nvSpPr>
+        <p:spPr>
+          <a:xfrm>
+            <a:off x="10850584" y="1203177"/>
+            <a:ext cx="1212148" cy="586299"/>
+          </a:xfrm>
+          <a:prstGeom prst="rect">
+            <a:avLst/>
+          </a:prstGeom>
+          <a:noFill/>
+        </p:spPr>
+        <p:txBody>
+          <a:bodyPr wrap="square" rtlCol="0">
+            <a:spAutoFit/>
+          </a:bodyPr>
+          <a:lstStyle/>
+          <a:p>
+            <a:pPr algn="ctr"/>
+            <a:r>
+              <a:rPr lang="en-US" sz="1400" dirty="0"/>
+              <a:t>Hamiltonian</a:t>
+            </a:r>
+          </a:p>
+          <a:p>
+            <a:pPr algn="ctr"/>
+            <a:r>
+              <a:rPr lang="en-US" sz="1400" dirty="0"/>
+              <a:t>Systems</a:t>
+            </a:r>
           </a:p>
         </p:txBody>
       </p:sp>

--- a/BookCompanions-v2/RP-Class-1.pptx
+++ b/BookCompanions-v2/RP-Class-1.pptx
@@ -211,7 +211,7 @@
           <a:p>
             <a:fld id="{E119C704-B8F9-449B-B828-36D786A1FE73}" type="datetimeFigureOut">
               <a:rPr lang="en-US" smtClean="0"/>
-              <a:t>4/4/2024</a:t>
+              <a:t>4/11/2024</a:t>
             </a:fld>
             <a:endParaRPr lang="en-US"/>
           </a:p>
@@ -2079,7 +2079,7 @@
           <a:p>
             <a:fld id="{E417A1AE-5DAB-4E41-9E51-25C599575BB0}" type="datetime1">
               <a:rPr lang="en-US" smtClean="0"/>
-              <a:t>4/4/2024</a:t>
+              <a:t>4/11/2024</a:t>
             </a:fld>
             <a:endParaRPr lang="en-US"/>
           </a:p>
@@ -2583,7 +2583,7 @@
           <a:p>
             <a:fld id="{17283D80-C2D7-44EB-9453-9205AD76814F}" type="datetime1">
               <a:rPr lang="en-US" smtClean="0"/>
-              <a:t>4/4/2024</a:t>
+              <a:t>4/11/2024</a:t>
             </a:fld>
             <a:endParaRPr lang="en-US"/>
           </a:p>
@@ -2794,7 +2794,7 @@
           <a:p>
             <a:fld id="{ECAB4566-B9D7-4BAE-91BA-A6126A23E47D}" type="datetime1">
               <a:rPr lang="en-US" smtClean="0"/>
-              <a:t>4/4/2024</a:t>
+              <a:t>4/11/2024</a:t>
             </a:fld>
             <a:endParaRPr lang="en-US"/>
           </a:p>
@@ -3023,7 +3023,7 @@
           <a:p>
             <a:fld id="{C0EDE3E1-E2CD-4E00-ABD7-0F88148EC8AA}" type="datetime1">
               <a:rPr lang="en-US" smtClean="0"/>
-              <a:t>4/4/2024</a:t>
+              <a:t>4/11/2024</a:t>
             </a:fld>
             <a:endParaRPr lang="en-US"/>
           </a:p>
@@ -3273,7 +3273,7 @@
           <a:p>
             <a:fld id="{8FB1FD97-B171-4664-9387-6C1400880CCF}" type="datetime1">
               <a:rPr lang="en-US" smtClean="0"/>
-              <a:t>4/4/2024</a:t>
+              <a:t>4/11/2024</a:t>
             </a:fld>
             <a:endParaRPr lang="en-US"/>
           </a:p>
@@ -3541,7 +3541,7 @@
           <a:p>
             <a:fld id="{20AF2BC1-FC8E-441B-854A-73B6F6F43270}" type="datetime1">
               <a:rPr lang="en-US" smtClean="0"/>
-              <a:t>4/4/2024</a:t>
+              <a:t>4/11/2024</a:t>
             </a:fld>
             <a:endParaRPr lang="en-US"/>
           </a:p>
@@ -3956,7 +3956,7 @@
           <a:p>
             <a:fld id="{4406EBD5-FA1A-404A-B962-DC2C3404E693}" type="datetime1">
               <a:rPr lang="en-US" smtClean="0"/>
-              <a:t>4/4/2024</a:t>
+              <a:t>4/11/2024</a:t>
             </a:fld>
             <a:endParaRPr lang="en-US"/>
           </a:p>
@@ -4100,7 +4100,7 @@
           <a:p>
             <a:fld id="{17D4C9B1-38A7-4FCE-A708-FF38E3C03BD9}" type="datetime1">
               <a:rPr lang="en-US" smtClean="0"/>
-              <a:t>4/4/2024</a:t>
+              <a:t>4/11/2024</a:t>
             </a:fld>
             <a:endParaRPr lang="en-US"/>
           </a:p>
@@ -4216,7 +4216,7 @@
           <a:p>
             <a:fld id="{AFB41A25-79A9-4D3C-A8ED-6D7D1BE54EAB}" type="datetime1">
               <a:rPr lang="en-US" smtClean="0"/>
-              <a:t>4/4/2024</a:t>
+              <a:t>4/11/2024</a:t>
             </a:fld>
             <a:endParaRPr lang="en-US"/>
           </a:p>
@@ -4530,7 +4530,7 @@
           <a:p>
             <a:fld id="{CF3A2462-D259-4B58-AEB3-225B8847BD20}" type="datetime1">
               <a:rPr lang="en-US" smtClean="0"/>
-              <a:t>4/4/2024</a:t>
+              <a:t>4/11/2024</a:t>
             </a:fld>
             <a:endParaRPr lang="en-US"/>
           </a:p>
@@ -4821,7 +4821,7 @@
           <a:p>
             <a:fld id="{68A25D2F-E7DD-4EDB-8F30-509996C69CA0}" type="datetime1">
               <a:rPr lang="en-US" smtClean="0"/>
-              <a:t>4/4/2024</a:t>
+              <a:t>4/11/2024</a:t>
             </a:fld>
             <a:endParaRPr lang="en-US"/>
           </a:p>
@@ -5065,7 +5065,7 @@
           <a:p>
             <a:fld id="{390F5C6A-251B-4510-9AD3-59281DC647FA}" type="datetime1">
               <a:rPr lang="en-US" smtClean="0"/>
-              <a:t>4/4/2024</a:t>
+              <a:t>4/11/2024</a:t>
             </a:fld>
             <a:endParaRPr lang="en-US"/>
           </a:p>
@@ -6358,8 +6358,8 @@
           </a:fontRef>
         </p:style>
       </p:cxnSp>
-      <mc:AlternateContent xmlns:mc="http://schemas.openxmlformats.org/markup-compatibility/2006">
-        <mc:Choice xmlns:a14="http://schemas.microsoft.com/office/drawing/2010/main" Requires="a14">
+      <mc:AlternateContent xmlns:mc="http://schemas.openxmlformats.org/markup-compatibility/2006" xmlns:a14="http://schemas.microsoft.com/office/drawing/2010/main">
+        <mc:Choice Requires="a14">
           <p:sp>
             <p:nvSpPr>
               <p:cNvPr id="21" name="TextBox 20">
@@ -6540,7 +6540,7 @@
             </p:txBody>
           </p:sp>
         </mc:Choice>
-        <mc:Fallback>
+        <mc:Fallback xmlns="">
           <p:sp>
             <p:nvSpPr>
               <p:cNvPr id="21" name="TextBox 20">
@@ -6691,8 +6691,8 @@
           </a:prstGeom>
         </p:spPr>
       </p:pic>
-      <mc:AlternateContent xmlns:mc="http://schemas.openxmlformats.org/markup-compatibility/2006">
-        <mc:Choice xmlns:a14="http://schemas.microsoft.com/office/drawing/2010/main" Requires="a14">
+      <mc:AlternateContent xmlns:mc="http://schemas.openxmlformats.org/markup-compatibility/2006" xmlns:a14="http://schemas.microsoft.com/office/drawing/2010/main">
+        <mc:Choice Requires="a14">
           <p:sp>
             <p:nvSpPr>
               <p:cNvPr id="31" name="TextBox 30">
@@ -6931,7 +6931,7 @@
             </p:txBody>
           </p:sp>
         </mc:Choice>
-        <mc:Fallback>
+        <mc:Fallback xmlns="">
           <p:sp>
             <p:nvSpPr>
               <p:cNvPr id="31" name="TextBox 30">
@@ -6976,8 +6976,8 @@
           </p:sp>
         </mc:Fallback>
       </mc:AlternateContent>
-      <mc:AlternateContent xmlns:mc="http://schemas.openxmlformats.org/markup-compatibility/2006">
-        <mc:Choice xmlns:a14="http://schemas.microsoft.com/office/drawing/2010/main" Requires="a14">
+      <mc:AlternateContent xmlns:mc="http://schemas.openxmlformats.org/markup-compatibility/2006" xmlns:a14="http://schemas.microsoft.com/office/drawing/2010/main">
+        <mc:Choice Requires="a14">
           <p:sp>
             <p:nvSpPr>
               <p:cNvPr id="4" name="TextBox 3">
@@ -7102,7 +7102,7 @@
             </p:txBody>
           </p:sp>
         </mc:Choice>
-        <mc:Fallback>
+        <mc:Fallback xmlns="">
           <p:sp>
             <p:nvSpPr>
               <p:cNvPr id="4" name="TextBox 3">
@@ -7147,8 +7147,8 @@
           </p:sp>
         </mc:Fallback>
       </mc:AlternateContent>
-      <mc:AlternateContent xmlns:mc="http://schemas.openxmlformats.org/markup-compatibility/2006">
-        <mc:Choice xmlns:a14="http://schemas.microsoft.com/office/drawing/2010/main" Requires="a14">
+      <mc:AlternateContent xmlns:mc="http://schemas.openxmlformats.org/markup-compatibility/2006" xmlns:a14="http://schemas.microsoft.com/office/drawing/2010/main">
+        <mc:Choice Requires="a14">
           <p:sp>
             <p:nvSpPr>
               <p:cNvPr id="26" name="TextBox 25">
@@ -7177,6 +7177,7 @@
               </a:bodyPr>
               <a:lstStyle/>
               <a:p>
+                <a:pPr/>
                 <a14:m>
                   <m:oMathPara xmlns:m="http://schemas.openxmlformats.org/officeDocument/2006/math">
                     <m:oMathParaPr>
@@ -7297,7 +7298,7 @@
             </p:txBody>
           </p:sp>
         </mc:Choice>
-        <mc:Fallback>
+        <mc:Fallback xmlns="">
           <p:sp>
             <p:nvSpPr>
               <p:cNvPr id="26" name="TextBox 25">
@@ -7342,8 +7343,8 @@
           </p:sp>
         </mc:Fallback>
       </mc:AlternateContent>
-      <mc:AlternateContent xmlns:mc="http://schemas.openxmlformats.org/markup-compatibility/2006">
-        <mc:Choice xmlns:a14="http://schemas.microsoft.com/office/drawing/2010/main" Requires="a14">
+      <mc:AlternateContent xmlns:mc="http://schemas.openxmlformats.org/markup-compatibility/2006" xmlns:a14="http://schemas.microsoft.com/office/drawing/2010/main">
+        <mc:Choice Requires="a14">
           <p:sp>
             <p:nvSpPr>
               <p:cNvPr id="27" name="TextBox 26">
@@ -7821,7 +7822,7 @@
             </p:txBody>
           </p:sp>
         </mc:Choice>
-        <mc:Fallback>
+        <mc:Fallback xmlns="">
           <p:sp>
             <p:nvSpPr>
               <p:cNvPr id="27" name="TextBox 26">
@@ -7866,8 +7867,8 @@
           </p:sp>
         </mc:Fallback>
       </mc:AlternateContent>
-      <mc:AlternateContent xmlns:mc="http://schemas.openxmlformats.org/markup-compatibility/2006">
-        <mc:Choice xmlns:a14="http://schemas.microsoft.com/office/drawing/2010/main" Requires="a14">
+      <mc:AlternateContent xmlns:mc="http://schemas.openxmlformats.org/markup-compatibility/2006" xmlns:a14="http://schemas.microsoft.com/office/drawing/2010/main">
+        <mc:Choice Requires="a14">
           <p:sp>
             <p:nvSpPr>
               <p:cNvPr id="34" name="TextBox 33">
@@ -7925,7 +7926,7 @@
             </p:txBody>
           </p:sp>
         </mc:Choice>
-        <mc:Fallback>
+        <mc:Fallback xmlns="">
           <p:sp>
             <p:nvSpPr>
               <p:cNvPr id="34" name="TextBox 33">
@@ -8033,7 +8034,7 @@
                       </a:schemeClr>
                     </a:solidFill>
                   </a:rPr>
-                  <a:t>Lagrangians</a:t>
+                  <a:t>Lagrangian</a:t>
                 </a:r>
                 <a:endParaRPr lang="en-US" sz="4000" dirty="0">
                   <a:solidFill>
@@ -8072,7 +8073,7 @@
               <a:blipFill>
                 <a:blip r:embed="rId12"/>
                 <a:stretch>
-                  <a:fillRect t="-15517" r="-965" b="-36207"/>
+                  <a:fillRect t="-15517" b="-36207"/>
                 </a:stretch>
               </a:blipFill>
             </p:spPr>
@@ -9445,8 +9446,8 @@
           </a:p>
         </p:txBody>
       </p:sp>
-      <mc:AlternateContent xmlns:mc="http://schemas.openxmlformats.org/markup-compatibility/2006">
-        <mc:Choice xmlns:a14="http://schemas.microsoft.com/office/drawing/2010/main" Requires="a14">
+      <mc:AlternateContent xmlns:mc="http://schemas.openxmlformats.org/markup-compatibility/2006" xmlns:a14="http://schemas.microsoft.com/office/drawing/2010/main">
+        <mc:Choice Requires="a14">
           <p:sp>
             <p:nvSpPr>
               <p:cNvPr id="8" name="TextBox 7">
@@ -9504,7 +9505,7 @@
             </p:txBody>
           </p:sp>
         </mc:Choice>
-        <mc:Fallback>
+        <mc:Fallback xmlns="">
           <p:sp>
             <p:nvSpPr>
               <p:cNvPr id="8" name="TextBox 7">
@@ -10331,8 +10332,8 @@
           </a:p>
         </p:txBody>
       </p:sp>
-      <mc:AlternateContent xmlns:mc="http://schemas.openxmlformats.org/markup-compatibility/2006" xmlns:a14="http://schemas.microsoft.com/office/drawing/2010/main">
-        <mc:Choice Requires="a14">
+      <mc:AlternateContent xmlns:mc="http://schemas.openxmlformats.org/markup-compatibility/2006">
+        <mc:Choice xmlns:a14="http://schemas.microsoft.com/office/drawing/2010/main" Requires="a14">
           <p:sp>
             <p:nvSpPr>
               <p:cNvPr id="6" name="TextBox 5">
@@ -10348,6 +10349,164 @@
             <p:spPr>
               <a:xfrm>
                 <a:off x="2588243" y="214765"/>
+                <a:ext cx="1971822" cy="791370"/>
+              </a:xfrm>
+              <a:prstGeom prst="rect">
+                <a:avLst/>
+              </a:prstGeom>
+              <a:noFill/>
+            </p:spPr>
+            <p:txBody>
+              <a:bodyPr wrap="none" rtlCol="0">
+                <a:spAutoFit/>
+              </a:bodyPr>
+              <a:lstStyle/>
+              <a:p>
+                <a:pPr/>
+                <a14:m>
+                  <m:oMathPara xmlns:m="http://schemas.openxmlformats.org/officeDocument/2006/math">
+                    <m:oMathParaPr>
+                      <m:jc m:val="centerGroup"/>
+                    </m:oMathParaPr>
+                    <m:oMath xmlns:m="http://schemas.openxmlformats.org/officeDocument/2006/math">
+                      <m:r>
+                        <a:rPr lang="en-US" sz="4400" b="0" i="1" smtClean="0">
+                          <a:latin typeface="Cambria Math" panose="02040503050406030204" pitchFamily="18" charset="0"/>
+                        </a:rPr>
+                        <m:t>(</m:t>
+                      </m:r>
+                      <m:sSup>
+                        <m:sSupPr>
+                          <m:ctrlPr>
+                            <a:rPr lang="en-US" sz="4400" i="1">
+                              <a:latin typeface="Cambria Math" panose="02040503050406030204" pitchFamily="18" charset="0"/>
+                            </a:rPr>
+                          </m:ctrlPr>
+                        </m:sSupPr>
+                        <m:e>
+                          <m:r>
+                            <a:rPr lang="en-US" sz="4400" i="1">
+                              <a:latin typeface="Cambria Math" panose="02040503050406030204" pitchFamily="18" charset="0"/>
+                            </a:rPr>
+                            <m:t>𝑞</m:t>
+                          </m:r>
+                        </m:e>
+                        <m:sup>
+                          <m:r>
+                            <a:rPr lang="en-US" sz="4400" i="1">
+                              <a:latin typeface="Cambria Math" panose="02040503050406030204" pitchFamily="18" charset="0"/>
+                            </a:rPr>
+                            <m:t>𝑖</m:t>
+                          </m:r>
+                        </m:sup>
+                      </m:sSup>
+                      <m:r>
+                        <a:rPr lang="en-US" sz="4400" i="1">
+                          <a:latin typeface="Cambria Math" panose="02040503050406030204" pitchFamily="18" charset="0"/>
+                        </a:rPr>
+                        <m:t>,</m:t>
+                      </m:r>
+                      <m:sSub>
+                        <m:sSubPr>
+                          <m:ctrlPr>
+                            <a:rPr lang="en-US" sz="4400" i="1">
+                              <a:latin typeface="Cambria Math" panose="02040503050406030204" pitchFamily="18" charset="0"/>
+                            </a:rPr>
+                          </m:ctrlPr>
+                        </m:sSubPr>
+                        <m:e>
+                          <m:r>
+                            <a:rPr lang="en-US" sz="4400" i="1">
+                              <a:latin typeface="Cambria Math" panose="02040503050406030204" pitchFamily="18" charset="0"/>
+                            </a:rPr>
+                            <m:t>𝑝</m:t>
+                          </m:r>
+                        </m:e>
+                        <m:sub>
+                          <m:r>
+                            <a:rPr lang="en-US" sz="4400" i="1">
+                              <a:latin typeface="Cambria Math" panose="02040503050406030204" pitchFamily="18" charset="0"/>
+                            </a:rPr>
+                            <m:t>𝑖</m:t>
+                          </m:r>
+                        </m:sub>
+                      </m:sSub>
+                      <m:r>
+                        <a:rPr lang="en-US" sz="4400" b="0" i="1" smtClean="0">
+                          <a:latin typeface="Cambria Math" panose="02040503050406030204" pitchFamily="18" charset="0"/>
+                        </a:rPr>
+                        <m:t>)</m:t>
+                      </m:r>
+                    </m:oMath>
+                  </m:oMathPara>
+                </a14:m>
+                <a:endParaRPr lang="en-US" sz="4400" dirty="0"/>
+              </a:p>
+            </p:txBody>
+          </p:sp>
+        </mc:Choice>
+        <mc:Fallback>
+          <p:sp>
+            <p:nvSpPr>
+              <p:cNvPr id="6" name="TextBox 5">
+                <a:extLst>
+                  <a:ext uri="{FF2B5EF4-FFF2-40B4-BE49-F238E27FC236}">
+                    <a16:creationId xmlns:a16="http://schemas.microsoft.com/office/drawing/2014/main" id="{1D3F68E6-B84B-F8B2-2D4E-BF94A559B4E7}"/>
+                  </a:ext>
+                </a:extLst>
+              </p:cNvPr>
+              <p:cNvSpPr txBox="1">
+                <a:spLocks noRot="1" noChangeAspect="1" noMove="1" noResize="1" noEditPoints="1" noAdjustHandles="1" noChangeArrowheads="1" noChangeShapeType="1" noTextEdit="1"/>
+              </p:cNvSpPr>
+              <p:nvPr/>
+            </p:nvSpPr>
+            <p:spPr>
+              <a:xfrm>
+                <a:off x="2588243" y="214765"/>
+                <a:ext cx="1971822" cy="791370"/>
+              </a:xfrm>
+              <a:prstGeom prst="rect">
+                <a:avLst/>
+              </a:prstGeom>
+              <a:blipFill>
+                <a:blip r:embed="rId4"/>
+                <a:stretch>
+                  <a:fillRect/>
+                </a:stretch>
+              </a:blipFill>
+            </p:spPr>
+            <p:txBody>
+              <a:bodyPr/>
+              <a:lstStyle/>
+              <a:p>
+                <a:r>
+                  <a:rPr lang="en-US">
+                    <a:noFill/>
+                  </a:rPr>
+                  <a:t> </a:t>
+                </a:r>
+              </a:p>
+            </p:txBody>
+          </p:sp>
+        </mc:Fallback>
+      </mc:AlternateContent>
+      <mc:AlternateContent xmlns:mc="http://schemas.openxmlformats.org/markup-compatibility/2006">
+        <mc:Choice xmlns:a14="http://schemas.microsoft.com/office/drawing/2010/main" Requires="a14">
+          <p:sp>
+            <p:nvSpPr>
+              <p:cNvPr id="12" name="TextBox 11">
+                <a:extLst>
+                  <a:ext uri="{FF2B5EF4-FFF2-40B4-BE49-F238E27FC236}">
+                    <a16:creationId xmlns:a16="http://schemas.microsoft.com/office/drawing/2014/main" id="{A6C7E4EA-FBBD-7ACC-91AF-AAB7CEB3124F}"/>
+                  </a:ext>
+                </a:extLst>
+              </p:cNvPr>
+              <p:cNvSpPr txBox="1"/>
+              <p:nvPr/>
+            </p:nvSpPr>
+            <p:spPr>
+              <a:xfrm>
+                <a:off x="5390551" y="186849"/>
                 <a:ext cx="2023759" cy="791370"/>
               </a:xfrm>
               <a:prstGeom prst="rect">
@@ -10377,14 +10536,14 @@
                       <m:sSup>
                         <m:sSupPr>
                           <m:ctrlPr>
-                            <a:rPr lang="en-US" sz="4400" b="0" i="1" smtClean="0">
+                            <a:rPr lang="en-US" sz="4400" i="1">
                               <a:latin typeface="Cambria Math" panose="02040503050406030204" pitchFamily="18" charset="0"/>
                             </a:rPr>
                           </m:ctrlPr>
                         </m:sSupPr>
                         <m:e>
                           <m:r>
-                            <a:rPr lang="en-US" sz="4400" b="0" i="1" smtClean="0">
+                            <a:rPr lang="en-US" sz="4400" i="1">
                               <a:latin typeface="Cambria Math" panose="02040503050406030204" pitchFamily="18" charset="0"/>
                             </a:rPr>
                             <m:t>𝑥</m:t>
@@ -10392,7 +10551,7 @@
                         </m:e>
                         <m:sup>
                           <m:r>
-                            <a:rPr lang="en-US" sz="4400" b="0" i="1" smtClean="0">
+                            <a:rPr lang="en-US" sz="4400" i="1">
                               <a:latin typeface="Cambria Math" panose="02040503050406030204" pitchFamily="18" charset="0"/>
                             </a:rPr>
                             <m:t>𝑖</m:t>
@@ -10400,7 +10559,7 @@
                         </m:sup>
                       </m:sSup>
                       <m:r>
-                        <a:rPr lang="en-US" sz="4400" b="0" i="1" smtClean="0">
+                        <a:rPr lang="en-US" sz="4400" i="1">
                           <a:latin typeface="Cambria Math" panose="02040503050406030204" pitchFamily="18" charset="0"/>
                         </a:rPr>
                         <m:t>,</m:t>
@@ -10408,14 +10567,14 @@
                       <m:sSup>
                         <m:sSupPr>
                           <m:ctrlPr>
-                            <a:rPr lang="en-US" sz="4400" b="0" i="1" smtClean="0">
+                            <a:rPr lang="en-US" sz="4400" i="1">
                               <a:latin typeface="Cambria Math" panose="02040503050406030204" pitchFamily="18" charset="0"/>
                             </a:rPr>
                           </m:ctrlPr>
                         </m:sSupPr>
                         <m:e>
                           <m:r>
-                            <a:rPr lang="en-US" sz="4400" b="0" i="1" smtClean="0">
+                            <a:rPr lang="en-US" sz="4400" i="1">
                               <a:latin typeface="Cambria Math" panose="02040503050406030204" pitchFamily="18" charset="0"/>
                             </a:rPr>
                             <m:t>𝑣</m:t>
@@ -10423,7 +10582,7 @@
                         </m:e>
                         <m:sup>
                           <m:r>
-                            <a:rPr lang="en-US" sz="4400" b="0" i="1" smtClean="0">
+                            <a:rPr lang="en-US" sz="4400" i="1">
                               <a:latin typeface="Cambria Math" panose="02040503050406030204" pitchFamily="18" charset="0"/>
                             </a:rPr>
                             <m:t>𝑖</m:t>
@@ -10444,165 +10603,7 @@
             </p:txBody>
           </p:sp>
         </mc:Choice>
-        <mc:Fallback xmlns="">
-          <p:sp>
-            <p:nvSpPr>
-              <p:cNvPr id="6" name="TextBox 5">
-                <a:extLst>
-                  <a:ext uri="{FF2B5EF4-FFF2-40B4-BE49-F238E27FC236}">
-                    <a16:creationId xmlns:a16="http://schemas.microsoft.com/office/drawing/2014/main" id="{1D3F68E6-B84B-F8B2-2D4E-BF94A559B4E7}"/>
-                  </a:ext>
-                </a:extLst>
-              </p:cNvPr>
-              <p:cNvSpPr txBox="1">
-                <a:spLocks noRot="1" noChangeAspect="1" noMove="1" noResize="1" noEditPoints="1" noAdjustHandles="1" noChangeArrowheads="1" noChangeShapeType="1" noTextEdit="1"/>
-              </p:cNvSpPr>
-              <p:nvPr/>
-            </p:nvSpPr>
-            <p:spPr>
-              <a:xfrm>
-                <a:off x="2588243" y="214765"/>
-                <a:ext cx="2023759" cy="791370"/>
-              </a:xfrm>
-              <a:prstGeom prst="rect">
-                <a:avLst/>
-              </a:prstGeom>
-              <a:blipFill>
-                <a:blip r:embed="rId5"/>
-                <a:stretch>
-                  <a:fillRect l="-5625" r="-5000" b="-23438"/>
-                </a:stretch>
-              </a:blipFill>
-            </p:spPr>
-            <p:txBody>
-              <a:bodyPr/>
-              <a:lstStyle/>
-              <a:p>
-                <a:r>
-                  <a:rPr lang="en-US">
-                    <a:noFill/>
-                  </a:rPr>
-                  <a:t> </a:t>
-                </a:r>
-              </a:p>
-            </p:txBody>
-          </p:sp>
-        </mc:Fallback>
-      </mc:AlternateContent>
-      <mc:AlternateContent xmlns:mc="http://schemas.openxmlformats.org/markup-compatibility/2006" xmlns:a14="http://schemas.microsoft.com/office/drawing/2010/main">
-        <mc:Choice Requires="a14">
-          <p:sp>
-            <p:nvSpPr>
-              <p:cNvPr id="12" name="TextBox 11">
-                <a:extLst>
-                  <a:ext uri="{FF2B5EF4-FFF2-40B4-BE49-F238E27FC236}">
-                    <a16:creationId xmlns:a16="http://schemas.microsoft.com/office/drawing/2014/main" id="{A6C7E4EA-FBBD-7ACC-91AF-AAB7CEB3124F}"/>
-                  </a:ext>
-                </a:extLst>
-              </p:cNvPr>
-              <p:cNvSpPr txBox="1"/>
-              <p:nvPr/>
-            </p:nvSpPr>
-            <p:spPr>
-              <a:xfrm>
-                <a:off x="5390551" y="186849"/>
-                <a:ext cx="1971822" cy="791370"/>
-              </a:xfrm>
-              <a:prstGeom prst="rect">
-                <a:avLst/>
-              </a:prstGeom>
-              <a:noFill/>
-            </p:spPr>
-            <p:txBody>
-              <a:bodyPr wrap="none" rtlCol="0">
-                <a:spAutoFit/>
-              </a:bodyPr>
-              <a:lstStyle/>
-              <a:p>
-                <a:pPr/>
-                <a14:m>
-                  <m:oMathPara xmlns:m="http://schemas.openxmlformats.org/officeDocument/2006/math">
-                    <m:oMathParaPr>
-                      <m:jc m:val="centerGroup"/>
-                    </m:oMathParaPr>
-                    <m:oMath xmlns:m="http://schemas.openxmlformats.org/officeDocument/2006/math">
-                      <m:r>
-                        <a:rPr lang="en-US" sz="4400" b="0" i="1" smtClean="0">
-                          <a:latin typeface="Cambria Math" panose="02040503050406030204" pitchFamily="18" charset="0"/>
-                        </a:rPr>
-                        <m:t>(</m:t>
-                      </m:r>
-                      <m:sSup>
-                        <m:sSupPr>
-                          <m:ctrlPr>
-                            <a:rPr lang="en-US" sz="4400" b="0" i="1" smtClean="0">
-                              <a:latin typeface="Cambria Math" panose="02040503050406030204" pitchFamily="18" charset="0"/>
-                            </a:rPr>
-                          </m:ctrlPr>
-                        </m:sSupPr>
-                        <m:e>
-                          <m:r>
-                            <a:rPr lang="en-US" sz="4400" b="0" i="1" smtClean="0">
-                              <a:latin typeface="Cambria Math" panose="02040503050406030204" pitchFamily="18" charset="0"/>
-                            </a:rPr>
-                            <m:t>𝑞</m:t>
-                          </m:r>
-                        </m:e>
-                        <m:sup>
-                          <m:r>
-                            <a:rPr lang="en-US" sz="4400" b="0" i="1" smtClean="0">
-                              <a:latin typeface="Cambria Math" panose="02040503050406030204" pitchFamily="18" charset="0"/>
-                            </a:rPr>
-                            <m:t>𝑖</m:t>
-                          </m:r>
-                        </m:sup>
-                      </m:sSup>
-                      <m:r>
-                        <a:rPr lang="en-US" sz="4400" b="0" i="1" smtClean="0">
-                          <a:latin typeface="Cambria Math" panose="02040503050406030204" pitchFamily="18" charset="0"/>
-                        </a:rPr>
-                        <m:t>,</m:t>
-                      </m:r>
-                      <m:sSub>
-                        <m:sSubPr>
-                          <m:ctrlPr>
-                            <a:rPr lang="en-US" sz="4400" b="0" i="1" smtClean="0">
-                              <a:latin typeface="Cambria Math" panose="02040503050406030204" pitchFamily="18" charset="0"/>
-                            </a:rPr>
-                          </m:ctrlPr>
-                        </m:sSubPr>
-                        <m:e>
-                          <m:r>
-                            <a:rPr lang="en-US" sz="4400" b="0" i="1" smtClean="0">
-                              <a:latin typeface="Cambria Math" panose="02040503050406030204" pitchFamily="18" charset="0"/>
-                            </a:rPr>
-                            <m:t>𝑝</m:t>
-                          </m:r>
-                        </m:e>
-                        <m:sub>
-                          <m:r>
-                            <a:rPr lang="en-US" sz="4400" b="0" i="1" smtClean="0">
-                              <a:latin typeface="Cambria Math" panose="02040503050406030204" pitchFamily="18" charset="0"/>
-                            </a:rPr>
-                            <m:t>𝑖</m:t>
-                          </m:r>
-                        </m:sub>
-                      </m:sSub>
-                      <m:r>
-                        <a:rPr lang="en-US" sz="4400" b="0" i="1" smtClean="0">
-                          <a:latin typeface="Cambria Math" panose="02040503050406030204" pitchFamily="18" charset="0"/>
-                        </a:rPr>
-                        <m:t>)</m:t>
-                      </m:r>
-                    </m:oMath>
-                  </m:oMathPara>
-                </a14:m>
-                <a:endParaRPr lang="en-US" sz="4400" dirty="0"/>
-              </a:p>
-            </p:txBody>
-          </p:sp>
-        </mc:Choice>
-        <mc:Fallback xmlns="">
+        <mc:Fallback>
           <p:sp>
             <p:nvSpPr>
               <p:cNvPr id="12" name="TextBox 11">
@@ -10620,15 +10621,15 @@
             <p:spPr>
               <a:xfrm>
                 <a:off x="5390551" y="186849"/>
-                <a:ext cx="1971822" cy="791370"/>
+                <a:ext cx="2023759" cy="791370"/>
               </a:xfrm>
               <a:prstGeom prst="rect">
                 <a:avLst/>
               </a:prstGeom>
               <a:blipFill>
-                <a:blip r:embed="rId6"/>
+                <a:blip r:embed="rId5"/>
                 <a:stretch>
-                  <a:fillRect l="-5128" r="-5128" b="-25397"/>
+                  <a:fillRect/>
                 </a:stretch>
               </a:blipFill>
             </p:spPr>
@@ -10777,8 +10778,8 @@
           </a:fontRef>
         </p:style>
       </p:cxnSp>
-      <mc:AlternateContent xmlns:mc="http://schemas.openxmlformats.org/markup-compatibility/2006">
-        <mc:Choice xmlns:a14="http://schemas.microsoft.com/office/drawing/2010/main" Requires="a14">
+      <mc:AlternateContent xmlns:mc="http://schemas.openxmlformats.org/markup-compatibility/2006" xmlns:a14="http://schemas.microsoft.com/office/drawing/2010/main">
+        <mc:Choice Requires="a14">
           <p:sp>
             <p:nvSpPr>
               <p:cNvPr id="16" name="TextBox 15">
@@ -10899,7 +10900,7 @@
             </p:txBody>
           </p:sp>
         </mc:Choice>
-        <mc:Fallback>
+        <mc:Fallback xmlns="">
           <p:sp>
             <p:nvSpPr>
               <p:cNvPr id="16" name="TextBox 15">
@@ -11003,7 +11004,7 @@
         </p:nvSpPr>
         <p:spPr>
           <a:xfrm>
-            <a:off x="53488" y="1084382"/>
+            <a:off x="847381" y="1084382"/>
             <a:ext cx="1333378" cy="646331"/>
           </a:xfrm>
           <a:prstGeom prst="rect">
@@ -11017,7 +11018,6 @@
           </a:bodyPr>
           <a:lstStyle/>
           <a:p>
-            <a:pPr algn="r"/>
             <a:r>
               <a:rPr lang="en-US" dirty="0"/>
               <a:t>Hamiltonian</a:t>
@@ -11077,8 +11077,8 @@
           </a:p>
         </p:txBody>
       </p:sp>
-      <mc:AlternateContent xmlns:mc="http://schemas.openxmlformats.org/markup-compatibility/2006">
-        <mc:Choice xmlns:a14="http://schemas.microsoft.com/office/drawing/2010/main" Requires="a14">
+      <mc:AlternateContent xmlns:mc="http://schemas.openxmlformats.org/markup-compatibility/2006" xmlns:a14="http://schemas.microsoft.com/office/drawing/2010/main">
+        <mc:Choice Requires="a14">
           <p:sp>
             <p:nvSpPr>
               <p:cNvPr id="4" name="TextBox 3">
@@ -11373,7 +11373,7 @@
             </p:txBody>
           </p:sp>
         </mc:Choice>
-        <mc:Fallback>
+        <mc:Fallback xmlns="">
           <p:sp>
             <p:nvSpPr>
               <p:cNvPr id="4" name="TextBox 3">
@@ -11418,8 +11418,8 @@
           </p:sp>
         </mc:Fallback>
       </mc:AlternateContent>
-      <mc:AlternateContent xmlns:mc="http://schemas.openxmlformats.org/markup-compatibility/2006">
-        <mc:Choice xmlns:a14="http://schemas.microsoft.com/office/drawing/2010/main" Requires="a14">
+      <mc:AlternateContent xmlns:mc="http://schemas.openxmlformats.org/markup-compatibility/2006" xmlns:a14="http://schemas.microsoft.com/office/drawing/2010/main">
+        <mc:Choice Requires="a14">
           <p:sp>
             <p:nvSpPr>
               <p:cNvPr id="9" name="TextBox 8">
@@ -11664,7 +11664,7 @@
             </p:txBody>
           </p:sp>
         </mc:Choice>
-        <mc:Fallback>
+        <mc:Fallback xmlns="">
           <p:sp>
             <p:nvSpPr>
               <p:cNvPr id="9" name="TextBox 8">
@@ -13399,322 +13399,6 @@
           </a:p>
         </p:txBody>
       </p:sp>
-      <mc:AlternateContent xmlns:mc="http://schemas.openxmlformats.org/markup-compatibility/2006" xmlns:a14="http://schemas.microsoft.com/office/drawing/2010/main">
-        <mc:Choice Requires="a14">
-          <p:sp>
-            <p:nvSpPr>
-              <p:cNvPr id="6" name="TextBox 5">
-                <a:extLst>
-                  <a:ext uri="{FF2B5EF4-FFF2-40B4-BE49-F238E27FC236}">
-                    <a16:creationId xmlns:a16="http://schemas.microsoft.com/office/drawing/2014/main" id="{1D3F68E6-B84B-F8B2-2D4E-BF94A559B4E7}"/>
-                  </a:ext>
-                </a:extLst>
-              </p:cNvPr>
-              <p:cNvSpPr txBox="1"/>
-              <p:nvPr/>
-            </p:nvSpPr>
-            <p:spPr>
-              <a:xfrm>
-                <a:off x="2588243" y="214765"/>
-                <a:ext cx="2023759" cy="791370"/>
-              </a:xfrm>
-              <a:prstGeom prst="rect">
-                <a:avLst/>
-              </a:prstGeom>
-              <a:noFill/>
-            </p:spPr>
-            <p:txBody>
-              <a:bodyPr wrap="none" rtlCol="0">
-                <a:spAutoFit/>
-              </a:bodyPr>
-              <a:lstStyle/>
-              <a:p>
-                <a:pPr/>
-                <a14:m>
-                  <m:oMathPara xmlns:m="http://schemas.openxmlformats.org/officeDocument/2006/math">
-                    <m:oMathParaPr>
-                      <m:jc m:val="centerGroup"/>
-                    </m:oMathParaPr>
-                    <m:oMath xmlns:m="http://schemas.openxmlformats.org/officeDocument/2006/math">
-                      <m:r>
-                        <a:rPr lang="en-US" sz="4400" b="0" i="1" smtClean="0">
-                          <a:latin typeface="Cambria Math" panose="02040503050406030204" pitchFamily="18" charset="0"/>
-                        </a:rPr>
-                        <m:t>(</m:t>
-                      </m:r>
-                      <m:sSup>
-                        <m:sSupPr>
-                          <m:ctrlPr>
-                            <a:rPr lang="en-US" sz="4400" b="0" i="1" smtClean="0">
-                              <a:latin typeface="Cambria Math" panose="02040503050406030204" pitchFamily="18" charset="0"/>
-                            </a:rPr>
-                          </m:ctrlPr>
-                        </m:sSupPr>
-                        <m:e>
-                          <m:r>
-                            <a:rPr lang="en-US" sz="4400" b="0" i="1" smtClean="0">
-                              <a:latin typeface="Cambria Math" panose="02040503050406030204" pitchFamily="18" charset="0"/>
-                            </a:rPr>
-                            <m:t>𝑥</m:t>
-                          </m:r>
-                        </m:e>
-                        <m:sup>
-                          <m:r>
-                            <a:rPr lang="en-US" sz="4400" b="0" i="1" smtClean="0">
-                              <a:latin typeface="Cambria Math" panose="02040503050406030204" pitchFamily="18" charset="0"/>
-                            </a:rPr>
-                            <m:t>𝑖</m:t>
-                          </m:r>
-                        </m:sup>
-                      </m:sSup>
-                      <m:r>
-                        <a:rPr lang="en-US" sz="4400" b="0" i="1" smtClean="0">
-                          <a:latin typeface="Cambria Math" panose="02040503050406030204" pitchFamily="18" charset="0"/>
-                        </a:rPr>
-                        <m:t>,</m:t>
-                      </m:r>
-                      <m:sSup>
-                        <m:sSupPr>
-                          <m:ctrlPr>
-                            <a:rPr lang="en-US" sz="4400" b="0" i="1" smtClean="0">
-                              <a:latin typeface="Cambria Math" panose="02040503050406030204" pitchFamily="18" charset="0"/>
-                            </a:rPr>
-                          </m:ctrlPr>
-                        </m:sSupPr>
-                        <m:e>
-                          <m:r>
-                            <a:rPr lang="en-US" sz="4400" b="0" i="1" smtClean="0">
-                              <a:latin typeface="Cambria Math" panose="02040503050406030204" pitchFamily="18" charset="0"/>
-                            </a:rPr>
-                            <m:t>𝑣</m:t>
-                          </m:r>
-                        </m:e>
-                        <m:sup>
-                          <m:r>
-                            <a:rPr lang="en-US" sz="4400" b="0" i="1" smtClean="0">
-                              <a:latin typeface="Cambria Math" panose="02040503050406030204" pitchFamily="18" charset="0"/>
-                            </a:rPr>
-                            <m:t>𝑖</m:t>
-                          </m:r>
-                        </m:sup>
-                      </m:sSup>
-                      <m:r>
-                        <a:rPr lang="en-US" sz="4400" b="0" i="1" smtClean="0">
-                          <a:latin typeface="Cambria Math" panose="02040503050406030204" pitchFamily="18" charset="0"/>
-                        </a:rPr>
-                        <m:t>)</m:t>
-                      </m:r>
-                    </m:oMath>
-                  </m:oMathPara>
-                </a14:m>
-                <a:endParaRPr lang="en-US" sz="4400" dirty="0"/>
-              </a:p>
-            </p:txBody>
-          </p:sp>
-        </mc:Choice>
-        <mc:Fallback xmlns="">
-          <p:sp>
-            <p:nvSpPr>
-              <p:cNvPr id="6" name="TextBox 5">
-                <a:extLst>
-                  <a:ext uri="{FF2B5EF4-FFF2-40B4-BE49-F238E27FC236}">
-                    <a16:creationId xmlns:a16="http://schemas.microsoft.com/office/drawing/2014/main" id="{1D3F68E6-B84B-F8B2-2D4E-BF94A559B4E7}"/>
-                  </a:ext>
-                </a:extLst>
-              </p:cNvPr>
-              <p:cNvSpPr txBox="1">
-                <a:spLocks noRot="1" noChangeAspect="1" noMove="1" noResize="1" noEditPoints="1" noAdjustHandles="1" noChangeArrowheads="1" noChangeShapeType="1" noTextEdit="1"/>
-              </p:cNvSpPr>
-              <p:nvPr/>
-            </p:nvSpPr>
-            <p:spPr>
-              <a:xfrm>
-                <a:off x="2588243" y="214765"/>
-                <a:ext cx="2023759" cy="791370"/>
-              </a:xfrm>
-              <a:prstGeom prst="rect">
-                <a:avLst/>
-              </a:prstGeom>
-              <a:blipFill>
-                <a:blip r:embed="rId5"/>
-                <a:stretch>
-                  <a:fillRect l="-5625" r="-5000" b="-23438"/>
-                </a:stretch>
-              </a:blipFill>
-            </p:spPr>
-            <p:txBody>
-              <a:bodyPr/>
-              <a:lstStyle/>
-              <a:p>
-                <a:r>
-                  <a:rPr lang="en-US">
-                    <a:noFill/>
-                  </a:rPr>
-                  <a:t> </a:t>
-                </a:r>
-              </a:p>
-            </p:txBody>
-          </p:sp>
-        </mc:Fallback>
-      </mc:AlternateContent>
-      <mc:AlternateContent xmlns:mc="http://schemas.openxmlformats.org/markup-compatibility/2006" xmlns:a14="http://schemas.microsoft.com/office/drawing/2010/main">
-        <mc:Choice Requires="a14">
-          <p:sp>
-            <p:nvSpPr>
-              <p:cNvPr id="12" name="TextBox 11">
-                <a:extLst>
-                  <a:ext uri="{FF2B5EF4-FFF2-40B4-BE49-F238E27FC236}">
-                    <a16:creationId xmlns:a16="http://schemas.microsoft.com/office/drawing/2014/main" id="{A6C7E4EA-FBBD-7ACC-91AF-AAB7CEB3124F}"/>
-                  </a:ext>
-                </a:extLst>
-              </p:cNvPr>
-              <p:cNvSpPr txBox="1"/>
-              <p:nvPr/>
-            </p:nvSpPr>
-            <p:spPr>
-              <a:xfrm>
-                <a:off x="5390551" y="186849"/>
-                <a:ext cx="1971822" cy="791370"/>
-              </a:xfrm>
-              <a:prstGeom prst="rect">
-                <a:avLst/>
-              </a:prstGeom>
-              <a:noFill/>
-            </p:spPr>
-            <p:txBody>
-              <a:bodyPr wrap="none" rtlCol="0">
-                <a:spAutoFit/>
-              </a:bodyPr>
-              <a:lstStyle/>
-              <a:p>
-                <a:pPr/>
-                <a14:m>
-                  <m:oMathPara xmlns:m="http://schemas.openxmlformats.org/officeDocument/2006/math">
-                    <m:oMathParaPr>
-                      <m:jc m:val="centerGroup"/>
-                    </m:oMathParaPr>
-                    <m:oMath xmlns:m="http://schemas.openxmlformats.org/officeDocument/2006/math">
-                      <m:r>
-                        <a:rPr lang="en-US" sz="4400" b="0" i="1" smtClean="0">
-                          <a:latin typeface="Cambria Math" panose="02040503050406030204" pitchFamily="18" charset="0"/>
-                        </a:rPr>
-                        <m:t>(</m:t>
-                      </m:r>
-                      <m:sSup>
-                        <m:sSupPr>
-                          <m:ctrlPr>
-                            <a:rPr lang="en-US" sz="4400" b="0" i="1" smtClean="0">
-                              <a:latin typeface="Cambria Math" panose="02040503050406030204" pitchFamily="18" charset="0"/>
-                            </a:rPr>
-                          </m:ctrlPr>
-                        </m:sSupPr>
-                        <m:e>
-                          <m:r>
-                            <a:rPr lang="en-US" sz="4400" b="0" i="1" smtClean="0">
-                              <a:latin typeface="Cambria Math" panose="02040503050406030204" pitchFamily="18" charset="0"/>
-                            </a:rPr>
-                            <m:t>𝑞</m:t>
-                          </m:r>
-                        </m:e>
-                        <m:sup>
-                          <m:r>
-                            <a:rPr lang="en-US" sz="4400" b="0" i="1" smtClean="0">
-                              <a:latin typeface="Cambria Math" panose="02040503050406030204" pitchFamily="18" charset="0"/>
-                            </a:rPr>
-                            <m:t>𝑖</m:t>
-                          </m:r>
-                        </m:sup>
-                      </m:sSup>
-                      <m:r>
-                        <a:rPr lang="en-US" sz="4400" b="0" i="1" smtClean="0">
-                          <a:latin typeface="Cambria Math" panose="02040503050406030204" pitchFamily="18" charset="0"/>
-                        </a:rPr>
-                        <m:t>,</m:t>
-                      </m:r>
-                      <m:sSub>
-                        <m:sSubPr>
-                          <m:ctrlPr>
-                            <a:rPr lang="en-US" sz="4400" b="0" i="1" smtClean="0">
-                              <a:latin typeface="Cambria Math" panose="02040503050406030204" pitchFamily="18" charset="0"/>
-                            </a:rPr>
-                          </m:ctrlPr>
-                        </m:sSubPr>
-                        <m:e>
-                          <m:r>
-                            <a:rPr lang="en-US" sz="4400" b="0" i="1" smtClean="0">
-                              <a:latin typeface="Cambria Math" panose="02040503050406030204" pitchFamily="18" charset="0"/>
-                            </a:rPr>
-                            <m:t>𝑝</m:t>
-                          </m:r>
-                        </m:e>
-                        <m:sub>
-                          <m:r>
-                            <a:rPr lang="en-US" sz="4400" b="0" i="1" smtClean="0">
-                              <a:latin typeface="Cambria Math" panose="02040503050406030204" pitchFamily="18" charset="0"/>
-                            </a:rPr>
-                            <m:t>𝑖</m:t>
-                          </m:r>
-                        </m:sub>
-                      </m:sSub>
-                      <m:r>
-                        <a:rPr lang="en-US" sz="4400" b="0" i="1" smtClean="0">
-                          <a:latin typeface="Cambria Math" panose="02040503050406030204" pitchFamily="18" charset="0"/>
-                        </a:rPr>
-                        <m:t>)</m:t>
-                      </m:r>
-                    </m:oMath>
-                  </m:oMathPara>
-                </a14:m>
-                <a:endParaRPr lang="en-US" sz="4400" dirty="0"/>
-              </a:p>
-            </p:txBody>
-          </p:sp>
-        </mc:Choice>
-        <mc:Fallback xmlns="">
-          <p:sp>
-            <p:nvSpPr>
-              <p:cNvPr id="12" name="TextBox 11">
-                <a:extLst>
-                  <a:ext uri="{FF2B5EF4-FFF2-40B4-BE49-F238E27FC236}">
-                    <a16:creationId xmlns:a16="http://schemas.microsoft.com/office/drawing/2014/main" id="{A6C7E4EA-FBBD-7ACC-91AF-AAB7CEB3124F}"/>
-                  </a:ext>
-                </a:extLst>
-              </p:cNvPr>
-              <p:cNvSpPr txBox="1">
-                <a:spLocks noRot="1" noChangeAspect="1" noMove="1" noResize="1" noEditPoints="1" noAdjustHandles="1" noChangeArrowheads="1" noChangeShapeType="1" noTextEdit="1"/>
-              </p:cNvSpPr>
-              <p:nvPr/>
-            </p:nvSpPr>
-            <p:spPr>
-              <a:xfrm>
-                <a:off x="5390551" y="186849"/>
-                <a:ext cx="1971822" cy="791370"/>
-              </a:xfrm>
-              <a:prstGeom prst="rect">
-                <a:avLst/>
-              </a:prstGeom>
-              <a:blipFill>
-                <a:blip r:embed="rId6"/>
-                <a:stretch>
-                  <a:fillRect l="-5128" r="-5128" b="-25397"/>
-                </a:stretch>
-              </a:blipFill>
-            </p:spPr>
-            <p:txBody>
-              <a:bodyPr/>
-              <a:lstStyle/>
-              <a:p>
-                <a:r>
-                  <a:rPr lang="en-US">
-                    <a:noFill/>
-                  </a:rPr>
-                  <a:t> </a:t>
-                </a:r>
-              </a:p>
-            </p:txBody>
-          </p:sp>
-        </mc:Fallback>
-      </mc:AlternateContent>
       <p:sp>
         <p:nvSpPr>
           <p:cNvPr id="13" name="TextBox 12">
@@ -13845,8 +13529,8 @@
           </a:fontRef>
         </p:style>
       </p:cxnSp>
-      <mc:AlternateContent xmlns:mc="http://schemas.openxmlformats.org/markup-compatibility/2006">
-        <mc:Choice xmlns:a14="http://schemas.microsoft.com/office/drawing/2010/main" Requires="a14">
+      <mc:AlternateContent xmlns:mc="http://schemas.openxmlformats.org/markup-compatibility/2006" xmlns:a14="http://schemas.microsoft.com/office/drawing/2010/main">
+        <mc:Choice Requires="a14">
           <p:sp>
             <p:nvSpPr>
               <p:cNvPr id="16" name="TextBox 15">
@@ -13967,7 +13651,7 @@
             </p:txBody>
           </p:sp>
         </mc:Choice>
-        <mc:Fallback>
+        <mc:Fallback xmlns="">
           <p:sp>
             <p:nvSpPr>
               <p:cNvPr id="16" name="TextBox 15">
@@ -14059,50 +13743,6 @@
       </p:cxnSp>
       <p:sp>
         <p:nvSpPr>
-          <p:cNvPr id="18" name="TextBox 17">
-            <a:extLst>
-              <a:ext uri="{FF2B5EF4-FFF2-40B4-BE49-F238E27FC236}">
-                <a16:creationId xmlns:a16="http://schemas.microsoft.com/office/drawing/2014/main" id="{CF0B6968-7EDA-B215-DC4D-77B40CCC614B}"/>
-              </a:ext>
-            </a:extLst>
-          </p:cNvPr>
-          <p:cNvSpPr txBox="1"/>
-          <p:nvPr/>
-        </p:nvSpPr>
-        <p:spPr>
-          <a:xfrm>
-            <a:off x="53488" y="1084382"/>
-            <a:ext cx="1333378" cy="646331"/>
-          </a:xfrm>
-          <a:prstGeom prst="rect">
-            <a:avLst/>
-          </a:prstGeom>
-          <a:noFill/>
-        </p:spPr>
-        <p:txBody>
-          <a:bodyPr wrap="none" rtlCol="0">
-            <a:spAutoFit/>
-          </a:bodyPr>
-          <a:lstStyle/>
-          <a:p>
-            <a:pPr algn="r"/>
-            <a:r>
-              <a:rPr lang="en-US" dirty="0"/>
-              <a:t>Hamiltonian</a:t>
-            </a:r>
-            <a:br>
-              <a:rPr lang="en-US" dirty="0"/>
-            </a:br>
-            <a:r>
-              <a:rPr lang="en-US" dirty="0" err="1"/>
-              <a:t>EoM</a:t>
-            </a:r>
-            <a:endParaRPr lang="en-US" dirty="0"/>
-          </a:p>
-        </p:txBody>
-      </p:sp>
-      <p:sp>
-        <p:nvSpPr>
           <p:cNvPr id="19" name="TextBox 18">
             <a:extLst>
               <a:ext uri="{FF2B5EF4-FFF2-40B4-BE49-F238E27FC236}">
@@ -14145,8 +13785,8 @@
           </a:p>
         </p:txBody>
       </p:sp>
-      <mc:AlternateContent xmlns:mc="http://schemas.openxmlformats.org/markup-compatibility/2006">
-        <mc:Choice xmlns:a14="http://schemas.microsoft.com/office/drawing/2010/main" Requires="a14">
+      <mc:AlternateContent xmlns:mc="http://schemas.openxmlformats.org/markup-compatibility/2006" xmlns:a14="http://schemas.microsoft.com/office/drawing/2010/main">
+        <mc:Choice Requires="a14">
           <p:sp>
             <p:nvSpPr>
               <p:cNvPr id="4" name="TextBox 3">
@@ -14441,7 +14081,7 @@
             </p:txBody>
           </p:sp>
         </mc:Choice>
-        <mc:Fallback>
+        <mc:Fallback xmlns="">
           <p:sp>
             <p:nvSpPr>
               <p:cNvPr id="4" name="TextBox 3">
@@ -14486,8 +14126,8 @@
           </p:sp>
         </mc:Fallback>
       </mc:AlternateContent>
-      <mc:AlternateContent xmlns:mc="http://schemas.openxmlformats.org/markup-compatibility/2006">
-        <mc:Choice xmlns:a14="http://schemas.microsoft.com/office/drawing/2010/main" Requires="a14">
+      <mc:AlternateContent xmlns:mc="http://schemas.openxmlformats.org/markup-compatibility/2006" xmlns:a14="http://schemas.microsoft.com/office/drawing/2010/main">
+        <mc:Choice Requires="a14">
           <p:sp>
             <p:nvSpPr>
               <p:cNvPr id="7" name="TextBox 6">
@@ -15401,7 +15041,7 @@
             </p:txBody>
           </p:sp>
         </mc:Choice>
-        <mc:Fallback>
+        <mc:Fallback xmlns="">
           <p:sp>
             <p:nvSpPr>
               <p:cNvPr id="7" name="TextBox 6">
@@ -15662,8 +15302,8 @@
           </a:p>
         </p:txBody>
       </p:sp>
-      <mc:AlternateContent xmlns:mc="http://schemas.openxmlformats.org/markup-compatibility/2006">
-        <mc:Choice xmlns:a14="http://schemas.microsoft.com/office/drawing/2010/main" Requires="a14">
+      <mc:AlternateContent xmlns:mc="http://schemas.openxmlformats.org/markup-compatibility/2006" xmlns:a14="http://schemas.microsoft.com/office/drawing/2010/main">
+        <mc:Choice Requires="a14">
           <p:sp>
             <p:nvSpPr>
               <p:cNvPr id="31" name="TextBox 30">
@@ -15721,7 +15361,7 @@
             </p:txBody>
           </p:sp>
         </mc:Choice>
-        <mc:Fallback>
+        <mc:Fallback xmlns="">
           <p:sp>
             <p:nvSpPr>
               <p:cNvPr id="31" name="TextBox 30">
@@ -16256,6 +15896,365 @@
                 <a:srgbClr val="C00000"/>
               </a:solidFill>
             </a:endParaRPr>
+          </a:p>
+        </p:txBody>
+      </p:sp>
+      <mc:AlternateContent xmlns:mc="http://schemas.openxmlformats.org/markup-compatibility/2006">
+        <mc:Choice xmlns:a14="http://schemas.microsoft.com/office/drawing/2010/main" Requires="a14">
+          <p:sp>
+            <p:nvSpPr>
+              <p:cNvPr id="5" name="TextBox 4">
+                <a:extLst>
+                  <a:ext uri="{FF2B5EF4-FFF2-40B4-BE49-F238E27FC236}">
+                    <a16:creationId xmlns:a16="http://schemas.microsoft.com/office/drawing/2014/main" id="{44A05043-9098-58FF-CB5A-7DA58C683F01}"/>
+                  </a:ext>
+                </a:extLst>
+              </p:cNvPr>
+              <p:cNvSpPr txBox="1"/>
+              <p:nvPr/>
+            </p:nvSpPr>
+            <p:spPr>
+              <a:xfrm>
+                <a:off x="2588243" y="214765"/>
+                <a:ext cx="1971822" cy="791370"/>
+              </a:xfrm>
+              <a:prstGeom prst="rect">
+                <a:avLst/>
+              </a:prstGeom>
+              <a:noFill/>
+            </p:spPr>
+            <p:txBody>
+              <a:bodyPr wrap="none" rtlCol="0">
+                <a:spAutoFit/>
+              </a:bodyPr>
+              <a:lstStyle/>
+              <a:p>
+                <a:pPr/>
+                <a14:m>
+                  <m:oMathPara xmlns:m="http://schemas.openxmlformats.org/officeDocument/2006/math">
+                    <m:oMathParaPr>
+                      <m:jc m:val="centerGroup"/>
+                    </m:oMathParaPr>
+                    <m:oMath xmlns:m="http://schemas.openxmlformats.org/officeDocument/2006/math">
+                      <m:r>
+                        <a:rPr lang="en-US" sz="4400" b="0" i="1" smtClean="0">
+                          <a:latin typeface="Cambria Math" panose="02040503050406030204" pitchFamily="18" charset="0"/>
+                        </a:rPr>
+                        <m:t>(</m:t>
+                      </m:r>
+                      <m:sSup>
+                        <m:sSupPr>
+                          <m:ctrlPr>
+                            <a:rPr lang="en-US" sz="4400" i="1">
+                              <a:latin typeface="Cambria Math" panose="02040503050406030204" pitchFamily="18" charset="0"/>
+                            </a:rPr>
+                          </m:ctrlPr>
+                        </m:sSupPr>
+                        <m:e>
+                          <m:r>
+                            <a:rPr lang="en-US" sz="4400" i="1">
+                              <a:latin typeface="Cambria Math" panose="02040503050406030204" pitchFamily="18" charset="0"/>
+                            </a:rPr>
+                            <m:t>𝑞</m:t>
+                          </m:r>
+                        </m:e>
+                        <m:sup>
+                          <m:r>
+                            <a:rPr lang="en-US" sz="4400" i="1">
+                              <a:latin typeface="Cambria Math" panose="02040503050406030204" pitchFamily="18" charset="0"/>
+                            </a:rPr>
+                            <m:t>𝑖</m:t>
+                          </m:r>
+                        </m:sup>
+                      </m:sSup>
+                      <m:r>
+                        <a:rPr lang="en-US" sz="4400" i="1">
+                          <a:latin typeface="Cambria Math" panose="02040503050406030204" pitchFamily="18" charset="0"/>
+                        </a:rPr>
+                        <m:t>,</m:t>
+                      </m:r>
+                      <m:sSub>
+                        <m:sSubPr>
+                          <m:ctrlPr>
+                            <a:rPr lang="en-US" sz="4400" i="1">
+                              <a:latin typeface="Cambria Math" panose="02040503050406030204" pitchFamily="18" charset="0"/>
+                            </a:rPr>
+                          </m:ctrlPr>
+                        </m:sSubPr>
+                        <m:e>
+                          <m:r>
+                            <a:rPr lang="en-US" sz="4400" i="1">
+                              <a:latin typeface="Cambria Math" panose="02040503050406030204" pitchFamily="18" charset="0"/>
+                            </a:rPr>
+                            <m:t>𝑝</m:t>
+                          </m:r>
+                        </m:e>
+                        <m:sub>
+                          <m:r>
+                            <a:rPr lang="en-US" sz="4400" i="1">
+                              <a:latin typeface="Cambria Math" panose="02040503050406030204" pitchFamily="18" charset="0"/>
+                            </a:rPr>
+                            <m:t>𝑖</m:t>
+                          </m:r>
+                        </m:sub>
+                      </m:sSub>
+                      <m:r>
+                        <a:rPr lang="en-US" sz="4400" b="0" i="1" smtClean="0">
+                          <a:latin typeface="Cambria Math" panose="02040503050406030204" pitchFamily="18" charset="0"/>
+                        </a:rPr>
+                        <m:t>)</m:t>
+                      </m:r>
+                    </m:oMath>
+                  </m:oMathPara>
+                </a14:m>
+                <a:endParaRPr lang="en-US" sz="4400" dirty="0"/>
+              </a:p>
+            </p:txBody>
+          </p:sp>
+        </mc:Choice>
+        <mc:Fallback>
+          <p:sp>
+            <p:nvSpPr>
+              <p:cNvPr id="5" name="TextBox 4">
+                <a:extLst>
+                  <a:ext uri="{FF2B5EF4-FFF2-40B4-BE49-F238E27FC236}">
+                    <a16:creationId xmlns:a16="http://schemas.microsoft.com/office/drawing/2014/main" id="{44A05043-9098-58FF-CB5A-7DA58C683F01}"/>
+                  </a:ext>
+                </a:extLst>
+              </p:cNvPr>
+              <p:cNvSpPr txBox="1">
+                <a:spLocks noRot="1" noChangeAspect="1" noMove="1" noResize="1" noEditPoints="1" noAdjustHandles="1" noChangeArrowheads="1" noChangeShapeType="1" noTextEdit="1"/>
+              </p:cNvSpPr>
+              <p:nvPr/>
+            </p:nvSpPr>
+            <p:spPr>
+              <a:xfrm>
+                <a:off x="2588243" y="214765"/>
+                <a:ext cx="1971822" cy="791370"/>
+              </a:xfrm>
+              <a:prstGeom prst="rect">
+                <a:avLst/>
+              </a:prstGeom>
+              <a:blipFill>
+                <a:blip r:embed="rId7"/>
+                <a:stretch>
+                  <a:fillRect/>
+                </a:stretch>
+              </a:blipFill>
+            </p:spPr>
+            <p:txBody>
+              <a:bodyPr/>
+              <a:lstStyle/>
+              <a:p>
+                <a:r>
+                  <a:rPr lang="en-US">
+                    <a:noFill/>
+                  </a:rPr>
+                  <a:t> </a:t>
+                </a:r>
+              </a:p>
+            </p:txBody>
+          </p:sp>
+        </mc:Fallback>
+      </mc:AlternateContent>
+      <mc:AlternateContent xmlns:mc="http://schemas.openxmlformats.org/markup-compatibility/2006">
+        <mc:Choice xmlns:a14="http://schemas.microsoft.com/office/drawing/2010/main" Requires="a14">
+          <p:sp>
+            <p:nvSpPr>
+              <p:cNvPr id="8" name="TextBox 7">
+                <a:extLst>
+                  <a:ext uri="{FF2B5EF4-FFF2-40B4-BE49-F238E27FC236}">
+                    <a16:creationId xmlns:a16="http://schemas.microsoft.com/office/drawing/2014/main" id="{274223AF-B6A3-2151-0D64-10BA643266C4}"/>
+                  </a:ext>
+                </a:extLst>
+              </p:cNvPr>
+              <p:cNvSpPr txBox="1"/>
+              <p:nvPr/>
+            </p:nvSpPr>
+            <p:spPr>
+              <a:xfrm>
+                <a:off x="5390551" y="186849"/>
+                <a:ext cx="2023759" cy="791370"/>
+              </a:xfrm>
+              <a:prstGeom prst="rect">
+                <a:avLst/>
+              </a:prstGeom>
+              <a:noFill/>
+            </p:spPr>
+            <p:txBody>
+              <a:bodyPr wrap="none" rtlCol="0">
+                <a:spAutoFit/>
+              </a:bodyPr>
+              <a:lstStyle/>
+              <a:p>
+                <a:pPr/>
+                <a14:m>
+                  <m:oMathPara xmlns:m="http://schemas.openxmlformats.org/officeDocument/2006/math">
+                    <m:oMathParaPr>
+                      <m:jc m:val="centerGroup"/>
+                    </m:oMathParaPr>
+                    <m:oMath xmlns:m="http://schemas.openxmlformats.org/officeDocument/2006/math">
+                      <m:r>
+                        <a:rPr lang="en-US" sz="4400" b="0" i="1" smtClean="0">
+                          <a:latin typeface="Cambria Math" panose="02040503050406030204" pitchFamily="18" charset="0"/>
+                        </a:rPr>
+                        <m:t>(</m:t>
+                      </m:r>
+                      <m:sSup>
+                        <m:sSupPr>
+                          <m:ctrlPr>
+                            <a:rPr lang="en-US" sz="4400" i="1">
+                              <a:latin typeface="Cambria Math" panose="02040503050406030204" pitchFamily="18" charset="0"/>
+                            </a:rPr>
+                          </m:ctrlPr>
+                        </m:sSupPr>
+                        <m:e>
+                          <m:r>
+                            <a:rPr lang="en-US" sz="4400" i="1">
+                              <a:latin typeface="Cambria Math" panose="02040503050406030204" pitchFamily="18" charset="0"/>
+                            </a:rPr>
+                            <m:t>𝑥</m:t>
+                          </m:r>
+                        </m:e>
+                        <m:sup>
+                          <m:r>
+                            <a:rPr lang="en-US" sz="4400" i="1">
+                              <a:latin typeface="Cambria Math" panose="02040503050406030204" pitchFamily="18" charset="0"/>
+                            </a:rPr>
+                            <m:t>𝑖</m:t>
+                          </m:r>
+                        </m:sup>
+                      </m:sSup>
+                      <m:r>
+                        <a:rPr lang="en-US" sz="4400" i="1">
+                          <a:latin typeface="Cambria Math" panose="02040503050406030204" pitchFamily="18" charset="0"/>
+                        </a:rPr>
+                        <m:t>,</m:t>
+                      </m:r>
+                      <m:sSup>
+                        <m:sSupPr>
+                          <m:ctrlPr>
+                            <a:rPr lang="en-US" sz="4400" i="1">
+                              <a:latin typeface="Cambria Math" panose="02040503050406030204" pitchFamily="18" charset="0"/>
+                            </a:rPr>
+                          </m:ctrlPr>
+                        </m:sSupPr>
+                        <m:e>
+                          <m:r>
+                            <a:rPr lang="en-US" sz="4400" i="1">
+                              <a:latin typeface="Cambria Math" panose="02040503050406030204" pitchFamily="18" charset="0"/>
+                            </a:rPr>
+                            <m:t>𝑣</m:t>
+                          </m:r>
+                        </m:e>
+                        <m:sup>
+                          <m:r>
+                            <a:rPr lang="en-US" sz="4400" i="1">
+                              <a:latin typeface="Cambria Math" panose="02040503050406030204" pitchFamily="18" charset="0"/>
+                            </a:rPr>
+                            <m:t>𝑖</m:t>
+                          </m:r>
+                        </m:sup>
+                      </m:sSup>
+                      <m:r>
+                        <a:rPr lang="en-US" sz="4400" b="0" i="1" smtClean="0">
+                          <a:latin typeface="Cambria Math" panose="02040503050406030204" pitchFamily="18" charset="0"/>
+                        </a:rPr>
+                        <m:t>)</m:t>
+                      </m:r>
+                    </m:oMath>
+                  </m:oMathPara>
+                </a14:m>
+                <a:endParaRPr lang="en-US" sz="4400" dirty="0"/>
+              </a:p>
+            </p:txBody>
+          </p:sp>
+        </mc:Choice>
+        <mc:Fallback>
+          <p:sp>
+            <p:nvSpPr>
+              <p:cNvPr id="8" name="TextBox 7">
+                <a:extLst>
+                  <a:ext uri="{FF2B5EF4-FFF2-40B4-BE49-F238E27FC236}">
+                    <a16:creationId xmlns:a16="http://schemas.microsoft.com/office/drawing/2014/main" id="{274223AF-B6A3-2151-0D64-10BA643266C4}"/>
+                  </a:ext>
+                </a:extLst>
+              </p:cNvPr>
+              <p:cNvSpPr txBox="1">
+                <a:spLocks noRot="1" noChangeAspect="1" noMove="1" noResize="1" noEditPoints="1" noAdjustHandles="1" noChangeArrowheads="1" noChangeShapeType="1" noTextEdit="1"/>
+              </p:cNvSpPr>
+              <p:nvPr/>
+            </p:nvSpPr>
+            <p:spPr>
+              <a:xfrm>
+                <a:off x="5390551" y="186849"/>
+                <a:ext cx="2023759" cy="791370"/>
+              </a:xfrm>
+              <a:prstGeom prst="rect">
+                <a:avLst/>
+              </a:prstGeom>
+              <a:blipFill>
+                <a:blip r:embed="rId11"/>
+                <a:stretch>
+                  <a:fillRect/>
+                </a:stretch>
+              </a:blipFill>
+            </p:spPr>
+            <p:txBody>
+              <a:bodyPr/>
+              <a:lstStyle/>
+              <a:p>
+                <a:r>
+                  <a:rPr lang="en-US">
+                    <a:noFill/>
+                  </a:rPr>
+                  <a:t> </a:t>
+                </a:r>
+              </a:p>
+            </p:txBody>
+          </p:sp>
+        </mc:Fallback>
+      </mc:AlternateContent>
+      <p:sp>
+        <p:nvSpPr>
+          <p:cNvPr id="9" name="TextBox 8">
+            <a:extLst>
+              <a:ext uri="{FF2B5EF4-FFF2-40B4-BE49-F238E27FC236}">
+                <a16:creationId xmlns:a16="http://schemas.microsoft.com/office/drawing/2014/main" id="{F30EB44D-9727-0063-ADB2-60E0204AABFF}"/>
+              </a:ext>
+            </a:extLst>
+          </p:cNvPr>
+          <p:cNvSpPr txBox="1"/>
+          <p:nvPr/>
+        </p:nvSpPr>
+        <p:spPr>
+          <a:xfrm>
+            <a:off x="847381" y="1084382"/>
+            <a:ext cx="1333378" cy="646331"/>
+          </a:xfrm>
+          <a:prstGeom prst="rect">
+            <a:avLst/>
+          </a:prstGeom>
+          <a:noFill/>
+        </p:spPr>
+        <p:txBody>
+          <a:bodyPr wrap="none" rtlCol="0">
+            <a:spAutoFit/>
+          </a:bodyPr>
+          <a:lstStyle/>
+          <a:p>
+            <a:r>
+              <a:rPr lang="en-US" dirty="0"/>
+              <a:t>Hamiltonian</a:t>
+            </a:r>
+            <a:br>
+              <a:rPr lang="en-US" dirty="0"/>
+            </a:br>
+            <a:r>
+              <a:rPr lang="en-US" dirty="0" err="1"/>
+              <a:t>EoM</a:t>
+            </a:r>
+            <a:endParaRPr lang="en-US" dirty="0"/>
           </a:p>
         </p:txBody>
       </p:sp>
@@ -17209,322 +17208,6 @@
           </a:p>
         </p:txBody>
       </p:sp>
-      <mc:AlternateContent xmlns:mc="http://schemas.openxmlformats.org/markup-compatibility/2006" xmlns:a14="http://schemas.microsoft.com/office/drawing/2010/main">
-        <mc:Choice Requires="a14">
-          <p:sp>
-            <p:nvSpPr>
-              <p:cNvPr id="6" name="TextBox 5">
-                <a:extLst>
-                  <a:ext uri="{FF2B5EF4-FFF2-40B4-BE49-F238E27FC236}">
-                    <a16:creationId xmlns:a16="http://schemas.microsoft.com/office/drawing/2014/main" id="{1D3F68E6-B84B-F8B2-2D4E-BF94A559B4E7}"/>
-                  </a:ext>
-                </a:extLst>
-              </p:cNvPr>
-              <p:cNvSpPr txBox="1"/>
-              <p:nvPr/>
-            </p:nvSpPr>
-            <p:spPr>
-              <a:xfrm>
-                <a:off x="2588243" y="214765"/>
-                <a:ext cx="2023759" cy="791370"/>
-              </a:xfrm>
-              <a:prstGeom prst="rect">
-                <a:avLst/>
-              </a:prstGeom>
-              <a:noFill/>
-            </p:spPr>
-            <p:txBody>
-              <a:bodyPr wrap="none" rtlCol="0">
-                <a:spAutoFit/>
-              </a:bodyPr>
-              <a:lstStyle/>
-              <a:p>
-                <a:pPr/>
-                <a14:m>
-                  <m:oMathPara xmlns:m="http://schemas.openxmlformats.org/officeDocument/2006/math">
-                    <m:oMathParaPr>
-                      <m:jc m:val="centerGroup"/>
-                    </m:oMathParaPr>
-                    <m:oMath xmlns:m="http://schemas.openxmlformats.org/officeDocument/2006/math">
-                      <m:r>
-                        <a:rPr lang="en-US" sz="4400" b="0" i="1" smtClean="0">
-                          <a:latin typeface="Cambria Math" panose="02040503050406030204" pitchFamily="18" charset="0"/>
-                        </a:rPr>
-                        <m:t>(</m:t>
-                      </m:r>
-                      <m:sSup>
-                        <m:sSupPr>
-                          <m:ctrlPr>
-                            <a:rPr lang="en-US" sz="4400" b="0" i="1" smtClean="0">
-                              <a:latin typeface="Cambria Math" panose="02040503050406030204" pitchFamily="18" charset="0"/>
-                            </a:rPr>
-                          </m:ctrlPr>
-                        </m:sSupPr>
-                        <m:e>
-                          <m:r>
-                            <a:rPr lang="en-US" sz="4400" b="0" i="1" smtClean="0">
-                              <a:latin typeface="Cambria Math" panose="02040503050406030204" pitchFamily="18" charset="0"/>
-                            </a:rPr>
-                            <m:t>𝑥</m:t>
-                          </m:r>
-                        </m:e>
-                        <m:sup>
-                          <m:r>
-                            <a:rPr lang="en-US" sz="4400" b="0" i="1" smtClean="0">
-                              <a:latin typeface="Cambria Math" panose="02040503050406030204" pitchFamily="18" charset="0"/>
-                            </a:rPr>
-                            <m:t>𝑖</m:t>
-                          </m:r>
-                        </m:sup>
-                      </m:sSup>
-                      <m:r>
-                        <a:rPr lang="en-US" sz="4400" b="0" i="1" smtClean="0">
-                          <a:latin typeface="Cambria Math" panose="02040503050406030204" pitchFamily="18" charset="0"/>
-                        </a:rPr>
-                        <m:t>,</m:t>
-                      </m:r>
-                      <m:sSup>
-                        <m:sSupPr>
-                          <m:ctrlPr>
-                            <a:rPr lang="en-US" sz="4400" b="0" i="1" smtClean="0">
-                              <a:latin typeface="Cambria Math" panose="02040503050406030204" pitchFamily="18" charset="0"/>
-                            </a:rPr>
-                          </m:ctrlPr>
-                        </m:sSupPr>
-                        <m:e>
-                          <m:r>
-                            <a:rPr lang="en-US" sz="4400" b="0" i="1" smtClean="0">
-                              <a:latin typeface="Cambria Math" panose="02040503050406030204" pitchFamily="18" charset="0"/>
-                            </a:rPr>
-                            <m:t>𝑣</m:t>
-                          </m:r>
-                        </m:e>
-                        <m:sup>
-                          <m:r>
-                            <a:rPr lang="en-US" sz="4400" b="0" i="1" smtClean="0">
-                              <a:latin typeface="Cambria Math" panose="02040503050406030204" pitchFamily="18" charset="0"/>
-                            </a:rPr>
-                            <m:t>𝑖</m:t>
-                          </m:r>
-                        </m:sup>
-                      </m:sSup>
-                      <m:r>
-                        <a:rPr lang="en-US" sz="4400" b="0" i="1" smtClean="0">
-                          <a:latin typeface="Cambria Math" panose="02040503050406030204" pitchFamily="18" charset="0"/>
-                        </a:rPr>
-                        <m:t>)</m:t>
-                      </m:r>
-                    </m:oMath>
-                  </m:oMathPara>
-                </a14:m>
-                <a:endParaRPr lang="en-US" sz="4400" dirty="0"/>
-              </a:p>
-            </p:txBody>
-          </p:sp>
-        </mc:Choice>
-        <mc:Fallback xmlns="">
-          <p:sp>
-            <p:nvSpPr>
-              <p:cNvPr id="6" name="TextBox 5">
-                <a:extLst>
-                  <a:ext uri="{FF2B5EF4-FFF2-40B4-BE49-F238E27FC236}">
-                    <a16:creationId xmlns:a16="http://schemas.microsoft.com/office/drawing/2014/main" id="{1D3F68E6-B84B-F8B2-2D4E-BF94A559B4E7}"/>
-                  </a:ext>
-                </a:extLst>
-              </p:cNvPr>
-              <p:cNvSpPr txBox="1">
-                <a:spLocks noRot="1" noChangeAspect="1" noMove="1" noResize="1" noEditPoints="1" noAdjustHandles="1" noChangeArrowheads="1" noChangeShapeType="1" noTextEdit="1"/>
-              </p:cNvSpPr>
-              <p:nvPr/>
-            </p:nvSpPr>
-            <p:spPr>
-              <a:xfrm>
-                <a:off x="2588243" y="214765"/>
-                <a:ext cx="2023759" cy="791370"/>
-              </a:xfrm>
-              <a:prstGeom prst="rect">
-                <a:avLst/>
-              </a:prstGeom>
-              <a:blipFill>
-                <a:blip r:embed="rId5"/>
-                <a:stretch>
-                  <a:fillRect l="-5625" r="-5000" b="-23438"/>
-                </a:stretch>
-              </a:blipFill>
-            </p:spPr>
-            <p:txBody>
-              <a:bodyPr/>
-              <a:lstStyle/>
-              <a:p>
-                <a:r>
-                  <a:rPr lang="en-US">
-                    <a:noFill/>
-                  </a:rPr>
-                  <a:t> </a:t>
-                </a:r>
-              </a:p>
-            </p:txBody>
-          </p:sp>
-        </mc:Fallback>
-      </mc:AlternateContent>
-      <mc:AlternateContent xmlns:mc="http://schemas.openxmlformats.org/markup-compatibility/2006" xmlns:a14="http://schemas.microsoft.com/office/drawing/2010/main">
-        <mc:Choice Requires="a14">
-          <p:sp>
-            <p:nvSpPr>
-              <p:cNvPr id="12" name="TextBox 11">
-                <a:extLst>
-                  <a:ext uri="{FF2B5EF4-FFF2-40B4-BE49-F238E27FC236}">
-                    <a16:creationId xmlns:a16="http://schemas.microsoft.com/office/drawing/2014/main" id="{A6C7E4EA-FBBD-7ACC-91AF-AAB7CEB3124F}"/>
-                  </a:ext>
-                </a:extLst>
-              </p:cNvPr>
-              <p:cNvSpPr txBox="1"/>
-              <p:nvPr/>
-            </p:nvSpPr>
-            <p:spPr>
-              <a:xfrm>
-                <a:off x="5390551" y="186849"/>
-                <a:ext cx="1971822" cy="791370"/>
-              </a:xfrm>
-              <a:prstGeom prst="rect">
-                <a:avLst/>
-              </a:prstGeom>
-              <a:noFill/>
-            </p:spPr>
-            <p:txBody>
-              <a:bodyPr wrap="none" rtlCol="0">
-                <a:spAutoFit/>
-              </a:bodyPr>
-              <a:lstStyle/>
-              <a:p>
-                <a:pPr/>
-                <a14:m>
-                  <m:oMathPara xmlns:m="http://schemas.openxmlformats.org/officeDocument/2006/math">
-                    <m:oMathParaPr>
-                      <m:jc m:val="centerGroup"/>
-                    </m:oMathParaPr>
-                    <m:oMath xmlns:m="http://schemas.openxmlformats.org/officeDocument/2006/math">
-                      <m:r>
-                        <a:rPr lang="en-US" sz="4400" b="0" i="1" smtClean="0">
-                          <a:latin typeface="Cambria Math" panose="02040503050406030204" pitchFamily="18" charset="0"/>
-                        </a:rPr>
-                        <m:t>(</m:t>
-                      </m:r>
-                      <m:sSup>
-                        <m:sSupPr>
-                          <m:ctrlPr>
-                            <a:rPr lang="en-US" sz="4400" b="0" i="1" smtClean="0">
-                              <a:latin typeface="Cambria Math" panose="02040503050406030204" pitchFamily="18" charset="0"/>
-                            </a:rPr>
-                          </m:ctrlPr>
-                        </m:sSupPr>
-                        <m:e>
-                          <m:r>
-                            <a:rPr lang="en-US" sz="4400" b="0" i="1" smtClean="0">
-                              <a:latin typeface="Cambria Math" panose="02040503050406030204" pitchFamily="18" charset="0"/>
-                            </a:rPr>
-                            <m:t>𝑞</m:t>
-                          </m:r>
-                        </m:e>
-                        <m:sup>
-                          <m:r>
-                            <a:rPr lang="en-US" sz="4400" b="0" i="1" smtClean="0">
-                              <a:latin typeface="Cambria Math" panose="02040503050406030204" pitchFamily="18" charset="0"/>
-                            </a:rPr>
-                            <m:t>𝑖</m:t>
-                          </m:r>
-                        </m:sup>
-                      </m:sSup>
-                      <m:r>
-                        <a:rPr lang="en-US" sz="4400" b="0" i="1" smtClean="0">
-                          <a:latin typeface="Cambria Math" panose="02040503050406030204" pitchFamily="18" charset="0"/>
-                        </a:rPr>
-                        <m:t>,</m:t>
-                      </m:r>
-                      <m:sSub>
-                        <m:sSubPr>
-                          <m:ctrlPr>
-                            <a:rPr lang="en-US" sz="4400" b="0" i="1" smtClean="0">
-                              <a:latin typeface="Cambria Math" panose="02040503050406030204" pitchFamily="18" charset="0"/>
-                            </a:rPr>
-                          </m:ctrlPr>
-                        </m:sSubPr>
-                        <m:e>
-                          <m:r>
-                            <a:rPr lang="en-US" sz="4400" b="0" i="1" smtClean="0">
-                              <a:latin typeface="Cambria Math" panose="02040503050406030204" pitchFamily="18" charset="0"/>
-                            </a:rPr>
-                            <m:t>𝑝</m:t>
-                          </m:r>
-                        </m:e>
-                        <m:sub>
-                          <m:r>
-                            <a:rPr lang="en-US" sz="4400" b="0" i="1" smtClean="0">
-                              <a:latin typeface="Cambria Math" panose="02040503050406030204" pitchFamily="18" charset="0"/>
-                            </a:rPr>
-                            <m:t>𝑖</m:t>
-                          </m:r>
-                        </m:sub>
-                      </m:sSub>
-                      <m:r>
-                        <a:rPr lang="en-US" sz="4400" b="0" i="1" smtClean="0">
-                          <a:latin typeface="Cambria Math" panose="02040503050406030204" pitchFamily="18" charset="0"/>
-                        </a:rPr>
-                        <m:t>)</m:t>
-                      </m:r>
-                    </m:oMath>
-                  </m:oMathPara>
-                </a14:m>
-                <a:endParaRPr lang="en-US" sz="4400" dirty="0"/>
-              </a:p>
-            </p:txBody>
-          </p:sp>
-        </mc:Choice>
-        <mc:Fallback xmlns="">
-          <p:sp>
-            <p:nvSpPr>
-              <p:cNvPr id="12" name="TextBox 11">
-                <a:extLst>
-                  <a:ext uri="{FF2B5EF4-FFF2-40B4-BE49-F238E27FC236}">
-                    <a16:creationId xmlns:a16="http://schemas.microsoft.com/office/drawing/2014/main" id="{A6C7E4EA-FBBD-7ACC-91AF-AAB7CEB3124F}"/>
-                  </a:ext>
-                </a:extLst>
-              </p:cNvPr>
-              <p:cNvSpPr txBox="1">
-                <a:spLocks noRot="1" noChangeAspect="1" noMove="1" noResize="1" noEditPoints="1" noAdjustHandles="1" noChangeArrowheads="1" noChangeShapeType="1" noTextEdit="1"/>
-              </p:cNvSpPr>
-              <p:nvPr/>
-            </p:nvSpPr>
-            <p:spPr>
-              <a:xfrm>
-                <a:off x="5390551" y="186849"/>
-                <a:ext cx="1971822" cy="791370"/>
-              </a:xfrm>
-              <a:prstGeom prst="rect">
-                <a:avLst/>
-              </a:prstGeom>
-              <a:blipFill>
-                <a:blip r:embed="rId6"/>
-                <a:stretch>
-                  <a:fillRect l="-5128" r="-5128" b="-25397"/>
-                </a:stretch>
-              </a:blipFill>
-            </p:spPr>
-            <p:txBody>
-              <a:bodyPr/>
-              <a:lstStyle/>
-              <a:p>
-                <a:r>
-                  <a:rPr lang="en-US">
-                    <a:noFill/>
-                  </a:rPr>
-                  <a:t> </a:t>
-                </a:r>
-              </a:p>
-            </p:txBody>
-          </p:sp>
-        </mc:Fallback>
-      </mc:AlternateContent>
       <p:sp>
         <p:nvSpPr>
           <p:cNvPr id="13" name="TextBox 12">
@@ -17655,8 +17338,8 @@
           </a:fontRef>
         </p:style>
       </p:cxnSp>
-      <mc:AlternateContent xmlns:mc="http://schemas.openxmlformats.org/markup-compatibility/2006">
-        <mc:Choice xmlns:a14="http://schemas.microsoft.com/office/drawing/2010/main" Requires="a14">
+      <mc:AlternateContent xmlns:mc="http://schemas.openxmlformats.org/markup-compatibility/2006" xmlns:a14="http://schemas.microsoft.com/office/drawing/2010/main">
+        <mc:Choice Requires="a14">
           <p:sp>
             <p:nvSpPr>
               <p:cNvPr id="16" name="TextBox 15">
@@ -17777,7 +17460,7 @@
             </p:txBody>
           </p:sp>
         </mc:Choice>
-        <mc:Fallback>
+        <mc:Fallback xmlns="">
           <p:sp>
             <p:nvSpPr>
               <p:cNvPr id="16" name="TextBox 15">
@@ -17869,50 +17552,6 @@
       </p:cxnSp>
       <p:sp>
         <p:nvSpPr>
-          <p:cNvPr id="18" name="TextBox 17">
-            <a:extLst>
-              <a:ext uri="{FF2B5EF4-FFF2-40B4-BE49-F238E27FC236}">
-                <a16:creationId xmlns:a16="http://schemas.microsoft.com/office/drawing/2014/main" id="{CF0B6968-7EDA-B215-DC4D-77B40CCC614B}"/>
-              </a:ext>
-            </a:extLst>
-          </p:cNvPr>
-          <p:cNvSpPr txBox="1"/>
-          <p:nvPr/>
-        </p:nvSpPr>
-        <p:spPr>
-          <a:xfrm>
-            <a:off x="53488" y="1084382"/>
-            <a:ext cx="1333378" cy="646331"/>
-          </a:xfrm>
-          <a:prstGeom prst="rect">
-            <a:avLst/>
-          </a:prstGeom>
-          <a:noFill/>
-        </p:spPr>
-        <p:txBody>
-          <a:bodyPr wrap="none" rtlCol="0">
-            <a:spAutoFit/>
-          </a:bodyPr>
-          <a:lstStyle/>
-          <a:p>
-            <a:pPr algn="r"/>
-            <a:r>
-              <a:rPr lang="en-US" dirty="0"/>
-              <a:t>Hamiltonian</a:t>
-            </a:r>
-            <a:br>
-              <a:rPr lang="en-US" dirty="0"/>
-            </a:br>
-            <a:r>
-              <a:rPr lang="en-US" dirty="0" err="1"/>
-              <a:t>EoM</a:t>
-            </a:r>
-            <a:endParaRPr lang="en-US" dirty="0"/>
-          </a:p>
-        </p:txBody>
-      </p:sp>
-      <p:sp>
-        <p:nvSpPr>
           <p:cNvPr id="19" name="TextBox 18">
             <a:extLst>
               <a:ext uri="{FF2B5EF4-FFF2-40B4-BE49-F238E27FC236}">
@@ -17955,8 +17594,8 @@
           </a:p>
         </p:txBody>
       </p:sp>
-      <mc:AlternateContent xmlns:mc="http://schemas.openxmlformats.org/markup-compatibility/2006">
-        <mc:Choice xmlns:a14="http://schemas.microsoft.com/office/drawing/2010/main" Requires="a14">
+      <mc:AlternateContent xmlns:mc="http://schemas.openxmlformats.org/markup-compatibility/2006" xmlns:a14="http://schemas.microsoft.com/office/drawing/2010/main">
+        <mc:Choice Requires="a14">
           <p:sp>
             <p:nvSpPr>
               <p:cNvPr id="4" name="TextBox 3">
@@ -18251,7 +17890,7 @@
             </p:txBody>
           </p:sp>
         </mc:Choice>
-        <mc:Fallback>
+        <mc:Fallback xmlns="">
           <p:sp>
             <p:nvSpPr>
               <p:cNvPr id="4" name="TextBox 3">
@@ -18296,8 +17935,8 @@
           </p:sp>
         </mc:Fallback>
       </mc:AlternateContent>
-      <mc:AlternateContent xmlns:mc="http://schemas.openxmlformats.org/markup-compatibility/2006">
-        <mc:Choice xmlns:a14="http://schemas.microsoft.com/office/drawing/2010/main" Requires="a14">
+      <mc:AlternateContent xmlns:mc="http://schemas.openxmlformats.org/markup-compatibility/2006" xmlns:a14="http://schemas.microsoft.com/office/drawing/2010/main">
+        <mc:Choice Requires="a14">
           <p:sp>
             <p:nvSpPr>
               <p:cNvPr id="7" name="TextBox 6">
@@ -19211,7 +18850,7 @@
             </p:txBody>
           </p:sp>
         </mc:Choice>
-        <mc:Fallback>
+        <mc:Fallback xmlns="">
           <p:sp>
             <p:nvSpPr>
               <p:cNvPr id="7" name="TextBox 6">
@@ -19472,8 +19111,8 @@
           </a:p>
         </p:txBody>
       </p:sp>
-      <mc:AlternateContent xmlns:mc="http://schemas.openxmlformats.org/markup-compatibility/2006">
-        <mc:Choice xmlns:a14="http://schemas.microsoft.com/office/drawing/2010/main" Requires="a14">
+      <mc:AlternateContent xmlns:mc="http://schemas.openxmlformats.org/markup-compatibility/2006" xmlns:a14="http://schemas.microsoft.com/office/drawing/2010/main">
+        <mc:Choice Requires="a14">
           <p:sp>
             <p:nvSpPr>
               <p:cNvPr id="31" name="TextBox 30">
@@ -19531,7 +19170,7 @@
             </p:txBody>
           </p:sp>
         </mc:Choice>
-        <mc:Fallback>
+        <mc:Fallback xmlns="">
           <p:sp>
             <p:nvSpPr>
               <p:cNvPr id="31" name="TextBox 30">
@@ -20066,6 +19705,365 @@
                 <a:srgbClr val="C00000"/>
               </a:solidFill>
             </a:endParaRPr>
+          </a:p>
+        </p:txBody>
+      </p:sp>
+      <mc:AlternateContent xmlns:mc="http://schemas.openxmlformats.org/markup-compatibility/2006">
+        <mc:Choice xmlns:a14="http://schemas.microsoft.com/office/drawing/2010/main" Requires="a14">
+          <p:sp>
+            <p:nvSpPr>
+              <p:cNvPr id="5" name="TextBox 4">
+                <a:extLst>
+                  <a:ext uri="{FF2B5EF4-FFF2-40B4-BE49-F238E27FC236}">
+                    <a16:creationId xmlns:a16="http://schemas.microsoft.com/office/drawing/2014/main" id="{E4001528-175E-9D7C-FB10-62D8E2ECE707}"/>
+                  </a:ext>
+                </a:extLst>
+              </p:cNvPr>
+              <p:cNvSpPr txBox="1"/>
+              <p:nvPr/>
+            </p:nvSpPr>
+            <p:spPr>
+              <a:xfrm>
+                <a:off x="2588243" y="214765"/>
+                <a:ext cx="1971822" cy="791370"/>
+              </a:xfrm>
+              <a:prstGeom prst="rect">
+                <a:avLst/>
+              </a:prstGeom>
+              <a:noFill/>
+            </p:spPr>
+            <p:txBody>
+              <a:bodyPr wrap="none" rtlCol="0">
+                <a:spAutoFit/>
+              </a:bodyPr>
+              <a:lstStyle/>
+              <a:p>
+                <a:pPr/>
+                <a14:m>
+                  <m:oMathPara xmlns:m="http://schemas.openxmlformats.org/officeDocument/2006/math">
+                    <m:oMathParaPr>
+                      <m:jc m:val="centerGroup"/>
+                    </m:oMathParaPr>
+                    <m:oMath xmlns:m="http://schemas.openxmlformats.org/officeDocument/2006/math">
+                      <m:r>
+                        <a:rPr lang="en-US" sz="4400" b="0" i="1" smtClean="0">
+                          <a:latin typeface="Cambria Math" panose="02040503050406030204" pitchFamily="18" charset="0"/>
+                        </a:rPr>
+                        <m:t>(</m:t>
+                      </m:r>
+                      <m:sSup>
+                        <m:sSupPr>
+                          <m:ctrlPr>
+                            <a:rPr lang="en-US" sz="4400" i="1">
+                              <a:latin typeface="Cambria Math" panose="02040503050406030204" pitchFamily="18" charset="0"/>
+                            </a:rPr>
+                          </m:ctrlPr>
+                        </m:sSupPr>
+                        <m:e>
+                          <m:r>
+                            <a:rPr lang="en-US" sz="4400" i="1">
+                              <a:latin typeface="Cambria Math" panose="02040503050406030204" pitchFamily="18" charset="0"/>
+                            </a:rPr>
+                            <m:t>𝑞</m:t>
+                          </m:r>
+                        </m:e>
+                        <m:sup>
+                          <m:r>
+                            <a:rPr lang="en-US" sz="4400" i="1">
+                              <a:latin typeface="Cambria Math" panose="02040503050406030204" pitchFamily="18" charset="0"/>
+                            </a:rPr>
+                            <m:t>𝑖</m:t>
+                          </m:r>
+                        </m:sup>
+                      </m:sSup>
+                      <m:r>
+                        <a:rPr lang="en-US" sz="4400" i="1">
+                          <a:latin typeface="Cambria Math" panose="02040503050406030204" pitchFamily="18" charset="0"/>
+                        </a:rPr>
+                        <m:t>,</m:t>
+                      </m:r>
+                      <m:sSub>
+                        <m:sSubPr>
+                          <m:ctrlPr>
+                            <a:rPr lang="en-US" sz="4400" i="1">
+                              <a:latin typeface="Cambria Math" panose="02040503050406030204" pitchFamily="18" charset="0"/>
+                            </a:rPr>
+                          </m:ctrlPr>
+                        </m:sSubPr>
+                        <m:e>
+                          <m:r>
+                            <a:rPr lang="en-US" sz="4400" i="1">
+                              <a:latin typeface="Cambria Math" panose="02040503050406030204" pitchFamily="18" charset="0"/>
+                            </a:rPr>
+                            <m:t>𝑝</m:t>
+                          </m:r>
+                        </m:e>
+                        <m:sub>
+                          <m:r>
+                            <a:rPr lang="en-US" sz="4400" i="1">
+                              <a:latin typeface="Cambria Math" panose="02040503050406030204" pitchFamily="18" charset="0"/>
+                            </a:rPr>
+                            <m:t>𝑖</m:t>
+                          </m:r>
+                        </m:sub>
+                      </m:sSub>
+                      <m:r>
+                        <a:rPr lang="en-US" sz="4400" b="0" i="1" smtClean="0">
+                          <a:latin typeface="Cambria Math" panose="02040503050406030204" pitchFamily="18" charset="0"/>
+                        </a:rPr>
+                        <m:t>)</m:t>
+                      </m:r>
+                    </m:oMath>
+                  </m:oMathPara>
+                </a14:m>
+                <a:endParaRPr lang="en-US" sz="4400" dirty="0"/>
+              </a:p>
+            </p:txBody>
+          </p:sp>
+        </mc:Choice>
+        <mc:Fallback>
+          <p:sp>
+            <p:nvSpPr>
+              <p:cNvPr id="5" name="TextBox 4">
+                <a:extLst>
+                  <a:ext uri="{FF2B5EF4-FFF2-40B4-BE49-F238E27FC236}">
+                    <a16:creationId xmlns:a16="http://schemas.microsoft.com/office/drawing/2014/main" id="{E4001528-175E-9D7C-FB10-62D8E2ECE707}"/>
+                  </a:ext>
+                </a:extLst>
+              </p:cNvPr>
+              <p:cNvSpPr txBox="1">
+                <a:spLocks noRot="1" noChangeAspect="1" noMove="1" noResize="1" noEditPoints="1" noAdjustHandles="1" noChangeArrowheads="1" noChangeShapeType="1" noTextEdit="1"/>
+              </p:cNvSpPr>
+              <p:nvPr/>
+            </p:nvSpPr>
+            <p:spPr>
+              <a:xfrm>
+                <a:off x="2588243" y="214765"/>
+                <a:ext cx="1971822" cy="791370"/>
+              </a:xfrm>
+              <a:prstGeom prst="rect">
+                <a:avLst/>
+              </a:prstGeom>
+              <a:blipFill>
+                <a:blip r:embed="rId7"/>
+                <a:stretch>
+                  <a:fillRect/>
+                </a:stretch>
+              </a:blipFill>
+            </p:spPr>
+            <p:txBody>
+              <a:bodyPr/>
+              <a:lstStyle/>
+              <a:p>
+                <a:r>
+                  <a:rPr lang="en-US">
+                    <a:noFill/>
+                  </a:rPr>
+                  <a:t> </a:t>
+                </a:r>
+              </a:p>
+            </p:txBody>
+          </p:sp>
+        </mc:Fallback>
+      </mc:AlternateContent>
+      <mc:AlternateContent xmlns:mc="http://schemas.openxmlformats.org/markup-compatibility/2006">
+        <mc:Choice xmlns:a14="http://schemas.microsoft.com/office/drawing/2010/main" Requires="a14">
+          <p:sp>
+            <p:nvSpPr>
+              <p:cNvPr id="8" name="TextBox 7">
+                <a:extLst>
+                  <a:ext uri="{FF2B5EF4-FFF2-40B4-BE49-F238E27FC236}">
+                    <a16:creationId xmlns:a16="http://schemas.microsoft.com/office/drawing/2014/main" id="{53F55B6F-77D4-0A56-B113-34DDAFE7E908}"/>
+                  </a:ext>
+                </a:extLst>
+              </p:cNvPr>
+              <p:cNvSpPr txBox="1"/>
+              <p:nvPr/>
+            </p:nvSpPr>
+            <p:spPr>
+              <a:xfrm>
+                <a:off x="5390551" y="186849"/>
+                <a:ext cx="2023759" cy="791370"/>
+              </a:xfrm>
+              <a:prstGeom prst="rect">
+                <a:avLst/>
+              </a:prstGeom>
+              <a:noFill/>
+            </p:spPr>
+            <p:txBody>
+              <a:bodyPr wrap="none" rtlCol="0">
+                <a:spAutoFit/>
+              </a:bodyPr>
+              <a:lstStyle/>
+              <a:p>
+                <a:pPr/>
+                <a14:m>
+                  <m:oMathPara xmlns:m="http://schemas.openxmlformats.org/officeDocument/2006/math">
+                    <m:oMathParaPr>
+                      <m:jc m:val="centerGroup"/>
+                    </m:oMathParaPr>
+                    <m:oMath xmlns:m="http://schemas.openxmlformats.org/officeDocument/2006/math">
+                      <m:r>
+                        <a:rPr lang="en-US" sz="4400" b="0" i="1" smtClean="0">
+                          <a:latin typeface="Cambria Math" panose="02040503050406030204" pitchFamily="18" charset="0"/>
+                        </a:rPr>
+                        <m:t>(</m:t>
+                      </m:r>
+                      <m:sSup>
+                        <m:sSupPr>
+                          <m:ctrlPr>
+                            <a:rPr lang="en-US" sz="4400" i="1">
+                              <a:latin typeface="Cambria Math" panose="02040503050406030204" pitchFamily="18" charset="0"/>
+                            </a:rPr>
+                          </m:ctrlPr>
+                        </m:sSupPr>
+                        <m:e>
+                          <m:r>
+                            <a:rPr lang="en-US" sz="4400" i="1">
+                              <a:latin typeface="Cambria Math" panose="02040503050406030204" pitchFamily="18" charset="0"/>
+                            </a:rPr>
+                            <m:t>𝑥</m:t>
+                          </m:r>
+                        </m:e>
+                        <m:sup>
+                          <m:r>
+                            <a:rPr lang="en-US" sz="4400" i="1">
+                              <a:latin typeface="Cambria Math" panose="02040503050406030204" pitchFamily="18" charset="0"/>
+                            </a:rPr>
+                            <m:t>𝑖</m:t>
+                          </m:r>
+                        </m:sup>
+                      </m:sSup>
+                      <m:r>
+                        <a:rPr lang="en-US" sz="4400" i="1">
+                          <a:latin typeface="Cambria Math" panose="02040503050406030204" pitchFamily="18" charset="0"/>
+                        </a:rPr>
+                        <m:t>,</m:t>
+                      </m:r>
+                      <m:sSup>
+                        <m:sSupPr>
+                          <m:ctrlPr>
+                            <a:rPr lang="en-US" sz="4400" i="1">
+                              <a:latin typeface="Cambria Math" panose="02040503050406030204" pitchFamily="18" charset="0"/>
+                            </a:rPr>
+                          </m:ctrlPr>
+                        </m:sSupPr>
+                        <m:e>
+                          <m:r>
+                            <a:rPr lang="en-US" sz="4400" i="1">
+                              <a:latin typeface="Cambria Math" panose="02040503050406030204" pitchFamily="18" charset="0"/>
+                            </a:rPr>
+                            <m:t>𝑣</m:t>
+                          </m:r>
+                        </m:e>
+                        <m:sup>
+                          <m:r>
+                            <a:rPr lang="en-US" sz="4400" i="1">
+                              <a:latin typeface="Cambria Math" panose="02040503050406030204" pitchFamily="18" charset="0"/>
+                            </a:rPr>
+                            <m:t>𝑖</m:t>
+                          </m:r>
+                        </m:sup>
+                      </m:sSup>
+                      <m:r>
+                        <a:rPr lang="en-US" sz="4400" b="0" i="1" smtClean="0">
+                          <a:latin typeface="Cambria Math" panose="02040503050406030204" pitchFamily="18" charset="0"/>
+                        </a:rPr>
+                        <m:t>)</m:t>
+                      </m:r>
+                    </m:oMath>
+                  </m:oMathPara>
+                </a14:m>
+                <a:endParaRPr lang="en-US" sz="4400" dirty="0"/>
+              </a:p>
+            </p:txBody>
+          </p:sp>
+        </mc:Choice>
+        <mc:Fallback>
+          <p:sp>
+            <p:nvSpPr>
+              <p:cNvPr id="8" name="TextBox 7">
+                <a:extLst>
+                  <a:ext uri="{FF2B5EF4-FFF2-40B4-BE49-F238E27FC236}">
+                    <a16:creationId xmlns:a16="http://schemas.microsoft.com/office/drawing/2014/main" id="{53F55B6F-77D4-0A56-B113-34DDAFE7E908}"/>
+                  </a:ext>
+                </a:extLst>
+              </p:cNvPr>
+              <p:cNvSpPr txBox="1">
+                <a:spLocks noRot="1" noChangeAspect="1" noMove="1" noResize="1" noEditPoints="1" noAdjustHandles="1" noChangeArrowheads="1" noChangeShapeType="1" noTextEdit="1"/>
+              </p:cNvSpPr>
+              <p:nvPr/>
+            </p:nvSpPr>
+            <p:spPr>
+              <a:xfrm>
+                <a:off x="5390551" y="186849"/>
+                <a:ext cx="2023759" cy="791370"/>
+              </a:xfrm>
+              <a:prstGeom prst="rect">
+                <a:avLst/>
+              </a:prstGeom>
+              <a:blipFill>
+                <a:blip r:embed="rId11"/>
+                <a:stretch>
+                  <a:fillRect/>
+                </a:stretch>
+              </a:blipFill>
+            </p:spPr>
+            <p:txBody>
+              <a:bodyPr/>
+              <a:lstStyle/>
+              <a:p>
+                <a:r>
+                  <a:rPr lang="en-US">
+                    <a:noFill/>
+                  </a:rPr>
+                  <a:t> </a:t>
+                </a:r>
+              </a:p>
+            </p:txBody>
+          </p:sp>
+        </mc:Fallback>
+      </mc:AlternateContent>
+      <p:sp>
+        <p:nvSpPr>
+          <p:cNvPr id="9" name="TextBox 8">
+            <a:extLst>
+              <a:ext uri="{FF2B5EF4-FFF2-40B4-BE49-F238E27FC236}">
+                <a16:creationId xmlns:a16="http://schemas.microsoft.com/office/drawing/2014/main" id="{53FAA162-6E4D-2E60-47E9-1C6EB12B6AFE}"/>
+              </a:ext>
+            </a:extLst>
+          </p:cNvPr>
+          <p:cNvSpPr txBox="1"/>
+          <p:nvPr/>
+        </p:nvSpPr>
+        <p:spPr>
+          <a:xfrm>
+            <a:off x="847381" y="1084382"/>
+            <a:ext cx="1333378" cy="646331"/>
+          </a:xfrm>
+          <a:prstGeom prst="rect">
+            <a:avLst/>
+          </a:prstGeom>
+          <a:noFill/>
+        </p:spPr>
+        <p:txBody>
+          <a:bodyPr wrap="none" rtlCol="0">
+            <a:spAutoFit/>
+          </a:bodyPr>
+          <a:lstStyle/>
+          <a:p>
+            <a:r>
+              <a:rPr lang="en-US" dirty="0"/>
+              <a:t>Hamiltonian</a:t>
+            </a:r>
+            <a:br>
+              <a:rPr lang="en-US" dirty="0"/>
+            </a:br>
+            <a:r>
+              <a:rPr lang="en-US" dirty="0" err="1"/>
+              <a:t>EoM</a:t>
+            </a:r>
+            <a:endParaRPr lang="en-US" dirty="0"/>
           </a:p>
         </p:txBody>
       </p:sp>
@@ -21620,8 +21618,8 @@
           </a:fontRef>
         </p:style>
       </p:cxnSp>
-      <mc:AlternateContent xmlns:mc="http://schemas.openxmlformats.org/markup-compatibility/2006">
-        <mc:Choice xmlns:a14="http://schemas.microsoft.com/office/drawing/2010/main" Requires="a14">
+      <mc:AlternateContent xmlns:mc="http://schemas.openxmlformats.org/markup-compatibility/2006" xmlns:a14="http://schemas.microsoft.com/office/drawing/2010/main">
+        <mc:Choice Requires="a14">
           <p:sp>
             <p:nvSpPr>
               <p:cNvPr id="41" name="TextBox 40">
@@ -21671,7 +21669,7 @@
             </p:txBody>
           </p:sp>
         </mc:Choice>
-        <mc:Fallback>
+        <mc:Fallback xmlns="">
           <p:sp>
             <p:nvSpPr>
               <p:cNvPr id="41" name="TextBox 40">
@@ -21716,8 +21714,8 @@
           </p:sp>
         </mc:Fallback>
       </mc:AlternateContent>
-      <mc:AlternateContent xmlns:mc="http://schemas.openxmlformats.org/markup-compatibility/2006">
-        <mc:Choice xmlns:a14="http://schemas.microsoft.com/office/drawing/2010/main" Requires="a14">
+      <mc:AlternateContent xmlns:mc="http://schemas.openxmlformats.org/markup-compatibility/2006" xmlns:a14="http://schemas.microsoft.com/office/drawing/2010/main">
+        <mc:Choice Requires="a14">
           <p:sp>
             <p:nvSpPr>
               <p:cNvPr id="42" name="TextBox 41">
@@ -21767,7 +21765,7 @@
             </p:txBody>
           </p:sp>
         </mc:Choice>
-        <mc:Fallback>
+        <mc:Fallback xmlns="">
           <p:sp>
             <p:nvSpPr>
               <p:cNvPr id="42" name="TextBox 41">
@@ -21900,8 +21898,8 @@
           </a:fontRef>
         </p:style>
       </p:cxnSp>
-      <mc:AlternateContent xmlns:mc="http://schemas.openxmlformats.org/markup-compatibility/2006">
-        <mc:Choice xmlns:a14="http://schemas.microsoft.com/office/drawing/2010/main" Requires="a14">
+      <mc:AlternateContent xmlns:mc="http://schemas.openxmlformats.org/markup-compatibility/2006" xmlns:a14="http://schemas.microsoft.com/office/drawing/2010/main">
+        <mc:Choice Requires="a14">
           <p:sp>
             <p:nvSpPr>
               <p:cNvPr id="47" name="TextBox 46">
@@ -21951,7 +21949,7 @@
             </p:txBody>
           </p:sp>
         </mc:Choice>
-        <mc:Fallback>
+        <mc:Fallback xmlns="">
           <p:sp>
             <p:nvSpPr>
               <p:cNvPr id="47" name="TextBox 46">
@@ -21996,8 +21994,8 @@
           </p:sp>
         </mc:Fallback>
       </mc:AlternateContent>
-      <mc:AlternateContent xmlns:mc="http://schemas.openxmlformats.org/markup-compatibility/2006">
-        <mc:Choice xmlns:a14="http://schemas.microsoft.com/office/drawing/2010/main" Requires="a14">
+      <mc:AlternateContent xmlns:mc="http://schemas.openxmlformats.org/markup-compatibility/2006" xmlns:a14="http://schemas.microsoft.com/office/drawing/2010/main">
+        <mc:Choice Requires="a14">
           <p:sp>
             <p:nvSpPr>
               <p:cNvPr id="48" name="TextBox 47">
@@ -22047,7 +22045,7 @@
             </p:txBody>
           </p:sp>
         </mc:Choice>
-        <mc:Fallback>
+        <mc:Fallback xmlns="">
           <p:sp>
             <p:nvSpPr>
               <p:cNvPr id="48" name="TextBox 47">
@@ -24110,8 +24108,8 @@
           </a:p>
         </p:txBody>
       </p:sp>
-      <mc:AlternateContent xmlns:mc="http://schemas.openxmlformats.org/markup-compatibility/2006">
-        <mc:Choice xmlns:a14="http://schemas.microsoft.com/office/drawing/2010/main" Requires="a14">
+      <mc:AlternateContent xmlns:mc="http://schemas.openxmlformats.org/markup-compatibility/2006" xmlns:a14="http://schemas.microsoft.com/office/drawing/2010/main">
+        <mc:Choice Requires="a14">
           <p:sp>
             <p:nvSpPr>
               <p:cNvPr id="19" name="TextBox 18">
@@ -24207,7 +24205,7 @@
             </p:txBody>
           </p:sp>
         </mc:Choice>
-        <mc:Fallback>
+        <mc:Fallback xmlns="">
           <p:sp>
             <p:nvSpPr>
               <p:cNvPr id="19" name="TextBox 18">
@@ -24762,8 +24760,8 @@
           </a:fontRef>
         </p:style>
       </p:cxnSp>
-      <mc:AlternateContent xmlns:mc="http://schemas.openxmlformats.org/markup-compatibility/2006">
-        <mc:Choice xmlns:a14="http://schemas.microsoft.com/office/drawing/2010/main" Requires="a14">
+      <mc:AlternateContent xmlns:mc="http://schemas.openxmlformats.org/markup-compatibility/2006" xmlns:a14="http://schemas.microsoft.com/office/drawing/2010/main">
+        <mc:Choice Requires="a14">
           <p:sp>
             <p:nvSpPr>
               <p:cNvPr id="29" name="TextBox 28">
@@ -24813,7 +24811,7 @@
             </p:txBody>
           </p:sp>
         </mc:Choice>
-        <mc:Fallback>
+        <mc:Fallback xmlns="">
           <p:sp>
             <p:nvSpPr>
               <p:cNvPr id="29" name="TextBox 28">
@@ -24858,8 +24856,8 @@
           </p:sp>
         </mc:Fallback>
       </mc:AlternateContent>
-      <mc:AlternateContent xmlns:mc="http://schemas.openxmlformats.org/markup-compatibility/2006">
-        <mc:Choice xmlns:a14="http://schemas.microsoft.com/office/drawing/2010/main" Requires="a14">
+      <mc:AlternateContent xmlns:mc="http://schemas.openxmlformats.org/markup-compatibility/2006" xmlns:a14="http://schemas.microsoft.com/office/drawing/2010/main">
+        <mc:Choice Requires="a14">
           <p:sp>
             <p:nvSpPr>
               <p:cNvPr id="224" name="TextBox 223">
@@ -24909,7 +24907,7 @@
             </p:txBody>
           </p:sp>
         </mc:Choice>
-        <mc:Fallback>
+        <mc:Fallback xmlns="">
           <p:sp>
             <p:nvSpPr>
               <p:cNvPr id="224" name="TextBox 223">
@@ -25028,8 +25026,8 @@
           </a:p>
         </p:txBody>
       </p:sp>
-      <mc:AlternateContent xmlns:mc="http://schemas.openxmlformats.org/markup-compatibility/2006">
-        <mc:Choice xmlns:a14="http://schemas.microsoft.com/office/drawing/2010/main" Requires="a14">
+      <mc:AlternateContent xmlns:mc="http://schemas.openxmlformats.org/markup-compatibility/2006" xmlns:a14="http://schemas.microsoft.com/office/drawing/2010/main">
+        <mc:Choice Requires="a14">
           <p:sp>
             <p:nvSpPr>
               <p:cNvPr id="227" name="TextBox 226">
@@ -25058,6 +25056,7 @@
               </a:bodyPr>
               <a:lstStyle/>
               <a:p>
+                <a:pPr/>
                 <a14:m>
                   <m:oMathPara xmlns:m="http://schemas.openxmlformats.org/officeDocument/2006/math">
                     <m:oMathParaPr>
@@ -25142,7 +25141,7 @@
                               <a:latin typeface="Cambria Math" panose="02040503050406030204" pitchFamily="18" charset="0"/>
                               <a:ea typeface="Cambria Math" panose="02040503050406030204" pitchFamily="18" charset="0"/>
                             </a:rPr>
-                            <m:t>∂</m:t>
+                            <m:t>𝜕</m:t>
                           </m:r>
                         </m:e>
                         <m:sub>
@@ -25286,6 +25285,7 @@
                 </a:endParaRPr>
               </a:p>
               <a:p>
+                <a:pPr/>
                 <a14:m>
                   <m:oMathPara xmlns:m="http://schemas.openxmlformats.org/officeDocument/2006/math">
                     <m:oMathParaPr>
@@ -25429,7 +25429,7 @@
             </p:txBody>
           </p:sp>
         </mc:Choice>
-        <mc:Fallback>
+        <mc:Fallback xmlns="">
           <p:sp>
             <p:nvSpPr>
               <p:cNvPr id="227" name="TextBox 226">
@@ -25474,8 +25474,8 @@
           </p:sp>
         </mc:Fallback>
       </mc:AlternateContent>
-      <mc:AlternateContent xmlns:mc="http://schemas.openxmlformats.org/markup-compatibility/2006">
-        <mc:Choice xmlns:a14="http://schemas.microsoft.com/office/drawing/2010/main" Requires="a14">
+      <mc:AlternateContent xmlns:mc="http://schemas.openxmlformats.org/markup-compatibility/2006" xmlns:a14="http://schemas.microsoft.com/office/drawing/2010/main">
+        <mc:Choice Requires="a14">
           <p:sp>
             <p:nvSpPr>
               <p:cNvPr id="228" name="TextBox 227">
@@ -25504,6 +25504,7 @@
               </a:bodyPr>
               <a:lstStyle/>
               <a:p>
+                <a:pPr/>
                 <a14:m>
                   <m:oMathPara xmlns:m="http://schemas.openxmlformats.org/officeDocument/2006/math">
                     <m:oMathParaPr>
@@ -25633,7 +25634,7 @@
             </p:txBody>
           </p:sp>
         </mc:Choice>
-        <mc:Fallback>
+        <mc:Fallback xmlns="">
           <p:sp>
             <p:nvSpPr>
               <p:cNvPr id="228" name="TextBox 227">
@@ -30206,8 +30207,8 @@
           </a:p>
         </p:txBody>
       </p:sp>
-      <mc:AlternateContent xmlns:mc="http://schemas.openxmlformats.org/markup-compatibility/2006">
-        <mc:Choice xmlns:a14="http://schemas.microsoft.com/office/drawing/2010/main" Requires="a14">
+      <mc:AlternateContent xmlns:mc="http://schemas.openxmlformats.org/markup-compatibility/2006" xmlns:a14="http://schemas.microsoft.com/office/drawing/2010/main">
+        <mc:Choice Requires="a14">
           <p:sp>
             <p:nvSpPr>
               <p:cNvPr id="33" name="TextBox 32">
@@ -30303,7 +30304,7 @@
             </p:txBody>
           </p:sp>
         </mc:Choice>
-        <mc:Fallback>
+        <mc:Fallback xmlns="">
           <p:sp>
             <p:nvSpPr>
               <p:cNvPr id="33" name="TextBox 32">
@@ -30420,8 +30421,8 @@
           </a:p>
         </p:txBody>
       </p:sp>
-      <mc:AlternateContent xmlns:mc="http://schemas.openxmlformats.org/markup-compatibility/2006">
-        <mc:Choice xmlns:a14="http://schemas.microsoft.com/office/drawing/2010/main" Requires="a14">
+      <mc:AlternateContent xmlns:mc="http://schemas.openxmlformats.org/markup-compatibility/2006" xmlns:a14="http://schemas.microsoft.com/office/drawing/2010/main">
+        <mc:Choice Requires="a14">
           <p:sp>
             <p:nvSpPr>
               <p:cNvPr id="44" name="TextBox 43">
@@ -30552,7 +30553,7 @@
             </p:txBody>
           </p:sp>
         </mc:Choice>
-        <mc:Fallback>
+        <mc:Fallback xmlns="">
           <p:sp>
             <p:nvSpPr>
               <p:cNvPr id="44" name="TextBox 43">
@@ -30597,8 +30598,8 @@
           </p:sp>
         </mc:Fallback>
       </mc:AlternateContent>
-      <mc:AlternateContent xmlns:mc="http://schemas.openxmlformats.org/markup-compatibility/2006">
-        <mc:Choice xmlns:a14="http://schemas.microsoft.com/office/drawing/2010/main" Requires="a14">
+      <mc:AlternateContent xmlns:mc="http://schemas.openxmlformats.org/markup-compatibility/2006" xmlns:a14="http://schemas.microsoft.com/office/drawing/2010/main">
+        <mc:Choice Requires="a14">
           <p:sp>
             <p:nvSpPr>
               <p:cNvPr id="63" name="TextBox 62">
@@ -30694,7 +30695,7 @@
             </p:txBody>
           </p:sp>
         </mc:Choice>
-        <mc:Fallback>
+        <mc:Fallback xmlns="">
           <p:sp>
             <p:nvSpPr>
               <p:cNvPr id="63" name="TextBox 62">
@@ -30739,8 +30740,8 @@
           </p:sp>
         </mc:Fallback>
       </mc:AlternateContent>
-      <mc:AlternateContent xmlns:mc="http://schemas.openxmlformats.org/markup-compatibility/2006">
-        <mc:Choice xmlns:a14="http://schemas.microsoft.com/office/drawing/2010/main" Requires="a14">
+      <mc:AlternateContent xmlns:mc="http://schemas.openxmlformats.org/markup-compatibility/2006" xmlns:a14="http://schemas.microsoft.com/office/drawing/2010/main">
+        <mc:Choice Requires="a14">
           <p:sp>
             <p:nvSpPr>
               <p:cNvPr id="67" name="TextBox 66">
@@ -30915,7 +30916,7 @@
             </p:txBody>
           </p:sp>
         </mc:Choice>
-        <mc:Fallback>
+        <mc:Fallback xmlns="">
           <p:sp>
             <p:nvSpPr>
               <p:cNvPr id="67" name="TextBox 66">
@@ -30960,8 +30961,8 @@
           </p:sp>
         </mc:Fallback>
       </mc:AlternateContent>
-      <mc:AlternateContent xmlns:mc="http://schemas.openxmlformats.org/markup-compatibility/2006">
-        <mc:Choice xmlns:a14="http://schemas.microsoft.com/office/drawing/2010/main" Requires="a14">
+      <mc:AlternateContent xmlns:mc="http://schemas.openxmlformats.org/markup-compatibility/2006" xmlns:a14="http://schemas.microsoft.com/office/drawing/2010/main">
+        <mc:Choice Requires="a14">
           <p:sp>
             <p:nvSpPr>
               <p:cNvPr id="68" name="TextBox 67">
@@ -31057,7 +31058,7 @@
             </p:txBody>
           </p:sp>
         </mc:Choice>
-        <mc:Fallback>
+        <mc:Fallback xmlns="">
           <p:sp>
             <p:nvSpPr>
               <p:cNvPr id="68" name="TextBox 67">
@@ -31102,8 +31103,8 @@
           </p:sp>
         </mc:Fallback>
       </mc:AlternateContent>
-      <mc:AlternateContent xmlns:mc="http://schemas.openxmlformats.org/markup-compatibility/2006">
-        <mc:Choice xmlns:a14="http://schemas.microsoft.com/office/drawing/2010/main" Requires="a14">
+      <mc:AlternateContent xmlns:mc="http://schemas.openxmlformats.org/markup-compatibility/2006" xmlns:a14="http://schemas.microsoft.com/office/drawing/2010/main">
+        <mc:Choice Requires="a14">
           <p:sp>
             <p:nvSpPr>
               <p:cNvPr id="69" name="TextBox 68">
@@ -31233,7 +31234,7 @@
             </p:txBody>
           </p:sp>
         </mc:Choice>
-        <mc:Fallback>
+        <mc:Fallback xmlns="">
           <p:sp>
             <p:nvSpPr>
               <p:cNvPr id="69" name="TextBox 68">
@@ -31350,8 +31351,8 @@
           </a:p>
         </p:txBody>
       </p:sp>
-      <mc:AlternateContent xmlns:mc="http://schemas.openxmlformats.org/markup-compatibility/2006">
-        <mc:Choice xmlns:a14="http://schemas.microsoft.com/office/drawing/2010/main" Requires="a14">
+      <mc:AlternateContent xmlns:mc="http://schemas.openxmlformats.org/markup-compatibility/2006" xmlns:a14="http://schemas.microsoft.com/office/drawing/2010/main">
+        <mc:Choice Requires="a14">
           <p:sp>
             <p:nvSpPr>
               <p:cNvPr id="72" name="TextBox 71">
@@ -31501,7 +31502,7 @@
             </p:txBody>
           </p:sp>
         </mc:Choice>
-        <mc:Fallback>
+        <mc:Fallback xmlns="">
           <p:sp>
             <p:nvSpPr>
               <p:cNvPr id="72" name="TextBox 71">
@@ -31546,8 +31547,8 @@
           </p:sp>
         </mc:Fallback>
       </mc:AlternateContent>
-      <mc:AlternateContent xmlns:mc="http://schemas.openxmlformats.org/markup-compatibility/2006">
-        <mc:Choice xmlns:a14="http://schemas.microsoft.com/office/drawing/2010/main" Requires="a14">
+      <mc:AlternateContent xmlns:mc="http://schemas.openxmlformats.org/markup-compatibility/2006" xmlns:a14="http://schemas.microsoft.com/office/drawing/2010/main">
+        <mc:Choice Requires="a14">
           <p:sp>
             <p:nvSpPr>
               <p:cNvPr id="73" name="TextBox 72">
@@ -31677,7 +31678,7 @@
             </p:txBody>
           </p:sp>
         </mc:Choice>
-        <mc:Fallback>
+        <mc:Fallback xmlns="">
           <p:sp>
             <p:nvSpPr>
               <p:cNvPr id="73" name="TextBox 72">
@@ -31722,8 +31723,8 @@
           </p:sp>
         </mc:Fallback>
       </mc:AlternateContent>
-      <mc:AlternateContent xmlns:mc="http://schemas.openxmlformats.org/markup-compatibility/2006">
-        <mc:Choice xmlns:a14="http://schemas.microsoft.com/office/drawing/2010/main" Requires="a14">
+      <mc:AlternateContent xmlns:mc="http://schemas.openxmlformats.org/markup-compatibility/2006" xmlns:a14="http://schemas.microsoft.com/office/drawing/2010/main">
+        <mc:Choice Requires="a14">
           <p:sp>
             <p:nvSpPr>
               <p:cNvPr id="74" name="TextBox 73">
@@ -31872,7 +31873,7 @@
             </p:txBody>
           </p:sp>
         </mc:Choice>
-        <mc:Fallback>
+        <mc:Fallback xmlns="">
           <p:sp>
             <p:nvSpPr>
               <p:cNvPr id="74" name="TextBox 73">
@@ -31917,8 +31918,8 @@
           </p:sp>
         </mc:Fallback>
       </mc:AlternateContent>
-      <mc:AlternateContent xmlns:mc="http://schemas.openxmlformats.org/markup-compatibility/2006">
-        <mc:Choice xmlns:a14="http://schemas.microsoft.com/office/drawing/2010/main" Requires="a14">
+      <mc:AlternateContent xmlns:mc="http://schemas.openxmlformats.org/markup-compatibility/2006" xmlns:a14="http://schemas.microsoft.com/office/drawing/2010/main">
+        <mc:Choice Requires="a14">
           <p:sp>
             <p:nvSpPr>
               <p:cNvPr id="75" name="TextBox 74">
@@ -32068,7 +32069,7 @@
             </p:txBody>
           </p:sp>
         </mc:Choice>
-        <mc:Fallback>
+        <mc:Fallback xmlns="">
           <p:sp>
             <p:nvSpPr>
               <p:cNvPr id="75" name="TextBox 74">
@@ -32113,8 +32114,8 @@
           </p:sp>
         </mc:Fallback>
       </mc:AlternateContent>
-      <mc:AlternateContent xmlns:mc="http://schemas.openxmlformats.org/markup-compatibility/2006">
-        <mc:Choice xmlns:a14="http://schemas.microsoft.com/office/drawing/2010/main" Requires="a14">
+      <mc:AlternateContent xmlns:mc="http://schemas.openxmlformats.org/markup-compatibility/2006" xmlns:a14="http://schemas.microsoft.com/office/drawing/2010/main">
+        <mc:Choice Requires="a14">
           <p:sp>
             <p:nvSpPr>
               <p:cNvPr id="81" name="TextBox 80">
@@ -32143,6 +32144,7 @@
               </a:bodyPr>
               <a:lstStyle/>
               <a:p>
+                <a:pPr/>
                 <a14:m>
                   <m:oMathPara xmlns:m="http://schemas.openxmlformats.org/officeDocument/2006/math">
                     <m:oMathParaPr>
@@ -32154,7 +32156,7 @@
                           <m:begChr m:val="|"/>
                           <m:endChr m:val="|"/>
                           <m:ctrlPr>
-                            <a:rPr lang="en-US" b="0" i="0" smtClean="0">
+                            <a:rPr lang="en-US" b="0" i="1" smtClean="0">
                               <a:latin typeface="Cambria Math" panose="02040503050406030204" pitchFamily="18" charset="0"/>
                             </a:rPr>
                           </m:ctrlPr>
@@ -32276,7 +32278,7 @@
             </p:txBody>
           </p:sp>
         </mc:Choice>
-        <mc:Fallback>
+        <mc:Fallback xmlns="">
           <p:sp>
             <p:nvSpPr>
               <p:cNvPr id="81" name="TextBox 80">
@@ -44416,8 +44418,8 @@
           </a:fontRef>
         </p:style>
       </p:cxnSp>
-      <mc:AlternateContent xmlns:mc="http://schemas.openxmlformats.org/markup-compatibility/2006">
-        <mc:Choice xmlns:a14="http://schemas.microsoft.com/office/drawing/2010/main" Requires="a14">
+      <mc:AlternateContent xmlns:mc="http://schemas.openxmlformats.org/markup-compatibility/2006" xmlns:a14="http://schemas.microsoft.com/office/drawing/2010/main">
+        <mc:Choice Requires="a14">
           <p:sp>
             <p:nvSpPr>
               <p:cNvPr id="21" name="TextBox 20">
@@ -44598,7 +44600,7 @@
             </p:txBody>
           </p:sp>
         </mc:Choice>
-        <mc:Fallback>
+        <mc:Fallback xmlns="">
           <p:sp>
             <p:nvSpPr>
               <p:cNvPr id="21" name="TextBox 20">
@@ -44749,8 +44751,8 @@
           </a:prstGeom>
         </p:spPr>
       </p:pic>
-      <mc:AlternateContent xmlns:mc="http://schemas.openxmlformats.org/markup-compatibility/2006">
-        <mc:Choice xmlns:a14="http://schemas.microsoft.com/office/drawing/2010/main" Requires="a14">
+      <mc:AlternateContent xmlns:mc="http://schemas.openxmlformats.org/markup-compatibility/2006" xmlns:a14="http://schemas.microsoft.com/office/drawing/2010/main">
+        <mc:Choice Requires="a14">
           <p:sp>
             <p:nvSpPr>
               <p:cNvPr id="31" name="TextBox 30">
@@ -44989,7 +44991,7 @@
             </p:txBody>
           </p:sp>
         </mc:Choice>
-        <mc:Fallback>
+        <mc:Fallback xmlns="">
           <p:sp>
             <p:nvSpPr>
               <p:cNvPr id="31" name="TextBox 30">
@@ -45034,8 +45036,8 @@
           </p:sp>
         </mc:Fallback>
       </mc:AlternateContent>
-      <mc:AlternateContent xmlns:mc="http://schemas.openxmlformats.org/markup-compatibility/2006">
-        <mc:Choice xmlns:a14="http://schemas.microsoft.com/office/drawing/2010/main" Requires="a14">
+      <mc:AlternateContent xmlns:mc="http://schemas.openxmlformats.org/markup-compatibility/2006" xmlns:a14="http://schemas.microsoft.com/office/drawing/2010/main">
+        <mc:Choice Requires="a14">
           <p:sp>
             <p:nvSpPr>
               <p:cNvPr id="4" name="TextBox 3">
@@ -45160,7 +45162,7 @@
             </p:txBody>
           </p:sp>
         </mc:Choice>
-        <mc:Fallback>
+        <mc:Fallback xmlns="">
           <p:sp>
             <p:nvSpPr>
               <p:cNvPr id="4" name="TextBox 3">
@@ -45205,8 +45207,8 @@
           </p:sp>
         </mc:Fallback>
       </mc:AlternateContent>
-      <mc:AlternateContent xmlns:mc="http://schemas.openxmlformats.org/markup-compatibility/2006">
-        <mc:Choice xmlns:a14="http://schemas.microsoft.com/office/drawing/2010/main" Requires="a14">
+      <mc:AlternateContent xmlns:mc="http://schemas.openxmlformats.org/markup-compatibility/2006" xmlns:a14="http://schemas.microsoft.com/office/drawing/2010/main">
+        <mc:Choice Requires="a14">
           <p:sp>
             <p:nvSpPr>
               <p:cNvPr id="26" name="TextBox 25">
@@ -45235,6 +45237,7 @@
               </a:bodyPr>
               <a:lstStyle/>
               <a:p>
+                <a:pPr/>
                 <a14:m>
                   <m:oMathPara xmlns:m="http://schemas.openxmlformats.org/officeDocument/2006/math">
                     <m:oMathParaPr>
@@ -45355,7 +45358,7 @@
             </p:txBody>
           </p:sp>
         </mc:Choice>
-        <mc:Fallback>
+        <mc:Fallback xmlns="">
           <p:sp>
             <p:nvSpPr>
               <p:cNvPr id="26" name="TextBox 25">
@@ -45400,8 +45403,8 @@
           </p:sp>
         </mc:Fallback>
       </mc:AlternateContent>
-      <mc:AlternateContent xmlns:mc="http://schemas.openxmlformats.org/markup-compatibility/2006">
-        <mc:Choice xmlns:a14="http://schemas.microsoft.com/office/drawing/2010/main" Requires="a14">
+      <mc:AlternateContent xmlns:mc="http://schemas.openxmlformats.org/markup-compatibility/2006" xmlns:a14="http://schemas.microsoft.com/office/drawing/2010/main">
+        <mc:Choice Requires="a14">
           <p:sp>
             <p:nvSpPr>
               <p:cNvPr id="27" name="TextBox 26">
@@ -45879,7 +45882,7 @@
             </p:txBody>
           </p:sp>
         </mc:Choice>
-        <mc:Fallback>
+        <mc:Fallback xmlns="">
           <p:sp>
             <p:nvSpPr>
               <p:cNvPr id="27" name="TextBox 26">
@@ -45924,8 +45927,8 @@
           </p:sp>
         </mc:Fallback>
       </mc:AlternateContent>
-      <mc:AlternateContent xmlns:mc="http://schemas.openxmlformats.org/markup-compatibility/2006">
-        <mc:Choice xmlns:a14="http://schemas.microsoft.com/office/drawing/2010/main" Requires="a14">
+      <mc:AlternateContent xmlns:mc="http://schemas.openxmlformats.org/markup-compatibility/2006" xmlns:a14="http://schemas.microsoft.com/office/drawing/2010/main">
+        <mc:Choice Requires="a14">
           <p:sp>
             <p:nvSpPr>
               <p:cNvPr id="34" name="TextBox 33">
@@ -45983,7 +45986,7 @@
             </p:txBody>
           </p:sp>
         </mc:Choice>
-        <mc:Fallback>
+        <mc:Fallback xmlns="">
           <p:sp>
             <p:nvSpPr>
               <p:cNvPr id="34" name="TextBox 33">
@@ -46421,7 +46424,7 @@
                       </a:schemeClr>
                     </a:solidFill>
                   </a:rPr>
-                  <a:t>Lagrangians</a:t>
+                  <a:t>Lagrangian</a:t>
                 </a:r>
                 <a:endParaRPr lang="en-US" sz="4000" dirty="0">
                   <a:solidFill>
@@ -46460,7 +46463,7 @@
               <a:blipFill>
                 <a:blip r:embed="rId12"/>
                 <a:stretch>
-                  <a:fillRect t="-15517" r="-965" b="-36207"/>
+                  <a:fillRect t="-15517" b="-36207"/>
                 </a:stretch>
               </a:blipFill>
             </p:spPr>

--- a/BookCompanions-v2/RP-Class-1.pptx
+++ b/BookCompanions-v2/RP-Class-1.pptx
@@ -5,7 +5,7 @@
     <p:sldMasterId id="2147483648" r:id="rId1"/>
   </p:sldMasterIdLst>
   <p:notesMasterIdLst>
-    <p:notesMasterId r:id="rId17"/>
+    <p:notesMasterId r:id="rId18"/>
   </p:notesMasterIdLst>
   <p:sldIdLst>
     <p:sldId id="259" r:id="rId2"/>
@@ -13,16 +13,17 @@
     <p:sldId id="901" r:id="rId4"/>
     <p:sldId id="928" r:id="rId5"/>
     <p:sldId id="933" r:id="rId6"/>
-    <p:sldId id="904" r:id="rId7"/>
+    <p:sldId id="934" r:id="rId7"/>
     <p:sldId id="907" r:id="rId8"/>
-    <p:sldId id="924" r:id="rId9"/>
+    <p:sldId id="935" r:id="rId9"/>
     <p:sldId id="917" r:id="rId10"/>
-    <p:sldId id="929" r:id="rId11"/>
+    <p:sldId id="936" r:id="rId11"/>
     <p:sldId id="930" r:id="rId12"/>
     <p:sldId id="931" r:id="rId13"/>
     <p:sldId id="932" r:id="rId14"/>
     <p:sldId id="915" r:id="rId15"/>
     <p:sldId id="914" r:id="rId16"/>
+    <p:sldId id="937" r:id="rId17"/>
   </p:sldIdLst>
   <p:sldSz cx="12192000" cy="6858000"/>
   <p:notesSz cx="6858000" cy="9144000"/>
@@ -211,7 +212,7 @@
           <a:p>
             <a:fld id="{E119C704-B8F9-449B-B828-36D786A1FE73}" type="datetimeFigureOut">
               <a:rPr lang="en-US" smtClean="0"/>
-              <a:t>4/11/2024</a:t>
+              <a:t>4/22/2024</a:t>
             </a:fld>
             <a:endParaRPr lang="en-US"/>
           </a:p>
@@ -688,7 +689,7 @@
     </p:spTree>
     <p:extLst>
       <p:ext uri="{BB962C8B-B14F-4D97-AF65-F5344CB8AC3E}">
-        <p14:creationId xmlns:p14="http://schemas.microsoft.com/office/powerpoint/2010/main" val="2766502992"/>
+        <p14:creationId xmlns:p14="http://schemas.microsoft.com/office/powerpoint/2010/main" val="2295397669"/>
       </p:ext>
     </p:extLst>
   </p:cSld>
@@ -1612,7 +1613,7 @@
     </p:spTree>
     <p:extLst>
       <p:ext uri="{BB962C8B-B14F-4D97-AF65-F5344CB8AC3E}">
-        <p14:creationId xmlns:p14="http://schemas.microsoft.com/office/powerpoint/2010/main" val="1050491870"/>
+        <p14:creationId xmlns:p14="http://schemas.microsoft.com/office/powerpoint/2010/main" val="2996132006"/>
       </p:ext>
     </p:extLst>
   </p:cSld>
@@ -1786,7 +1787,7 @@
     </p:spTree>
     <p:extLst>
       <p:ext uri="{BB962C8B-B14F-4D97-AF65-F5344CB8AC3E}">
-        <p14:creationId xmlns:p14="http://schemas.microsoft.com/office/powerpoint/2010/main" val="4153902617"/>
+        <p14:creationId xmlns:p14="http://schemas.microsoft.com/office/powerpoint/2010/main" val="2242505611"/>
       </p:ext>
     </p:extLst>
   </p:cSld>
@@ -2077,9 +2078,9 @@
           <a:bodyPr/>
           <a:lstStyle/>
           <a:p>
-            <a:fld id="{E417A1AE-5DAB-4E41-9E51-25C599575BB0}" type="datetime1">
+            <a:fld id="{1AF050AA-AEBB-40B2-8425-95F572C607E8}" type="datetime1">
               <a:rPr lang="en-US" smtClean="0"/>
-              <a:t>4/11/2024</a:t>
+              <a:t>4/22/2024</a:t>
             </a:fld>
             <a:endParaRPr lang="en-US"/>
           </a:p>
@@ -2581,9 +2582,9 @@
           <a:bodyPr/>
           <a:lstStyle/>
           <a:p>
-            <a:fld id="{17283D80-C2D7-44EB-9453-9205AD76814F}" type="datetime1">
+            <a:fld id="{2E4AC12B-C5C1-45D3-BF41-EB0949C93334}" type="datetime1">
               <a:rPr lang="en-US" smtClean="0"/>
-              <a:t>4/11/2024</a:t>
+              <a:t>4/22/2024</a:t>
             </a:fld>
             <a:endParaRPr lang="en-US"/>
           </a:p>
@@ -2792,9 +2793,9 @@
           <a:bodyPr/>
           <a:lstStyle/>
           <a:p>
-            <a:fld id="{ECAB4566-B9D7-4BAE-91BA-A6126A23E47D}" type="datetime1">
+            <a:fld id="{B6F65A1E-B2AC-4E68-AFC6-1E0A36679CF2}" type="datetime1">
               <a:rPr lang="en-US" smtClean="0"/>
-              <a:t>4/11/2024</a:t>
+              <a:t>4/22/2024</a:t>
             </a:fld>
             <a:endParaRPr lang="en-US"/>
           </a:p>
@@ -3021,9 +3022,9 @@
           <a:bodyPr/>
           <a:lstStyle/>
           <a:p>
-            <a:fld id="{C0EDE3E1-E2CD-4E00-ABD7-0F88148EC8AA}" type="datetime1">
+            <a:fld id="{9CC7966F-29C6-4A3F-A1DA-7FBEF75CCE01}" type="datetime1">
               <a:rPr lang="en-US" smtClean="0"/>
-              <a:t>4/11/2024</a:t>
+              <a:t>4/22/2024</a:t>
             </a:fld>
             <a:endParaRPr lang="en-US"/>
           </a:p>
@@ -3271,9 +3272,9 @@
           <a:bodyPr/>
           <a:lstStyle/>
           <a:p>
-            <a:fld id="{8FB1FD97-B171-4664-9387-6C1400880CCF}" type="datetime1">
+            <a:fld id="{8DDA410A-1515-42CE-9361-0AC9F08FB7C4}" type="datetime1">
               <a:rPr lang="en-US" smtClean="0"/>
-              <a:t>4/11/2024</a:t>
+              <a:t>4/22/2024</a:t>
             </a:fld>
             <a:endParaRPr lang="en-US"/>
           </a:p>
@@ -3539,9 +3540,9 @@
           <a:bodyPr/>
           <a:lstStyle/>
           <a:p>
-            <a:fld id="{20AF2BC1-FC8E-441B-854A-73B6F6F43270}" type="datetime1">
+            <a:fld id="{5F536071-CEBD-40BE-BF54-5061FBD877C9}" type="datetime1">
               <a:rPr lang="en-US" smtClean="0"/>
-              <a:t>4/11/2024</a:t>
+              <a:t>4/22/2024</a:t>
             </a:fld>
             <a:endParaRPr lang="en-US"/>
           </a:p>
@@ -3954,9 +3955,9 @@
           <a:bodyPr/>
           <a:lstStyle/>
           <a:p>
-            <a:fld id="{4406EBD5-FA1A-404A-B962-DC2C3404E693}" type="datetime1">
+            <a:fld id="{6C8777B2-E8B3-414D-8FEC-456F0E0EE3E3}" type="datetime1">
               <a:rPr lang="en-US" smtClean="0"/>
-              <a:t>4/11/2024</a:t>
+              <a:t>4/22/2024</a:t>
             </a:fld>
             <a:endParaRPr lang="en-US"/>
           </a:p>
@@ -4098,9 +4099,9 @@
           <a:bodyPr/>
           <a:lstStyle/>
           <a:p>
-            <a:fld id="{17D4C9B1-38A7-4FCE-A708-FF38E3C03BD9}" type="datetime1">
+            <a:fld id="{2AC4DB23-6622-40E1-ADE5-0A93352E9694}" type="datetime1">
               <a:rPr lang="en-US" smtClean="0"/>
-              <a:t>4/11/2024</a:t>
+              <a:t>4/22/2024</a:t>
             </a:fld>
             <a:endParaRPr lang="en-US"/>
           </a:p>
@@ -4214,9 +4215,9 @@
           <a:bodyPr/>
           <a:lstStyle/>
           <a:p>
-            <a:fld id="{AFB41A25-79A9-4D3C-A8ED-6D7D1BE54EAB}" type="datetime1">
+            <a:fld id="{210261B2-2680-49F5-83FA-0E408BCBE3AD}" type="datetime1">
               <a:rPr lang="en-US" smtClean="0"/>
-              <a:t>4/11/2024</a:t>
+              <a:t>4/22/2024</a:t>
             </a:fld>
             <a:endParaRPr lang="en-US"/>
           </a:p>
@@ -4528,9 +4529,9 @@
           <a:bodyPr/>
           <a:lstStyle/>
           <a:p>
-            <a:fld id="{CF3A2462-D259-4B58-AEB3-225B8847BD20}" type="datetime1">
+            <a:fld id="{822DB20B-FB4B-4277-B072-252033DE0088}" type="datetime1">
               <a:rPr lang="en-US" smtClean="0"/>
-              <a:t>4/11/2024</a:t>
+              <a:t>4/22/2024</a:t>
             </a:fld>
             <a:endParaRPr lang="en-US"/>
           </a:p>
@@ -4819,9 +4820,9 @@
           <a:bodyPr/>
           <a:lstStyle/>
           <a:p>
-            <a:fld id="{68A25D2F-E7DD-4EDB-8F30-509996C69CA0}" type="datetime1">
+            <a:fld id="{627EC0F6-F48D-4C40-A183-6068CF832EBB}" type="datetime1">
               <a:rPr lang="en-US" smtClean="0"/>
-              <a:t>4/11/2024</a:t>
+              <a:t>4/22/2024</a:t>
             </a:fld>
             <a:endParaRPr lang="en-US"/>
           </a:p>
@@ -5063,9 +5064,9 @@
             </a:lvl1pPr>
           </a:lstStyle>
           <a:p>
-            <a:fld id="{390F5C6A-251B-4510-9AD3-59281DC647FA}" type="datetime1">
+            <a:fld id="{526CFB1E-704C-4BB5-AAA4-8AC757C28991}" type="datetime1">
               <a:rPr lang="en-US" smtClean="0"/>
-              <a:t>4/11/2024</a:t>
+              <a:t>4/22/2024</a:t>
             </a:fld>
             <a:endParaRPr lang="en-US"/>
           </a:p>
@@ -5449,9 +5450,15 @@
     <p:bldLst>
       <p:bldP spid="7" grpId="0" animBg="1"/>
       <p:bldP spid="7" grpId="1" animBg="1"/>
+      <p:bldP spid="7" grpId="2" animBg="1"/>
+      <p:bldP spid="7" grpId="3" animBg="1"/>
+      <p:bldP spid="7" grpId="6" animBg="1"/>
+      <p:bldP spid="7" grpId="7" animBg="1"/>
+      <p:bldP spid="7" grpId="8" animBg="1"/>
+      <p:bldP spid="7" grpId="9" animBg="1"/>
     </p:bldLst>
   </p:timing>
-  <p:hf hdr="0" dt="0"/>
+  <p:hf sldNum="0" hdr="0" ftr="0" dt="0"/>
   <p:txStyles>
     <p:titleStyle>
       <a:lvl1pPr algn="ctr" defTabSz="914400" rtl="0" eaLnBrk="1" latinLnBrk="0" hangingPunct="1">
@@ -5778,14 +5785,6 @@
           <a:bodyPr/>
           <a:lstStyle/>
           <a:p>
-            <a:r>
-              <a:rPr lang="en-US" dirty="0"/>
-              <a:t>Gabriele </a:t>
-            </a:r>
-            <a:r>
-              <a:rPr lang="en-US" dirty="0" err="1"/>
-              <a:t>Carcassi</a:t>
-            </a:r>
             <a:endParaRPr lang="en-US" dirty="0"/>
           </a:p>
         </p:txBody>
@@ -5855,60 +5854,828 @@
           <a:chExt cx="0" cy="0"/>
         </a:xfrm>
       </p:grpSpPr>
-      <p:sp>
-        <p:nvSpPr>
-          <p:cNvPr id="2" name="Footer Placeholder 1">
+      <p:grpSp>
+        <p:nvGrpSpPr>
+          <p:cNvPr id="5" name="Group 4">
             <a:extLst>
               <a:ext uri="{FF2B5EF4-FFF2-40B4-BE49-F238E27FC236}">
-                <a16:creationId xmlns:a16="http://schemas.microsoft.com/office/drawing/2014/main" id="{33CEF7B5-0D63-6A9A-0C7B-65C2DB891516}"/>
+                <a16:creationId xmlns:a16="http://schemas.microsoft.com/office/drawing/2014/main" id="{4F8A0021-5929-AE12-007C-3151BF27788B}"/>
               </a:ext>
             </a:extLst>
           </p:cNvPr>
-          <p:cNvSpPr>
-            <a:spLocks noGrp="1"/>
-          </p:cNvSpPr>
-          <p:nvPr>
-            <p:ph type="ftr" sz="quarter" idx="11"/>
-          </p:nvPr>
+          <p:cNvGrpSpPr/>
+          <p:nvPr/>
+        </p:nvGrpSpPr>
+        <p:grpSpPr>
+          <a:xfrm>
+            <a:off x="9650405" y="121281"/>
+            <a:ext cx="2296582" cy="1780774"/>
+            <a:chOff x="2152990" y="605117"/>
+            <a:chExt cx="6346135" cy="5486400"/>
+          </a:xfrm>
+        </p:grpSpPr>
+        <p:sp>
+          <p:nvSpPr>
+            <p:cNvPr id="6" name="Oval 5">
+              <a:extLst>
+                <a:ext uri="{FF2B5EF4-FFF2-40B4-BE49-F238E27FC236}">
+                  <a16:creationId xmlns:a16="http://schemas.microsoft.com/office/drawing/2014/main" id="{C51DCE4E-8D70-AC67-D9EA-14C06B9249FB}"/>
+                </a:ext>
+              </a:extLst>
+            </p:cNvPr>
+            <p:cNvSpPr/>
+            <p:nvPr/>
+          </p:nvSpPr>
+          <p:spPr>
+            <a:xfrm>
+              <a:off x="4841525" y="2433917"/>
+              <a:ext cx="3657600" cy="3657600"/>
+            </a:xfrm>
+            <a:prstGeom prst="ellipse">
+              <a:avLst/>
+            </a:prstGeom>
+            <a:noFill/>
+            <a:ln>
+              <a:solidFill>
+                <a:schemeClr val="tx1"/>
+              </a:solidFill>
+            </a:ln>
+          </p:spPr>
+          <p:style>
+            <a:lnRef idx="2">
+              <a:schemeClr val="accent6"/>
+            </a:lnRef>
+            <a:fillRef idx="1">
+              <a:schemeClr val="lt1"/>
+            </a:fillRef>
+            <a:effectRef idx="0">
+              <a:schemeClr val="accent6"/>
+            </a:effectRef>
+            <a:fontRef idx="minor">
+              <a:schemeClr val="dk1"/>
+            </a:fontRef>
+          </p:style>
+          <p:txBody>
+            <a:bodyPr rtlCol="0" anchor="ctr"/>
+            <a:lstStyle/>
+            <a:p>
+              <a:pPr algn="ctr"/>
+              <a:endParaRPr lang="en-US"/>
+            </a:p>
+          </p:txBody>
+        </p:sp>
+        <p:sp>
+          <p:nvSpPr>
+            <p:cNvPr id="7" name="Oval 6">
+              <a:extLst>
+                <a:ext uri="{FF2B5EF4-FFF2-40B4-BE49-F238E27FC236}">
+                  <a16:creationId xmlns:a16="http://schemas.microsoft.com/office/drawing/2014/main" id="{52184462-0A35-6D25-6C46-6B9D0FFCA42A}"/>
+                </a:ext>
+              </a:extLst>
+            </p:cNvPr>
+            <p:cNvSpPr/>
+            <p:nvPr/>
+          </p:nvSpPr>
+          <p:spPr>
+            <a:xfrm>
+              <a:off x="2152990" y="2433917"/>
+              <a:ext cx="3657600" cy="3657600"/>
+            </a:xfrm>
+            <a:prstGeom prst="ellipse">
+              <a:avLst/>
+            </a:prstGeom>
+            <a:noFill/>
+            <a:ln>
+              <a:solidFill>
+                <a:schemeClr val="tx1"/>
+              </a:solidFill>
+            </a:ln>
+          </p:spPr>
+          <p:style>
+            <a:lnRef idx="2">
+              <a:schemeClr val="accent6"/>
+            </a:lnRef>
+            <a:fillRef idx="1">
+              <a:schemeClr val="lt1"/>
+            </a:fillRef>
+            <a:effectRef idx="0">
+              <a:schemeClr val="accent6"/>
+            </a:effectRef>
+            <a:fontRef idx="minor">
+              <a:schemeClr val="dk1"/>
+            </a:fontRef>
+          </p:style>
+          <p:txBody>
+            <a:bodyPr rtlCol="0" anchor="ctr"/>
+            <a:lstStyle/>
+            <a:p>
+              <a:pPr algn="ctr"/>
+              <a:endParaRPr lang="en-US"/>
+            </a:p>
+          </p:txBody>
+        </p:sp>
+        <p:sp>
+          <p:nvSpPr>
+            <p:cNvPr id="8" name="Oval 7">
+              <a:extLst>
+                <a:ext uri="{FF2B5EF4-FFF2-40B4-BE49-F238E27FC236}">
+                  <a16:creationId xmlns:a16="http://schemas.microsoft.com/office/drawing/2014/main" id="{D06ECC59-DDBF-24FF-3DD2-58DBF0CA91CE}"/>
+                </a:ext>
+              </a:extLst>
+            </p:cNvPr>
+            <p:cNvSpPr/>
+            <p:nvPr/>
+          </p:nvSpPr>
+          <p:spPr>
+            <a:xfrm>
+              <a:off x="3497258" y="605117"/>
+              <a:ext cx="3657600" cy="3657600"/>
+            </a:xfrm>
+            <a:prstGeom prst="ellipse">
+              <a:avLst/>
+            </a:prstGeom>
+            <a:noFill/>
+            <a:ln>
+              <a:solidFill>
+                <a:schemeClr val="tx1"/>
+              </a:solidFill>
+            </a:ln>
+          </p:spPr>
+          <p:style>
+            <a:lnRef idx="2">
+              <a:schemeClr val="accent6"/>
+            </a:lnRef>
+            <a:fillRef idx="1">
+              <a:schemeClr val="lt1"/>
+            </a:fillRef>
+            <a:effectRef idx="0">
+              <a:schemeClr val="accent6"/>
+            </a:effectRef>
+            <a:fontRef idx="minor">
+              <a:schemeClr val="dk1"/>
+            </a:fontRef>
+          </p:style>
+          <p:txBody>
+            <a:bodyPr rtlCol="0" anchor="ctr"/>
+            <a:lstStyle/>
+            <a:p>
+              <a:pPr algn="ctr"/>
+              <a:endParaRPr lang="en-US"/>
+            </a:p>
+          </p:txBody>
+        </p:sp>
+      </p:grpSp>
+      <p:sp>
+        <p:nvSpPr>
+          <p:cNvPr id="9" name="Freeform 8">
+            <a:extLst>
+              <a:ext uri="{FF2B5EF4-FFF2-40B4-BE49-F238E27FC236}">
+                <a16:creationId xmlns:a16="http://schemas.microsoft.com/office/drawing/2014/main" id="{F82F98CF-5BD6-13E9-C80C-D5429153CB8C}"/>
+              </a:ext>
+            </a:extLst>
+          </p:cNvPr>
+          <p:cNvSpPr/>
+          <p:nvPr/>
         </p:nvSpPr>
-        <p:spPr/>
+        <p:spPr>
+          <a:xfrm>
+            <a:off x="9650405" y="737895"/>
+            <a:ext cx="1148291" cy="1161288"/>
+          </a:xfrm>
+          <a:custGeom>
+            <a:avLst/>
+            <a:gdLst>
+              <a:gd name="connsiteX0" fmla="*/ 489061 w 1148291"/>
+              <a:gd name="connsiteY0" fmla="*/ 0 h 1164161"/>
+              <a:gd name="connsiteX1" fmla="*/ 499919 w 1148291"/>
+              <a:gd name="connsiteY1" fmla="*/ 96608 h 1164161"/>
+              <a:gd name="connsiteX2" fmla="*/ 890682 w 1148291"/>
+              <a:gd name="connsiteY2" fmla="*/ 523923 h 1164161"/>
+              <a:gd name="connsiteX3" fmla="*/ 975533 w 1148291"/>
+              <a:gd name="connsiteY3" fmla="*/ 547546 h 1164161"/>
+              <a:gd name="connsiteX4" fmla="*/ 972945 w 1148291"/>
+              <a:gd name="connsiteY4" fmla="*/ 570569 h 1164161"/>
+              <a:gd name="connsiteX5" fmla="*/ 1085973 w 1148291"/>
+              <a:gd name="connsiteY5" fmla="*/ 902452 h 1164161"/>
+              <a:gd name="connsiteX6" fmla="*/ 1148291 w 1148291"/>
+              <a:gd name="connsiteY6" fmla="*/ 970196 h 1164161"/>
+              <a:gd name="connsiteX7" fmla="*/ 1129796 w 1148291"/>
+              <a:gd name="connsiteY7" fmla="*/ 990302 h 1164161"/>
+              <a:gd name="connsiteX8" fmla="*/ 661819 w 1148291"/>
+              <a:gd name="connsiteY8" fmla="*/ 1164161 h 1164161"/>
+              <a:gd name="connsiteX9" fmla="*/ 0 w 1148291"/>
+              <a:gd name="connsiteY9" fmla="*/ 570569 h 1164161"/>
+              <a:gd name="connsiteX10" fmla="*/ 404209 w 1148291"/>
+              <a:gd name="connsiteY10" fmla="*/ 23624 h 1164161"/>
+              <a:gd name="connsiteX11" fmla="*/ 489061 w 1148291"/>
+              <a:gd name="connsiteY11" fmla="*/ 0 h 1164161"/>
+            </a:gdLst>
+            <a:ahLst/>
+            <a:cxnLst>
+              <a:cxn ang="0">
+                <a:pos x="connsiteX0" y="connsiteY0"/>
+              </a:cxn>
+              <a:cxn ang="0">
+                <a:pos x="connsiteX1" y="connsiteY1"/>
+              </a:cxn>
+              <a:cxn ang="0">
+                <a:pos x="connsiteX2" y="connsiteY2"/>
+              </a:cxn>
+              <a:cxn ang="0">
+                <a:pos x="connsiteX3" y="connsiteY3"/>
+              </a:cxn>
+              <a:cxn ang="0">
+                <a:pos x="connsiteX4" y="connsiteY4"/>
+              </a:cxn>
+              <a:cxn ang="0">
+                <a:pos x="connsiteX5" y="connsiteY5"/>
+              </a:cxn>
+              <a:cxn ang="0">
+                <a:pos x="connsiteX6" y="connsiteY6"/>
+              </a:cxn>
+              <a:cxn ang="0">
+                <a:pos x="connsiteX7" y="connsiteY7"/>
+              </a:cxn>
+              <a:cxn ang="0">
+                <a:pos x="connsiteX8" y="connsiteY8"/>
+              </a:cxn>
+              <a:cxn ang="0">
+                <a:pos x="connsiteX9" y="connsiteY9"/>
+              </a:cxn>
+              <a:cxn ang="0">
+                <a:pos x="connsiteX10" y="connsiteY10"/>
+              </a:cxn>
+              <a:cxn ang="0">
+                <a:pos x="connsiteX11" y="connsiteY11"/>
+              </a:cxn>
+            </a:cxnLst>
+            <a:rect l="l" t="t" r="r" b="b"/>
+            <a:pathLst>
+              <a:path w="1148291" h="1164161">
+                <a:moveTo>
+                  <a:pt x="489061" y="0"/>
+                </a:moveTo>
+                <a:lnTo>
+                  <a:pt x="499919" y="96608"/>
+                </a:lnTo>
+                <a:cubicBezTo>
+                  <a:pt x="543999" y="289815"/>
+                  <a:pt x="692735" y="448829"/>
+                  <a:pt x="890682" y="523923"/>
+                </a:cubicBezTo>
+                <a:lnTo>
+                  <a:pt x="975533" y="547546"/>
+                </a:lnTo>
+                <a:lnTo>
+                  <a:pt x="972945" y="570569"/>
+                </a:lnTo>
+                <a:cubicBezTo>
+                  <a:pt x="972945" y="693506"/>
+                  <a:pt x="1014613" y="807714"/>
+                  <a:pt x="1085973" y="902452"/>
+                </a:cubicBezTo>
+                <a:lnTo>
+                  <a:pt x="1148291" y="970196"/>
+                </a:lnTo>
+                <a:lnTo>
+                  <a:pt x="1129796" y="990302"/>
+                </a:lnTo>
+                <a:cubicBezTo>
+                  <a:pt x="1010030" y="1097721"/>
+                  <a:pt x="844575" y="1164161"/>
+                  <a:pt x="661819" y="1164161"/>
+                </a:cubicBezTo>
+                <a:cubicBezTo>
+                  <a:pt x="296306" y="1164161"/>
+                  <a:pt x="0" y="898401"/>
+                  <a:pt x="0" y="570569"/>
+                </a:cubicBezTo>
+                <a:cubicBezTo>
+                  <a:pt x="0" y="324695"/>
+                  <a:pt x="166672" y="113736"/>
+                  <a:pt x="404209" y="23624"/>
+                </a:cubicBezTo>
+                <a:lnTo>
+                  <a:pt x="489061" y="0"/>
+                </a:lnTo>
+                <a:close/>
+              </a:path>
+            </a:pathLst>
+          </a:custGeom>
+          <a:solidFill>
+            <a:srgbClr val="008000"/>
+          </a:solidFill>
+          <a:ln>
+            <a:solidFill>
+              <a:schemeClr val="tx1"/>
+            </a:solidFill>
+          </a:ln>
+        </p:spPr>
+        <p:style>
+          <a:lnRef idx="2">
+            <a:schemeClr val="accent1">
+              <a:shade val="15000"/>
+            </a:schemeClr>
+          </a:lnRef>
+          <a:fillRef idx="1">
+            <a:schemeClr val="accent1"/>
+          </a:fillRef>
+          <a:effectRef idx="0">
+            <a:schemeClr val="accent1"/>
+          </a:effectRef>
+          <a:fontRef idx="minor">
+            <a:schemeClr val="lt1"/>
+          </a:fontRef>
+        </p:style>
         <p:txBody>
-          <a:bodyPr/>
+          <a:bodyPr wrap="square" rtlCol="0" anchor="ctr">
+            <a:noAutofit/>
+          </a:bodyPr>
           <a:lstStyle/>
           <a:p>
+            <a:pPr algn="ctr"/>
+            <a:endParaRPr lang="en-US">
+              <a:solidFill>
+                <a:schemeClr val="accent6">
+                  <a:lumMod val="75000"/>
+                </a:schemeClr>
+              </a:solidFill>
+            </a:endParaRPr>
+          </a:p>
+        </p:txBody>
+      </p:sp>
+      <p:sp>
+        <p:nvSpPr>
+          <p:cNvPr id="10" name="Freeform 9">
+            <a:extLst>
+              <a:ext uri="{FF2B5EF4-FFF2-40B4-BE49-F238E27FC236}">
+                <a16:creationId xmlns:a16="http://schemas.microsoft.com/office/drawing/2014/main" id="{5E81B0D8-0D8B-6A52-8E38-35D615B1FD4F}"/>
+              </a:ext>
+            </a:extLst>
+          </p:cNvPr>
+          <p:cNvSpPr/>
+          <p:nvPr/>
+        </p:nvSpPr>
+        <p:spPr>
+          <a:xfrm>
+            <a:off x="10798696" y="714872"/>
+            <a:ext cx="659232" cy="570570"/>
+          </a:xfrm>
+          <a:custGeom>
+            <a:avLst/>
+            <a:gdLst>
+              <a:gd name="connsiteX0" fmla="*/ 486473 w 659232"/>
+              <a:gd name="connsiteY0" fmla="*/ 0 h 570570"/>
+              <a:gd name="connsiteX1" fmla="*/ 619853 w 659232"/>
+              <a:gd name="connsiteY1" fmla="*/ 12060 h 570570"/>
+              <a:gd name="connsiteX2" fmla="*/ 659232 w 659232"/>
+              <a:gd name="connsiteY2" fmla="*/ 23024 h 570570"/>
+              <a:gd name="connsiteX3" fmla="*/ 648374 w 659232"/>
+              <a:gd name="connsiteY3" fmla="*/ 119631 h 570570"/>
+              <a:gd name="connsiteX4" fmla="*/ 257611 w 659232"/>
+              <a:gd name="connsiteY4" fmla="*/ 546946 h 570570"/>
+              <a:gd name="connsiteX5" fmla="*/ 172759 w 659232"/>
+              <a:gd name="connsiteY5" fmla="*/ 570570 h 570570"/>
+              <a:gd name="connsiteX6" fmla="*/ 161901 w 659232"/>
+              <a:gd name="connsiteY6" fmla="*/ 473962 h 570570"/>
+              <a:gd name="connsiteX7" fmla="*/ 62319 w 659232"/>
+              <a:gd name="connsiteY7" fmla="*/ 261709 h 570570"/>
+              <a:gd name="connsiteX8" fmla="*/ 0 w 659232"/>
+              <a:gd name="connsiteY8" fmla="*/ 193965 h 570570"/>
+              <a:gd name="connsiteX9" fmla="*/ 18496 w 659232"/>
+              <a:gd name="connsiteY9" fmla="*/ 173859 h 570570"/>
+              <a:gd name="connsiteX10" fmla="*/ 486473 w 659232"/>
+              <a:gd name="connsiteY10" fmla="*/ 0 h 570570"/>
+            </a:gdLst>
+            <a:ahLst/>
+            <a:cxnLst>
+              <a:cxn ang="0">
+                <a:pos x="connsiteX0" y="connsiteY0"/>
+              </a:cxn>
+              <a:cxn ang="0">
+                <a:pos x="connsiteX1" y="connsiteY1"/>
+              </a:cxn>
+              <a:cxn ang="0">
+                <a:pos x="connsiteX2" y="connsiteY2"/>
+              </a:cxn>
+              <a:cxn ang="0">
+                <a:pos x="connsiteX3" y="connsiteY3"/>
+              </a:cxn>
+              <a:cxn ang="0">
+                <a:pos x="connsiteX4" y="connsiteY4"/>
+              </a:cxn>
+              <a:cxn ang="0">
+                <a:pos x="connsiteX5" y="connsiteY5"/>
+              </a:cxn>
+              <a:cxn ang="0">
+                <a:pos x="connsiteX6" y="connsiteY6"/>
+              </a:cxn>
+              <a:cxn ang="0">
+                <a:pos x="connsiteX7" y="connsiteY7"/>
+              </a:cxn>
+              <a:cxn ang="0">
+                <a:pos x="connsiteX8" y="connsiteY8"/>
+              </a:cxn>
+              <a:cxn ang="0">
+                <a:pos x="connsiteX9" y="connsiteY9"/>
+              </a:cxn>
+              <a:cxn ang="0">
+                <a:pos x="connsiteX10" y="connsiteY10"/>
+              </a:cxn>
+            </a:cxnLst>
+            <a:rect l="l" t="t" r="r" b="b"/>
+            <a:pathLst>
+              <a:path w="659232" h="570570">
+                <a:moveTo>
+                  <a:pt x="486473" y="0"/>
+                </a:moveTo>
+                <a:cubicBezTo>
+                  <a:pt x="532162" y="0"/>
+                  <a:pt x="576770" y="4152"/>
+                  <a:pt x="619853" y="12060"/>
+                </a:cubicBezTo>
+                <a:lnTo>
+                  <a:pt x="659232" y="23024"/>
+                </a:lnTo>
+                <a:lnTo>
+                  <a:pt x="648374" y="119631"/>
+                </a:lnTo>
+                <a:cubicBezTo>
+                  <a:pt x="604294" y="312838"/>
+                  <a:pt x="455558" y="471852"/>
+                  <a:pt x="257611" y="546946"/>
+                </a:cubicBezTo>
+                <a:lnTo>
+                  <a:pt x="172759" y="570570"/>
+                </a:lnTo>
+                <a:lnTo>
+                  <a:pt x="161901" y="473962"/>
+                </a:lnTo>
+                <a:cubicBezTo>
+                  <a:pt x="144269" y="396680"/>
+                  <a:pt x="109892" y="324868"/>
+                  <a:pt x="62319" y="261709"/>
+                </a:cubicBezTo>
+                <a:lnTo>
+                  <a:pt x="0" y="193965"/>
+                </a:lnTo>
+                <a:lnTo>
+                  <a:pt x="18496" y="173859"/>
+                </a:lnTo>
+                <a:cubicBezTo>
+                  <a:pt x="138262" y="66440"/>
+                  <a:pt x="303716" y="0"/>
+                  <a:pt x="486473" y="0"/>
+                </a:cubicBezTo>
+                <a:close/>
+              </a:path>
+            </a:pathLst>
+          </a:custGeom>
+          <a:solidFill>
+            <a:srgbClr val="C00000"/>
+          </a:solidFill>
+          <a:ln>
+            <a:solidFill>
+              <a:schemeClr val="tx1"/>
+            </a:solidFill>
+          </a:ln>
+        </p:spPr>
+        <p:style>
+          <a:lnRef idx="2">
+            <a:schemeClr val="accent1">
+              <a:shade val="15000"/>
+            </a:schemeClr>
+          </a:lnRef>
+          <a:fillRef idx="1">
+            <a:schemeClr val="accent1"/>
+          </a:fillRef>
+          <a:effectRef idx="0">
+            <a:schemeClr val="accent1"/>
+          </a:effectRef>
+          <a:fontRef idx="minor">
+            <a:schemeClr val="lt1"/>
+          </a:fontRef>
+        </p:style>
+        <p:txBody>
+          <a:bodyPr wrap="square" rtlCol="0" anchor="ctr">
+            <a:noAutofit/>
+          </a:bodyPr>
+          <a:lstStyle/>
+          <a:p>
+            <a:pPr algn="ctr"/>
+            <a:endParaRPr lang="en-US"/>
+          </a:p>
+        </p:txBody>
+      </p:sp>
+      <p:sp>
+        <p:nvSpPr>
+          <p:cNvPr id="11" name="Freeform 10">
+            <a:extLst>
+              <a:ext uri="{FF2B5EF4-FFF2-40B4-BE49-F238E27FC236}">
+                <a16:creationId xmlns:a16="http://schemas.microsoft.com/office/drawing/2014/main" id="{55D33181-2BFA-A4FB-EA04-D7EA79E9E29D}"/>
+              </a:ext>
+            </a:extLst>
+          </p:cNvPr>
+          <p:cNvSpPr/>
+          <p:nvPr/>
+        </p:nvSpPr>
+        <p:spPr>
+          <a:xfrm>
+            <a:off x="10136878" y="121281"/>
+            <a:ext cx="1323638" cy="787556"/>
+          </a:xfrm>
+          <a:custGeom>
+            <a:avLst/>
+            <a:gdLst>
+              <a:gd name="connsiteX0" fmla="*/ 661819 w 1323638"/>
+              <a:gd name="connsiteY0" fmla="*/ 0 h 787556"/>
+              <a:gd name="connsiteX1" fmla="*/ 1323638 w 1323638"/>
+              <a:gd name="connsiteY1" fmla="*/ 593592 h 787556"/>
+              <a:gd name="connsiteX2" fmla="*/ 1321050 w 1323638"/>
+              <a:gd name="connsiteY2" fmla="*/ 616615 h 787556"/>
+              <a:gd name="connsiteX3" fmla="*/ 1281671 w 1323638"/>
+              <a:gd name="connsiteY3" fmla="*/ 605651 h 787556"/>
+              <a:gd name="connsiteX4" fmla="*/ 1148291 w 1323638"/>
+              <a:gd name="connsiteY4" fmla="*/ 593591 h 787556"/>
+              <a:gd name="connsiteX5" fmla="*/ 680314 w 1323638"/>
+              <a:gd name="connsiteY5" fmla="*/ 767450 h 787556"/>
+              <a:gd name="connsiteX6" fmla="*/ 661818 w 1323638"/>
+              <a:gd name="connsiteY6" fmla="*/ 787556 h 787556"/>
+              <a:gd name="connsiteX7" fmla="*/ 643323 w 1323638"/>
+              <a:gd name="connsiteY7" fmla="*/ 767450 h 787556"/>
+              <a:gd name="connsiteX8" fmla="*/ 175346 w 1323638"/>
+              <a:gd name="connsiteY8" fmla="*/ 593591 h 787556"/>
+              <a:gd name="connsiteX9" fmla="*/ 41966 w 1323638"/>
+              <a:gd name="connsiteY9" fmla="*/ 605651 h 787556"/>
+              <a:gd name="connsiteX10" fmla="*/ 2588 w 1323638"/>
+              <a:gd name="connsiteY10" fmla="*/ 616614 h 787556"/>
+              <a:gd name="connsiteX11" fmla="*/ 0 w 1323638"/>
+              <a:gd name="connsiteY11" fmla="*/ 593592 h 787556"/>
+              <a:gd name="connsiteX12" fmla="*/ 661819 w 1323638"/>
+              <a:gd name="connsiteY12" fmla="*/ 0 h 787556"/>
+            </a:gdLst>
+            <a:ahLst/>
+            <a:cxnLst>
+              <a:cxn ang="0">
+                <a:pos x="connsiteX0" y="connsiteY0"/>
+              </a:cxn>
+              <a:cxn ang="0">
+                <a:pos x="connsiteX1" y="connsiteY1"/>
+              </a:cxn>
+              <a:cxn ang="0">
+                <a:pos x="connsiteX2" y="connsiteY2"/>
+              </a:cxn>
+              <a:cxn ang="0">
+                <a:pos x="connsiteX3" y="connsiteY3"/>
+              </a:cxn>
+              <a:cxn ang="0">
+                <a:pos x="connsiteX4" y="connsiteY4"/>
+              </a:cxn>
+              <a:cxn ang="0">
+                <a:pos x="connsiteX5" y="connsiteY5"/>
+              </a:cxn>
+              <a:cxn ang="0">
+                <a:pos x="connsiteX6" y="connsiteY6"/>
+              </a:cxn>
+              <a:cxn ang="0">
+                <a:pos x="connsiteX7" y="connsiteY7"/>
+              </a:cxn>
+              <a:cxn ang="0">
+                <a:pos x="connsiteX8" y="connsiteY8"/>
+              </a:cxn>
+              <a:cxn ang="0">
+                <a:pos x="connsiteX9" y="connsiteY9"/>
+              </a:cxn>
+              <a:cxn ang="0">
+                <a:pos x="connsiteX10" y="connsiteY10"/>
+              </a:cxn>
+              <a:cxn ang="0">
+                <a:pos x="connsiteX11" y="connsiteY11"/>
+              </a:cxn>
+              <a:cxn ang="0">
+                <a:pos x="connsiteX12" y="connsiteY12"/>
+              </a:cxn>
+            </a:cxnLst>
+            <a:rect l="l" t="t" r="r" b="b"/>
+            <a:pathLst>
+              <a:path w="1323638" h="787556">
+                <a:moveTo>
+                  <a:pt x="661819" y="0"/>
+                </a:moveTo>
+                <a:cubicBezTo>
+                  <a:pt x="1027332" y="0"/>
+                  <a:pt x="1323638" y="265760"/>
+                  <a:pt x="1323638" y="593592"/>
+                </a:cubicBezTo>
+                <a:lnTo>
+                  <a:pt x="1321050" y="616615"/>
+                </a:lnTo>
+                <a:lnTo>
+                  <a:pt x="1281671" y="605651"/>
+                </a:lnTo>
+                <a:cubicBezTo>
+                  <a:pt x="1238588" y="597743"/>
+                  <a:pt x="1193980" y="593591"/>
+                  <a:pt x="1148291" y="593591"/>
+                </a:cubicBezTo>
+                <a:cubicBezTo>
+                  <a:pt x="965534" y="593591"/>
+                  <a:pt x="800080" y="660031"/>
+                  <a:pt x="680314" y="767450"/>
+                </a:cubicBezTo>
+                <a:lnTo>
+                  <a:pt x="661818" y="787556"/>
+                </a:lnTo>
+                <a:lnTo>
+                  <a:pt x="643323" y="767450"/>
+                </a:lnTo>
+                <a:cubicBezTo>
+                  <a:pt x="523557" y="660031"/>
+                  <a:pt x="358102" y="593591"/>
+                  <a:pt x="175346" y="593591"/>
+                </a:cubicBezTo>
+                <a:cubicBezTo>
+                  <a:pt x="129657" y="593591"/>
+                  <a:pt x="85049" y="597743"/>
+                  <a:pt x="41966" y="605651"/>
+                </a:cubicBezTo>
+                <a:lnTo>
+                  <a:pt x="2588" y="616614"/>
+                </a:lnTo>
+                <a:lnTo>
+                  <a:pt x="0" y="593592"/>
+                </a:lnTo>
+                <a:cubicBezTo>
+                  <a:pt x="0" y="265760"/>
+                  <a:pt x="296306" y="0"/>
+                  <a:pt x="661819" y="0"/>
+                </a:cubicBezTo>
+                <a:close/>
+              </a:path>
+            </a:pathLst>
+          </a:custGeom>
+          <a:solidFill>
+            <a:srgbClr val="C00000"/>
+          </a:solidFill>
+          <a:ln>
+            <a:solidFill>
+              <a:schemeClr val="tx1"/>
+            </a:solidFill>
+          </a:ln>
+        </p:spPr>
+        <p:style>
+          <a:lnRef idx="2">
+            <a:schemeClr val="accent1">
+              <a:shade val="15000"/>
+            </a:schemeClr>
+          </a:lnRef>
+          <a:fillRef idx="1">
+            <a:schemeClr val="accent1"/>
+          </a:fillRef>
+          <a:effectRef idx="0">
+            <a:schemeClr val="accent1"/>
+          </a:effectRef>
+          <a:fontRef idx="minor">
+            <a:schemeClr val="lt1"/>
+          </a:fontRef>
+        </p:style>
+        <p:txBody>
+          <a:bodyPr wrap="square" rtlCol="0" anchor="ctr">
+            <a:noAutofit/>
+          </a:bodyPr>
+          <a:lstStyle/>
+          <a:p>
+            <a:pPr algn="ctr"/>
+            <a:endParaRPr lang="en-US"/>
+          </a:p>
+        </p:txBody>
+      </p:sp>
+      <p:sp>
+        <p:nvSpPr>
+          <p:cNvPr id="12" name="TextBox 11">
+            <a:extLst>
+              <a:ext uri="{FF2B5EF4-FFF2-40B4-BE49-F238E27FC236}">
+                <a16:creationId xmlns:a16="http://schemas.microsoft.com/office/drawing/2014/main" id="{8554D014-735E-19A0-0A44-9751F51321FC}"/>
+              </a:ext>
+            </a:extLst>
+          </p:cNvPr>
+          <p:cNvSpPr txBox="1"/>
+          <p:nvPr/>
+        </p:nvSpPr>
+        <p:spPr>
+          <a:xfrm>
+            <a:off x="9555609" y="1190841"/>
+            <a:ext cx="1270854" cy="586299"/>
+          </a:xfrm>
+          <a:prstGeom prst="rect">
+            <a:avLst/>
+          </a:prstGeom>
+          <a:noFill/>
+        </p:spPr>
+        <p:txBody>
+          <a:bodyPr wrap="square" rtlCol="0">
+            <a:spAutoFit/>
+          </a:bodyPr>
+          <a:lstStyle/>
+          <a:p>
+            <a:pPr algn="ctr"/>
             <a:r>
-              <a:rPr lang="en-US"/>
-              <a:t>Gabriele Carcassi - University of Michigan</a:t>
+              <a:rPr lang="en-US" sz="1400" dirty="0"/>
+              <a:t>Newtonian</a:t>
+            </a:r>
+          </a:p>
+          <a:p>
+            <a:pPr algn="ctr"/>
+            <a:r>
+              <a:rPr lang="en-US" sz="1400" dirty="0"/>
+              <a:t>Systems</a:t>
             </a:r>
           </a:p>
         </p:txBody>
       </p:sp>
       <p:sp>
         <p:nvSpPr>
-          <p:cNvPr id="3" name="Slide Number Placeholder 2">
+          <p:cNvPr id="13" name="TextBox 12">
             <a:extLst>
               <a:ext uri="{FF2B5EF4-FFF2-40B4-BE49-F238E27FC236}">
-                <a16:creationId xmlns:a16="http://schemas.microsoft.com/office/drawing/2014/main" id="{4546466B-612E-16B2-E20B-557F1990BF16}"/>
+                <a16:creationId xmlns:a16="http://schemas.microsoft.com/office/drawing/2014/main" id="{C4632C4F-E966-4E22-5B51-2A093F11ADA2}"/>
               </a:ext>
             </a:extLst>
           </p:cNvPr>
-          <p:cNvSpPr>
-            <a:spLocks noGrp="1"/>
-          </p:cNvSpPr>
-          <p:nvPr>
-            <p:ph type="sldNum" sz="quarter" idx="12"/>
-          </p:nvPr>
+          <p:cNvSpPr txBox="1"/>
+          <p:nvPr/>
         </p:nvSpPr>
-        <p:spPr/>
+        <p:spPr>
+          <a:xfrm>
+            <a:off x="10850584" y="1203177"/>
+            <a:ext cx="1212148" cy="586299"/>
+          </a:xfrm>
+          <a:prstGeom prst="rect">
+            <a:avLst/>
+          </a:prstGeom>
+          <a:noFill/>
+        </p:spPr>
         <p:txBody>
-          <a:bodyPr/>
+          <a:bodyPr wrap="square" rtlCol="0">
+            <a:spAutoFit/>
+          </a:bodyPr>
           <a:lstStyle/>
           <a:p>
-            <a:fld id="{F47845EA-7733-40EE-B074-20032348B727}" type="slidenum">
-              <a:rPr lang="en-US" smtClean="0"/>
-              <a:t>10</a:t>
-            </a:fld>
-            <a:endParaRPr lang="en-US"/>
+            <a:pPr algn="ctr"/>
+            <a:r>
+              <a:rPr lang="en-US" sz="1400" dirty="0"/>
+              <a:t>Hamiltonian</a:t>
+            </a:r>
+          </a:p>
+          <a:p>
+            <a:pPr algn="ctr"/>
+            <a:r>
+              <a:rPr lang="en-US" sz="1400" dirty="0"/>
+              <a:t>Systems</a:t>
+            </a:r>
+          </a:p>
+        </p:txBody>
+      </p:sp>
+      <p:sp>
+        <p:nvSpPr>
+          <p:cNvPr id="14" name="TextBox 13">
+            <a:extLst>
+              <a:ext uri="{FF2B5EF4-FFF2-40B4-BE49-F238E27FC236}">
+                <a16:creationId xmlns:a16="http://schemas.microsoft.com/office/drawing/2014/main" id="{36CD42BB-A70E-1343-32EA-F5A41543B375}"/>
+              </a:ext>
+            </a:extLst>
+          </p:cNvPr>
+          <p:cNvSpPr txBox="1"/>
+          <p:nvPr/>
+        </p:nvSpPr>
+        <p:spPr>
+          <a:xfrm>
+            <a:off x="10272087" y="244914"/>
+            <a:ext cx="1053217" cy="523220"/>
+          </a:xfrm>
+          <a:prstGeom prst="rect">
+            <a:avLst/>
+          </a:prstGeom>
+          <a:noFill/>
+        </p:spPr>
+        <p:txBody>
+          <a:bodyPr wrap="square" rtlCol="0">
+            <a:spAutoFit/>
+          </a:bodyPr>
+          <a:lstStyle/>
+          <a:p>
+            <a:pPr algn="ctr"/>
+            <a:r>
+              <a:rPr lang="en-US" sz="1400" dirty="0"/>
+              <a:t>Lagrangian</a:t>
+            </a:r>
+          </a:p>
+          <a:p>
+            <a:pPr algn="ctr"/>
+            <a:r>
+              <a:rPr lang="en-US" sz="1400" dirty="0"/>
+              <a:t>Systems</a:t>
+            </a:r>
           </a:p>
         </p:txBody>
       </p:sp>
@@ -6601,8 +7368,8 @@
         </p:nvCxnSpPr>
         <p:spPr>
           <a:xfrm flipH="1">
-            <a:off x="3204591" y="1498647"/>
-            <a:ext cx="540738" cy="218430"/>
+            <a:off x="2769620" y="1491970"/>
+            <a:ext cx="256486" cy="134027"/>
           </a:xfrm>
           <a:prstGeom prst="straightConnector1">
             <a:avLst/>
@@ -6640,7 +7407,7 @@
         </p:nvSpPr>
         <p:spPr>
           <a:xfrm>
-            <a:off x="3042933" y="1090792"/>
+            <a:off x="2170094" y="1090792"/>
             <a:ext cx="1886414" cy="369332"/>
           </a:xfrm>
           <a:prstGeom prst="rect">
@@ -7867,231 +8634,342 @@
           </p:sp>
         </mc:Fallback>
       </mc:AlternateContent>
-      <mc:AlternateContent xmlns:mc="http://schemas.openxmlformats.org/markup-compatibility/2006" xmlns:a14="http://schemas.microsoft.com/office/drawing/2010/main">
-        <mc:Choice Requires="a14">
-          <p:sp>
-            <p:nvSpPr>
-              <p:cNvPr id="34" name="TextBox 33">
-                <a:extLst>
-                  <a:ext uri="{FF2B5EF4-FFF2-40B4-BE49-F238E27FC236}">
-                    <a16:creationId xmlns:a16="http://schemas.microsoft.com/office/drawing/2014/main" id="{416419FD-5295-A8AA-2851-68351DFCAC2E}"/>
-                  </a:ext>
-                </a:extLst>
-              </p:cNvPr>
-              <p:cNvSpPr txBox="1"/>
-              <p:nvPr/>
-            </p:nvSpPr>
-            <p:spPr>
-              <a:xfrm>
-                <a:off x="666859" y="5581312"/>
-                <a:ext cx="8983546" cy="707886"/>
-              </a:xfrm>
-              <a:prstGeom prst="rect">
-                <a:avLst/>
-              </a:prstGeom>
-              <a:noFill/>
-            </p:spPr>
-            <p:txBody>
-              <a:bodyPr wrap="square" rtlCol="0">
-                <a:spAutoFit/>
-              </a:bodyPr>
-              <a:lstStyle/>
-              <a:p>
-                <a14:m>
-                  <m:oMath xmlns:m="http://schemas.openxmlformats.org/officeDocument/2006/math">
-                    <m:r>
-                      <a:rPr lang="en-US" sz="4000" b="0" i="1" smtClean="0">
-                        <a:solidFill>
-                          <a:schemeClr val="accent6">
-                            <a:lumMod val="75000"/>
-                          </a:schemeClr>
-                        </a:solidFill>
-                        <a:latin typeface="Cambria Math" panose="02040503050406030204" pitchFamily="18" charset="0"/>
-                      </a:rPr>
-                      <m:t>⇒ </m:t>
-                    </m:r>
-                  </m:oMath>
-                </a14:m>
-                <a:r>
-                  <a:rPr lang="en-US" sz="4000" dirty="0">
-                    <a:solidFill>
-                      <a:schemeClr val="accent6">
-                        <a:lumMod val="75000"/>
-                      </a:schemeClr>
-                    </a:solidFill>
-                  </a:rPr>
-                  <a:t>Every Lagrangian admits a Hamiltonian</a:t>
-                </a:r>
-              </a:p>
-            </p:txBody>
-          </p:sp>
-        </mc:Choice>
-        <mc:Fallback xmlns="">
-          <p:sp>
-            <p:nvSpPr>
-              <p:cNvPr id="34" name="TextBox 33">
-                <a:extLst>
-                  <a:ext uri="{FF2B5EF4-FFF2-40B4-BE49-F238E27FC236}">
-                    <a16:creationId xmlns:a16="http://schemas.microsoft.com/office/drawing/2014/main" id="{416419FD-5295-A8AA-2851-68351DFCAC2E}"/>
-                  </a:ext>
-                </a:extLst>
-              </p:cNvPr>
-              <p:cNvSpPr txBox="1">
-                <a:spLocks noRot="1" noChangeAspect="1" noMove="1" noResize="1" noEditPoints="1" noAdjustHandles="1" noChangeArrowheads="1" noChangeShapeType="1" noTextEdit="1"/>
-              </p:cNvSpPr>
-              <p:nvPr/>
-            </p:nvSpPr>
-            <p:spPr>
-              <a:xfrm>
-                <a:off x="666859" y="5581312"/>
-                <a:ext cx="8983546" cy="707886"/>
-              </a:xfrm>
-              <a:prstGeom prst="rect">
-                <a:avLst/>
-              </a:prstGeom>
-              <a:blipFill>
-                <a:blip r:embed="rId11"/>
-                <a:stretch>
-                  <a:fillRect t="-15517" b="-36207"/>
-                </a:stretch>
-              </a:blipFill>
-            </p:spPr>
-            <p:txBody>
-              <a:bodyPr/>
-              <a:lstStyle/>
-              <a:p>
-                <a:r>
-                  <a:rPr lang="en-US">
-                    <a:noFill/>
-                  </a:rPr>
-                  <a:t> </a:t>
-                </a:r>
-              </a:p>
-            </p:txBody>
-          </p:sp>
-        </mc:Fallback>
-      </mc:AlternateContent>
-      <mc:AlternateContent xmlns:mc="http://schemas.openxmlformats.org/markup-compatibility/2006">
-        <mc:Choice xmlns:a14="http://schemas.microsoft.com/office/drawing/2010/main" Requires="a14">
-          <p:sp>
-            <p:nvSpPr>
-              <p:cNvPr id="33" name="TextBox 32">
-                <a:extLst>
-                  <a:ext uri="{FF2B5EF4-FFF2-40B4-BE49-F238E27FC236}">
-                    <a16:creationId xmlns:a16="http://schemas.microsoft.com/office/drawing/2014/main" id="{455EC7C7-A7C5-5D78-7048-8272CEA6129A}"/>
-                  </a:ext>
-                </a:extLst>
-              </p:cNvPr>
-              <p:cNvSpPr txBox="1"/>
-              <p:nvPr/>
-            </p:nvSpPr>
-            <p:spPr>
-              <a:xfrm>
-                <a:off x="845748" y="2260125"/>
-                <a:ext cx="10742556" cy="707886"/>
-              </a:xfrm>
-              <a:prstGeom prst="rect">
-                <a:avLst/>
-              </a:prstGeom>
-              <a:noFill/>
-            </p:spPr>
-            <p:txBody>
-              <a:bodyPr wrap="none" rtlCol="0">
-                <a:spAutoFit/>
-              </a:bodyPr>
-              <a:lstStyle/>
-              <a:p>
-                <a14:m>
-                  <m:oMath xmlns:m="http://schemas.openxmlformats.org/officeDocument/2006/math">
-                    <m:r>
-                      <a:rPr lang="en-US" sz="4000" b="0" i="1" smtClean="0">
-                        <a:solidFill>
-                          <a:schemeClr val="accent6">
-                            <a:lumMod val="75000"/>
-                          </a:schemeClr>
-                        </a:solidFill>
-                        <a:latin typeface="Cambria Math" panose="02040503050406030204" pitchFamily="18" charset="0"/>
-                      </a:rPr>
-                      <m:t>⇒</m:t>
-                    </m:r>
-                  </m:oMath>
-                </a14:m>
-                <a:r>
-                  <a:rPr lang="en-US" sz="4000" dirty="0">
-                    <a:solidFill>
-                      <a:schemeClr val="accent6">
-                        <a:lumMod val="75000"/>
-                      </a:schemeClr>
-                    </a:solidFill>
-                  </a:rPr>
-                  <a:t> Only some Hamiltonian systems are </a:t>
-                </a:r>
-                <a:r>
-                  <a:rPr lang="en-US" sz="4000" dirty="0" err="1">
-                    <a:solidFill>
-                      <a:schemeClr val="accent6">
-                        <a:lumMod val="75000"/>
-                      </a:schemeClr>
-                    </a:solidFill>
-                  </a:rPr>
-                  <a:t>Lagrangian</a:t>
-                </a:r>
-                <a:endParaRPr lang="en-US" sz="4000" dirty="0">
-                  <a:solidFill>
-                    <a:schemeClr val="accent6">
-                      <a:lumMod val="75000"/>
-                    </a:schemeClr>
-                  </a:solidFill>
-                </a:endParaRPr>
-              </a:p>
-            </p:txBody>
-          </p:sp>
-        </mc:Choice>
-        <mc:Fallback>
-          <p:sp>
-            <p:nvSpPr>
-              <p:cNvPr id="33" name="TextBox 32">
-                <a:extLst>
-                  <a:ext uri="{FF2B5EF4-FFF2-40B4-BE49-F238E27FC236}">
-                    <a16:creationId xmlns:a16="http://schemas.microsoft.com/office/drawing/2014/main" id="{455EC7C7-A7C5-5D78-7048-8272CEA6129A}"/>
-                  </a:ext>
-                </a:extLst>
-              </p:cNvPr>
-              <p:cNvSpPr txBox="1">
-                <a:spLocks noRot="1" noChangeAspect="1" noMove="1" noResize="1" noEditPoints="1" noAdjustHandles="1" noChangeArrowheads="1" noChangeShapeType="1" noTextEdit="1"/>
-              </p:cNvSpPr>
-              <p:nvPr/>
-            </p:nvSpPr>
-            <p:spPr>
-              <a:xfrm>
-                <a:off x="845748" y="2260125"/>
-                <a:ext cx="10742556" cy="707886"/>
-              </a:xfrm>
-              <a:prstGeom prst="rect">
-                <a:avLst/>
-              </a:prstGeom>
-              <a:blipFill>
-                <a:blip r:embed="rId12"/>
-                <a:stretch>
-                  <a:fillRect t="-15517" b="-36207"/>
-                </a:stretch>
-              </a:blipFill>
-            </p:spPr>
-            <p:txBody>
-              <a:bodyPr/>
-              <a:lstStyle/>
-              <a:p>
-                <a:r>
-                  <a:rPr lang="en-US">
-                    <a:noFill/>
-                  </a:rPr>
-                  <a:t> </a:t>
-                </a:r>
-              </a:p>
-            </p:txBody>
-          </p:sp>
-        </mc:Fallback>
-      </mc:AlternateContent>
+      <p:sp>
+        <p:nvSpPr>
+          <p:cNvPr id="24" name="Freeform 23">
+            <a:extLst>
+              <a:ext uri="{FF2B5EF4-FFF2-40B4-BE49-F238E27FC236}">
+                <a16:creationId xmlns:a16="http://schemas.microsoft.com/office/drawing/2014/main" id="{8D1B7612-89BA-3FE8-5E8E-CAD2AC79B584}"/>
+              </a:ext>
+            </a:extLst>
+          </p:cNvPr>
+          <p:cNvSpPr/>
+          <p:nvPr/>
+        </p:nvSpPr>
+        <p:spPr>
+          <a:xfrm>
+            <a:off x="10625939" y="908837"/>
+            <a:ext cx="345517" cy="399628"/>
+          </a:xfrm>
+          <a:custGeom>
+            <a:avLst/>
+            <a:gdLst>
+              <a:gd name="connsiteX0" fmla="*/ 172758 w 345517"/>
+              <a:gd name="connsiteY0" fmla="*/ 0 h 399628"/>
+              <a:gd name="connsiteX1" fmla="*/ 235077 w 345517"/>
+              <a:gd name="connsiteY1" fmla="*/ 67744 h 399628"/>
+              <a:gd name="connsiteX2" fmla="*/ 334659 w 345517"/>
+              <a:gd name="connsiteY2" fmla="*/ 279997 h 399628"/>
+              <a:gd name="connsiteX3" fmla="*/ 345517 w 345517"/>
+              <a:gd name="connsiteY3" fmla="*/ 376605 h 399628"/>
+              <a:gd name="connsiteX4" fmla="*/ 306139 w 345517"/>
+              <a:gd name="connsiteY4" fmla="*/ 387568 h 399628"/>
+              <a:gd name="connsiteX5" fmla="*/ 172759 w 345517"/>
+              <a:gd name="connsiteY5" fmla="*/ 399628 h 399628"/>
+              <a:gd name="connsiteX6" fmla="*/ 39379 w 345517"/>
+              <a:gd name="connsiteY6" fmla="*/ 387568 h 399628"/>
+              <a:gd name="connsiteX7" fmla="*/ 0 w 345517"/>
+              <a:gd name="connsiteY7" fmla="*/ 376604 h 399628"/>
+              <a:gd name="connsiteX8" fmla="*/ 10858 w 345517"/>
+              <a:gd name="connsiteY8" fmla="*/ 279997 h 399628"/>
+              <a:gd name="connsiteX9" fmla="*/ 110440 w 345517"/>
+              <a:gd name="connsiteY9" fmla="*/ 67744 h 399628"/>
+              <a:gd name="connsiteX10" fmla="*/ 172758 w 345517"/>
+              <a:gd name="connsiteY10" fmla="*/ 0 h 399628"/>
+            </a:gdLst>
+            <a:ahLst/>
+            <a:cxnLst>
+              <a:cxn ang="0">
+                <a:pos x="connsiteX0" y="connsiteY0"/>
+              </a:cxn>
+              <a:cxn ang="0">
+                <a:pos x="connsiteX1" y="connsiteY1"/>
+              </a:cxn>
+              <a:cxn ang="0">
+                <a:pos x="connsiteX2" y="connsiteY2"/>
+              </a:cxn>
+              <a:cxn ang="0">
+                <a:pos x="connsiteX3" y="connsiteY3"/>
+              </a:cxn>
+              <a:cxn ang="0">
+                <a:pos x="connsiteX4" y="connsiteY4"/>
+              </a:cxn>
+              <a:cxn ang="0">
+                <a:pos x="connsiteX5" y="connsiteY5"/>
+              </a:cxn>
+              <a:cxn ang="0">
+                <a:pos x="connsiteX6" y="connsiteY6"/>
+              </a:cxn>
+              <a:cxn ang="0">
+                <a:pos x="connsiteX7" y="connsiteY7"/>
+              </a:cxn>
+              <a:cxn ang="0">
+                <a:pos x="connsiteX8" y="connsiteY8"/>
+              </a:cxn>
+              <a:cxn ang="0">
+                <a:pos x="connsiteX9" y="connsiteY9"/>
+              </a:cxn>
+              <a:cxn ang="0">
+                <a:pos x="connsiteX10" y="connsiteY10"/>
+              </a:cxn>
+            </a:cxnLst>
+            <a:rect l="l" t="t" r="r" b="b"/>
+            <a:pathLst>
+              <a:path w="345517" h="399628">
+                <a:moveTo>
+                  <a:pt x="172758" y="0"/>
+                </a:moveTo>
+                <a:lnTo>
+                  <a:pt x="235077" y="67744"/>
+                </a:lnTo>
+                <a:cubicBezTo>
+                  <a:pt x="282650" y="130903"/>
+                  <a:pt x="317027" y="202715"/>
+                  <a:pt x="334659" y="279997"/>
+                </a:cubicBezTo>
+                <a:lnTo>
+                  <a:pt x="345517" y="376605"/>
+                </a:lnTo>
+                <a:lnTo>
+                  <a:pt x="306139" y="387568"/>
+                </a:lnTo>
+                <a:cubicBezTo>
+                  <a:pt x="263056" y="395476"/>
+                  <a:pt x="218448" y="399628"/>
+                  <a:pt x="172759" y="399628"/>
+                </a:cubicBezTo>
+                <a:cubicBezTo>
+                  <a:pt x="127070" y="399628"/>
+                  <a:pt x="82462" y="395476"/>
+                  <a:pt x="39379" y="387568"/>
+                </a:cubicBezTo>
+                <a:lnTo>
+                  <a:pt x="0" y="376604"/>
+                </a:lnTo>
+                <a:lnTo>
+                  <a:pt x="10858" y="279997"/>
+                </a:lnTo>
+                <a:cubicBezTo>
+                  <a:pt x="28490" y="202715"/>
+                  <a:pt x="62867" y="130903"/>
+                  <a:pt x="110440" y="67744"/>
+                </a:cubicBezTo>
+                <a:lnTo>
+                  <a:pt x="172758" y="0"/>
+                </a:lnTo>
+                <a:close/>
+              </a:path>
+            </a:pathLst>
+          </a:custGeom>
+          <a:solidFill>
+            <a:srgbClr val="008000"/>
+          </a:solidFill>
+          <a:ln>
+            <a:solidFill>
+              <a:schemeClr val="tx1"/>
+            </a:solidFill>
+          </a:ln>
+        </p:spPr>
+        <p:style>
+          <a:lnRef idx="2">
+            <a:schemeClr val="accent1">
+              <a:shade val="15000"/>
+            </a:schemeClr>
+          </a:lnRef>
+          <a:fillRef idx="1">
+            <a:schemeClr val="accent1"/>
+          </a:fillRef>
+          <a:effectRef idx="0">
+            <a:schemeClr val="accent1"/>
+          </a:effectRef>
+          <a:fontRef idx="minor">
+            <a:schemeClr val="lt1"/>
+          </a:fontRef>
+        </p:style>
+        <p:txBody>
+          <a:bodyPr wrap="square" rtlCol="0" anchor="ctr">
+            <a:noAutofit/>
+          </a:bodyPr>
+          <a:lstStyle/>
+          <a:p>
+            <a:pPr algn="ctr"/>
+            <a:endParaRPr lang="en-US">
+              <a:solidFill>
+                <a:schemeClr val="accent6">
+                  <a:lumMod val="75000"/>
+                </a:schemeClr>
+              </a:solidFill>
+            </a:endParaRPr>
+          </a:p>
+        </p:txBody>
+      </p:sp>
+      <p:sp>
+        <p:nvSpPr>
+          <p:cNvPr id="32" name="Freeform 31">
+            <a:extLst>
+              <a:ext uri="{FF2B5EF4-FFF2-40B4-BE49-F238E27FC236}">
+                <a16:creationId xmlns:a16="http://schemas.microsoft.com/office/drawing/2014/main" id="{237FF939-D846-8BF8-84EA-8419C6F9E1D2}"/>
+              </a:ext>
+            </a:extLst>
+          </p:cNvPr>
+          <p:cNvSpPr/>
+          <p:nvPr/>
+        </p:nvSpPr>
+        <p:spPr>
+          <a:xfrm>
+            <a:off x="10139466" y="714873"/>
+            <a:ext cx="659230" cy="570569"/>
+          </a:xfrm>
+          <a:custGeom>
+            <a:avLst/>
+            <a:gdLst>
+              <a:gd name="connsiteX0" fmla="*/ 172758 w 659230"/>
+              <a:gd name="connsiteY0" fmla="*/ 0 h 570569"/>
+              <a:gd name="connsiteX1" fmla="*/ 640735 w 659230"/>
+              <a:gd name="connsiteY1" fmla="*/ 173859 h 570569"/>
+              <a:gd name="connsiteX2" fmla="*/ 659230 w 659230"/>
+              <a:gd name="connsiteY2" fmla="*/ 193965 h 570569"/>
+              <a:gd name="connsiteX3" fmla="*/ 596912 w 659230"/>
+              <a:gd name="connsiteY3" fmla="*/ 261709 h 570569"/>
+              <a:gd name="connsiteX4" fmla="*/ 497330 w 659230"/>
+              <a:gd name="connsiteY4" fmla="*/ 473962 h 570569"/>
+              <a:gd name="connsiteX5" fmla="*/ 486472 w 659230"/>
+              <a:gd name="connsiteY5" fmla="*/ 570569 h 570569"/>
+              <a:gd name="connsiteX6" fmla="*/ 401621 w 659230"/>
+              <a:gd name="connsiteY6" fmla="*/ 546946 h 570569"/>
+              <a:gd name="connsiteX7" fmla="*/ 10858 w 659230"/>
+              <a:gd name="connsiteY7" fmla="*/ 119631 h 570569"/>
+              <a:gd name="connsiteX8" fmla="*/ 0 w 659230"/>
+              <a:gd name="connsiteY8" fmla="*/ 23023 h 570569"/>
+              <a:gd name="connsiteX9" fmla="*/ 39378 w 659230"/>
+              <a:gd name="connsiteY9" fmla="*/ 12060 h 570569"/>
+              <a:gd name="connsiteX10" fmla="*/ 172758 w 659230"/>
+              <a:gd name="connsiteY10" fmla="*/ 0 h 570569"/>
+            </a:gdLst>
+            <a:ahLst/>
+            <a:cxnLst>
+              <a:cxn ang="0">
+                <a:pos x="connsiteX0" y="connsiteY0"/>
+              </a:cxn>
+              <a:cxn ang="0">
+                <a:pos x="connsiteX1" y="connsiteY1"/>
+              </a:cxn>
+              <a:cxn ang="0">
+                <a:pos x="connsiteX2" y="connsiteY2"/>
+              </a:cxn>
+              <a:cxn ang="0">
+                <a:pos x="connsiteX3" y="connsiteY3"/>
+              </a:cxn>
+              <a:cxn ang="0">
+                <a:pos x="connsiteX4" y="connsiteY4"/>
+              </a:cxn>
+              <a:cxn ang="0">
+                <a:pos x="connsiteX5" y="connsiteY5"/>
+              </a:cxn>
+              <a:cxn ang="0">
+                <a:pos x="connsiteX6" y="connsiteY6"/>
+              </a:cxn>
+              <a:cxn ang="0">
+                <a:pos x="connsiteX7" y="connsiteY7"/>
+              </a:cxn>
+              <a:cxn ang="0">
+                <a:pos x="connsiteX8" y="connsiteY8"/>
+              </a:cxn>
+              <a:cxn ang="0">
+                <a:pos x="connsiteX9" y="connsiteY9"/>
+              </a:cxn>
+              <a:cxn ang="0">
+                <a:pos x="connsiteX10" y="connsiteY10"/>
+              </a:cxn>
+            </a:cxnLst>
+            <a:rect l="l" t="t" r="r" b="b"/>
+            <a:pathLst>
+              <a:path w="659230" h="570569">
+                <a:moveTo>
+                  <a:pt x="172758" y="0"/>
+                </a:moveTo>
+                <a:cubicBezTo>
+                  <a:pt x="355514" y="0"/>
+                  <a:pt x="520969" y="66440"/>
+                  <a:pt x="640735" y="173859"/>
+                </a:cubicBezTo>
+                <a:lnTo>
+                  <a:pt x="659230" y="193965"/>
+                </a:lnTo>
+                <a:lnTo>
+                  <a:pt x="596912" y="261709"/>
+                </a:lnTo>
+                <a:cubicBezTo>
+                  <a:pt x="549339" y="324868"/>
+                  <a:pt x="514962" y="396680"/>
+                  <a:pt x="497330" y="473962"/>
+                </a:cubicBezTo>
+                <a:lnTo>
+                  <a:pt x="486472" y="570569"/>
+                </a:lnTo>
+                <a:lnTo>
+                  <a:pt x="401621" y="546946"/>
+                </a:lnTo>
+                <a:cubicBezTo>
+                  <a:pt x="203674" y="471852"/>
+                  <a:pt x="54938" y="312838"/>
+                  <a:pt x="10858" y="119631"/>
+                </a:cubicBezTo>
+                <a:lnTo>
+                  <a:pt x="0" y="23023"/>
+                </a:lnTo>
+                <a:lnTo>
+                  <a:pt x="39378" y="12060"/>
+                </a:lnTo>
+                <a:cubicBezTo>
+                  <a:pt x="82461" y="4152"/>
+                  <a:pt x="127069" y="0"/>
+                  <a:pt x="172758" y="0"/>
+                </a:cubicBezTo>
+                <a:close/>
+              </a:path>
+            </a:pathLst>
+          </a:custGeom>
+          <a:solidFill>
+            <a:srgbClr val="C00000"/>
+          </a:solidFill>
+          <a:ln>
+            <a:solidFill>
+              <a:schemeClr val="tx1"/>
+            </a:solidFill>
+          </a:ln>
+        </p:spPr>
+        <p:style>
+          <a:lnRef idx="2">
+            <a:schemeClr val="accent1">
+              <a:shade val="15000"/>
+            </a:schemeClr>
+          </a:lnRef>
+          <a:fillRef idx="1">
+            <a:schemeClr val="accent1"/>
+          </a:fillRef>
+          <a:effectRef idx="0">
+            <a:schemeClr val="accent1"/>
+          </a:effectRef>
+          <a:fontRef idx="minor">
+            <a:schemeClr val="lt1"/>
+          </a:fontRef>
+        </p:style>
+        <p:txBody>
+          <a:bodyPr wrap="square" rtlCol="0" anchor="ctr">
+            <a:noAutofit/>
+          </a:bodyPr>
+          <a:lstStyle/>
+          <a:p>
+            <a:pPr algn="ctr"/>
+            <a:endParaRPr lang="en-US">
+              <a:solidFill>
+                <a:srgbClr val="C00000"/>
+              </a:solidFill>
+            </a:endParaRPr>
+          </a:p>
+        </p:txBody>
+      </p:sp>
       <p:cxnSp>
         <p:nvCxnSpPr>
           <p:cNvPr id="36" name="Straight Connector 35">
@@ -8204,1165 +9082,134 @@
           </a:p>
         </p:txBody>
       </p:sp>
-      <p:grpSp>
-        <p:nvGrpSpPr>
-          <p:cNvPr id="15" name="Group 14">
-            <a:extLst>
-              <a:ext uri="{FF2B5EF4-FFF2-40B4-BE49-F238E27FC236}">
-                <a16:creationId xmlns:a16="http://schemas.microsoft.com/office/drawing/2014/main" id="{6DABB803-1417-6B42-967E-4214DEDB133B}"/>
-              </a:ext>
-            </a:extLst>
-          </p:cNvPr>
-          <p:cNvGrpSpPr/>
-          <p:nvPr/>
-        </p:nvGrpSpPr>
-        <p:grpSpPr>
-          <a:xfrm>
-            <a:off x="9650405" y="121281"/>
-            <a:ext cx="2296582" cy="1780774"/>
-            <a:chOff x="2152990" y="605117"/>
-            <a:chExt cx="6346135" cy="5486400"/>
-          </a:xfrm>
-        </p:grpSpPr>
-        <p:sp>
-          <p:nvSpPr>
-            <p:cNvPr id="22" name="Oval 21">
-              <a:extLst>
-                <a:ext uri="{FF2B5EF4-FFF2-40B4-BE49-F238E27FC236}">
-                  <a16:creationId xmlns:a16="http://schemas.microsoft.com/office/drawing/2014/main" id="{B124B744-013B-F474-0D79-61DA1DA342D7}"/>
-                </a:ext>
-              </a:extLst>
-            </p:cNvPr>
-            <p:cNvSpPr/>
-            <p:nvPr/>
-          </p:nvSpPr>
-          <p:spPr>
-            <a:xfrm>
-              <a:off x="4841525" y="2433917"/>
-              <a:ext cx="3657600" cy="3657600"/>
-            </a:xfrm>
-            <a:prstGeom prst="ellipse">
-              <a:avLst/>
-            </a:prstGeom>
-            <a:noFill/>
-            <a:ln>
-              <a:solidFill>
-                <a:schemeClr val="tx1"/>
-              </a:solidFill>
-            </a:ln>
-          </p:spPr>
-          <p:style>
-            <a:lnRef idx="2">
-              <a:schemeClr val="accent6"/>
-            </a:lnRef>
-            <a:fillRef idx="1">
-              <a:schemeClr val="lt1"/>
-            </a:fillRef>
-            <a:effectRef idx="0">
-              <a:schemeClr val="accent6"/>
-            </a:effectRef>
-            <a:fontRef idx="minor">
-              <a:schemeClr val="dk1"/>
-            </a:fontRef>
-          </p:style>
-          <p:txBody>
-            <a:bodyPr rtlCol="0" anchor="ctr"/>
-            <a:lstStyle/>
-            <a:p>
-              <a:pPr algn="ctr"/>
-              <a:endParaRPr lang="en-US"/>
-            </a:p>
-          </p:txBody>
-        </p:sp>
-        <p:sp>
-          <p:nvSpPr>
-            <p:cNvPr id="25" name="Oval 24">
-              <a:extLst>
-                <a:ext uri="{FF2B5EF4-FFF2-40B4-BE49-F238E27FC236}">
-                  <a16:creationId xmlns:a16="http://schemas.microsoft.com/office/drawing/2014/main" id="{325B0B1E-9594-B835-6B32-CD432F90A299}"/>
-                </a:ext>
-              </a:extLst>
-            </p:cNvPr>
-            <p:cNvSpPr/>
-            <p:nvPr/>
-          </p:nvSpPr>
-          <p:spPr>
-            <a:xfrm>
-              <a:off x="2152990" y="2433917"/>
-              <a:ext cx="3657600" cy="3657600"/>
-            </a:xfrm>
-            <a:prstGeom prst="ellipse">
-              <a:avLst/>
-            </a:prstGeom>
-            <a:noFill/>
-            <a:ln>
-              <a:solidFill>
-                <a:schemeClr val="tx1"/>
-              </a:solidFill>
-            </a:ln>
-          </p:spPr>
-          <p:style>
-            <a:lnRef idx="2">
-              <a:schemeClr val="accent6"/>
-            </a:lnRef>
-            <a:fillRef idx="1">
-              <a:schemeClr val="lt1"/>
-            </a:fillRef>
-            <a:effectRef idx="0">
-              <a:schemeClr val="accent6"/>
-            </a:effectRef>
-            <a:fontRef idx="minor">
-              <a:schemeClr val="dk1"/>
-            </a:fontRef>
-          </p:style>
-          <p:txBody>
-            <a:bodyPr rtlCol="0" anchor="ctr"/>
-            <a:lstStyle/>
-            <a:p>
-              <a:pPr algn="ctr"/>
-              <a:endParaRPr lang="en-US"/>
-            </a:p>
-          </p:txBody>
-        </p:sp>
-        <p:sp>
-          <p:nvSpPr>
-            <p:cNvPr id="29" name="Oval 28">
-              <a:extLst>
-                <a:ext uri="{FF2B5EF4-FFF2-40B4-BE49-F238E27FC236}">
-                  <a16:creationId xmlns:a16="http://schemas.microsoft.com/office/drawing/2014/main" id="{4A0BC5DC-01CC-CDEF-2D30-3D80C574BF8A}"/>
-                </a:ext>
-              </a:extLst>
-            </p:cNvPr>
-            <p:cNvSpPr/>
-            <p:nvPr/>
-          </p:nvSpPr>
-          <p:spPr>
-            <a:xfrm>
-              <a:off x="3497258" y="605117"/>
-              <a:ext cx="3657600" cy="3657600"/>
-            </a:xfrm>
-            <a:prstGeom prst="ellipse">
-              <a:avLst/>
-            </a:prstGeom>
-            <a:noFill/>
-            <a:ln>
-              <a:solidFill>
-                <a:schemeClr val="tx1"/>
-              </a:solidFill>
-            </a:ln>
-          </p:spPr>
-          <p:style>
-            <a:lnRef idx="2">
-              <a:schemeClr val="accent6"/>
-            </a:lnRef>
-            <a:fillRef idx="1">
-              <a:schemeClr val="lt1"/>
-            </a:fillRef>
-            <a:effectRef idx="0">
-              <a:schemeClr val="accent6"/>
-            </a:effectRef>
-            <a:fontRef idx="minor">
-              <a:schemeClr val="dk1"/>
-            </a:fontRef>
-          </p:style>
-          <p:txBody>
-            <a:bodyPr rtlCol="0" anchor="ctr"/>
-            <a:lstStyle/>
-            <a:p>
-              <a:pPr algn="ctr"/>
-              <a:endParaRPr lang="en-US"/>
-            </a:p>
-          </p:txBody>
-        </p:sp>
-      </p:grpSp>
-      <p:sp>
-        <p:nvSpPr>
-          <p:cNvPr id="35" name="Freeform 8">
-            <a:extLst>
-              <a:ext uri="{FF2B5EF4-FFF2-40B4-BE49-F238E27FC236}">
-                <a16:creationId xmlns:a16="http://schemas.microsoft.com/office/drawing/2014/main" id="{E4A12941-FCDD-A3A4-0C9E-3C93398B6ADB}"/>
-              </a:ext>
-            </a:extLst>
-          </p:cNvPr>
-          <p:cNvSpPr/>
-          <p:nvPr/>
-        </p:nvSpPr>
-        <p:spPr>
-          <a:xfrm>
-            <a:off x="9650405" y="737895"/>
-            <a:ext cx="1148291" cy="1161288"/>
-          </a:xfrm>
-          <a:custGeom>
-            <a:avLst/>
-            <a:gdLst>
-              <a:gd name="connsiteX0" fmla="*/ 489061 w 1148291"/>
-              <a:gd name="connsiteY0" fmla="*/ 0 h 1164161"/>
-              <a:gd name="connsiteX1" fmla="*/ 499919 w 1148291"/>
-              <a:gd name="connsiteY1" fmla="*/ 96608 h 1164161"/>
-              <a:gd name="connsiteX2" fmla="*/ 890682 w 1148291"/>
-              <a:gd name="connsiteY2" fmla="*/ 523923 h 1164161"/>
-              <a:gd name="connsiteX3" fmla="*/ 975533 w 1148291"/>
-              <a:gd name="connsiteY3" fmla="*/ 547546 h 1164161"/>
-              <a:gd name="connsiteX4" fmla="*/ 972945 w 1148291"/>
-              <a:gd name="connsiteY4" fmla="*/ 570569 h 1164161"/>
-              <a:gd name="connsiteX5" fmla="*/ 1085973 w 1148291"/>
-              <a:gd name="connsiteY5" fmla="*/ 902452 h 1164161"/>
-              <a:gd name="connsiteX6" fmla="*/ 1148291 w 1148291"/>
-              <a:gd name="connsiteY6" fmla="*/ 970196 h 1164161"/>
-              <a:gd name="connsiteX7" fmla="*/ 1129796 w 1148291"/>
-              <a:gd name="connsiteY7" fmla="*/ 990302 h 1164161"/>
-              <a:gd name="connsiteX8" fmla="*/ 661819 w 1148291"/>
-              <a:gd name="connsiteY8" fmla="*/ 1164161 h 1164161"/>
-              <a:gd name="connsiteX9" fmla="*/ 0 w 1148291"/>
-              <a:gd name="connsiteY9" fmla="*/ 570569 h 1164161"/>
-              <a:gd name="connsiteX10" fmla="*/ 404209 w 1148291"/>
-              <a:gd name="connsiteY10" fmla="*/ 23624 h 1164161"/>
-              <a:gd name="connsiteX11" fmla="*/ 489061 w 1148291"/>
-              <a:gd name="connsiteY11" fmla="*/ 0 h 1164161"/>
-            </a:gdLst>
-            <a:ahLst/>
-            <a:cxnLst>
-              <a:cxn ang="0">
-                <a:pos x="connsiteX0" y="connsiteY0"/>
-              </a:cxn>
-              <a:cxn ang="0">
-                <a:pos x="connsiteX1" y="connsiteY1"/>
-              </a:cxn>
-              <a:cxn ang="0">
-                <a:pos x="connsiteX2" y="connsiteY2"/>
-              </a:cxn>
-              <a:cxn ang="0">
-                <a:pos x="connsiteX3" y="connsiteY3"/>
-              </a:cxn>
-              <a:cxn ang="0">
-                <a:pos x="connsiteX4" y="connsiteY4"/>
-              </a:cxn>
-              <a:cxn ang="0">
-                <a:pos x="connsiteX5" y="connsiteY5"/>
-              </a:cxn>
-              <a:cxn ang="0">
-                <a:pos x="connsiteX6" y="connsiteY6"/>
-              </a:cxn>
-              <a:cxn ang="0">
-                <a:pos x="connsiteX7" y="connsiteY7"/>
-              </a:cxn>
-              <a:cxn ang="0">
-                <a:pos x="connsiteX8" y="connsiteY8"/>
-              </a:cxn>
-              <a:cxn ang="0">
-                <a:pos x="connsiteX9" y="connsiteY9"/>
-              </a:cxn>
-              <a:cxn ang="0">
-                <a:pos x="connsiteX10" y="connsiteY10"/>
-              </a:cxn>
-              <a:cxn ang="0">
-                <a:pos x="connsiteX11" y="connsiteY11"/>
-              </a:cxn>
-            </a:cxnLst>
-            <a:rect l="l" t="t" r="r" b="b"/>
-            <a:pathLst>
-              <a:path w="1148291" h="1164161">
-                <a:moveTo>
-                  <a:pt x="489061" y="0"/>
-                </a:moveTo>
-                <a:lnTo>
-                  <a:pt x="499919" y="96608"/>
-                </a:lnTo>
-                <a:cubicBezTo>
-                  <a:pt x="543999" y="289815"/>
-                  <a:pt x="692735" y="448829"/>
-                  <a:pt x="890682" y="523923"/>
-                </a:cubicBezTo>
-                <a:lnTo>
-                  <a:pt x="975533" y="547546"/>
-                </a:lnTo>
-                <a:lnTo>
-                  <a:pt x="972945" y="570569"/>
-                </a:lnTo>
-                <a:cubicBezTo>
-                  <a:pt x="972945" y="693506"/>
-                  <a:pt x="1014613" y="807714"/>
-                  <a:pt x="1085973" y="902452"/>
-                </a:cubicBezTo>
-                <a:lnTo>
-                  <a:pt x="1148291" y="970196"/>
-                </a:lnTo>
-                <a:lnTo>
-                  <a:pt x="1129796" y="990302"/>
-                </a:lnTo>
-                <a:cubicBezTo>
-                  <a:pt x="1010030" y="1097721"/>
-                  <a:pt x="844575" y="1164161"/>
-                  <a:pt x="661819" y="1164161"/>
-                </a:cubicBezTo>
-                <a:cubicBezTo>
-                  <a:pt x="296306" y="1164161"/>
-                  <a:pt x="0" y="898401"/>
-                  <a:pt x="0" y="570569"/>
-                </a:cubicBezTo>
-                <a:cubicBezTo>
-                  <a:pt x="0" y="324695"/>
-                  <a:pt x="166672" y="113736"/>
-                  <a:pt x="404209" y="23624"/>
-                </a:cubicBezTo>
-                <a:lnTo>
-                  <a:pt x="489061" y="0"/>
-                </a:lnTo>
-                <a:close/>
-              </a:path>
-            </a:pathLst>
-          </a:custGeom>
-          <a:solidFill>
-            <a:srgbClr val="008000"/>
-          </a:solidFill>
-          <a:ln>
-            <a:solidFill>
-              <a:schemeClr val="tx1"/>
-            </a:solidFill>
-          </a:ln>
-        </p:spPr>
-        <p:style>
-          <a:lnRef idx="2">
-            <a:schemeClr val="accent1">
-              <a:shade val="15000"/>
-            </a:schemeClr>
-          </a:lnRef>
-          <a:fillRef idx="1">
-            <a:schemeClr val="accent1"/>
-          </a:fillRef>
-          <a:effectRef idx="0">
-            <a:schemeClr val="accent1"/>
-          </a:effectRef>
-          <a:fontRef idx="minor">
-            <a:schemeClr val="lt1"/>
-          </a:fontRef>
-        </p:style>
-        <p:txBody>
-          <a:bodyPr wrap="square" rtlCol="0" anchor="ctr">
-            <a:noAutofit/>
-          </a:bodyPr>
-          <a:lstStyle/>
-          <a:p>
-            <a:pPr algn="ctr"/>
-            <a:endParaRPr lang="en-US">
-              <a:solidFill>
-                <a:schemeClr val="accent6">
-                  <a:lumMod val="75000"/>
-                </a:schemeClr>
-              </a:solidFill>
-            </a:endParaRPr>
-          </a:p>
-        </p:txBody>
-      </p:sp>
-      <p:sp>
-        <p:nvSpPr>
-          <p:cNvPr id="37" name="Freeform 9">
-            <a:extLst>
-              <a:ext uri="{FF2B5EF4-FFF2-40B4-BE49-F238E27FC236}">
-                <a16:creationId xmlns:a16="http://schemas.microsoft.com/office/drawing/2014/main" id="{4C5796B0-C50E-B9E1-2910-7A2F6342B0B3}"/>
-              </a:ext>
-            </a:extLst>
-          </p:cNvPr>
-          <p:cNvSpPr/>
-          <p:nvPr/>
-        </p:nvSpPr>
-        <p:spPr>
-          <a:xfrm>
-            <a:off x="10798696" y="714872"/>
-            <a:ext cx="659232" cy="570570"/>
-          </a:xfrm>
-          <a:custGeom>
-            <a:avLst/>
-            <a:gdLst>
-              <a:gd name="connsiteX0" fmla="*/ 486473 w 659232"/>
-              <a:gd name="connsiteY0" fmla="*/ 0 h 570570"/>
-              <a:gd name="connsiteX1" fmla="*/ 619853 w 659232"/>
-              <a:gd name="connsiteY1" fmla="*/ 12060 h 570570"/>
-              <a:gd name="connsiteX2" fmla="*/ 659232 w 659232"/>
-              <a:gd name="connsiteY2" fmla="*/ 23024 h 570570"/>
-              <a:gd name="connsiteX3" fmla="*/ 648374 w 659232"/>
-              <a:gd name="connsiteY3" fmla="*/ 119631 h 570570"/>
-              <a:gd name="connsiteX4" fmla="*/ 257611 w 659232"/>
-              <a:gd name="connsiteY4" fmla="*/ 546946 h 570570"/>
-              <a:gd name="connsiteX5" fmla="*/ 172759 w 659232"/>
-              <a:gd name="connsiteY5" fmla="*/ 570570 h 570570"/>
-              <a:gd name="connsiteX6" fmla="*/ 161901 w 659232"/>
-              <a:gd name="connsiteY6" fmla="*/ 473962 h 570570"/>
-              <a:gd name="connsiteX7" fmla="*/ 62319 w 659232"/>
-              <a:gd name="connsiteY7" fmla="*/ 261709 h 570570"/>
-              <a:gd name="connsiteX8" fmla="*/ 0 w 659232"/>
-              <a:gd name="connsiteY8" fmla="*/ 193965 h 570570"/>
-              <a:gd name="connsiteX9" fmla="*/ 18496 w 659232"/>
-              <a:gd name="connsiteY9" fmla="*/ 173859 h 570570"/>
-              <a:gd name="connsiteX10" fmla="*/ 486473 w 659232"/>
-              <a:gd name="connsiteY10" fmla="*/ 0 h 570570"/>
-            </a:gdLst>
-            <a:ahLst/>
-            <a:cxnLst>
-              <a:cxn ang="0">
-                <a:pos x="connsiteX0" y="connsiteY0"/>
-              </a:cxn>
-              <a:cxn ang="0">
-                <a:pos x="connsiteX1" y="connsiteY1"/>
-              </a:cxn>
-              <a:cxn ang="0">
-                <a:pos x="connsiteX2" y="connsiteY2"/>
-              </a:cxn>
-              <a:cxn ang="0">
-                <a:pos x="connsiteX3" y="connsiteY3"/>
-              </a:cxn>
-              <a:cxn ang="0">
-                <a:pos x="connsiteX4" y="connsiteY4"/>
-              </a:cxn>
-              <a:cxn ang="0">
-                <a:pos x="connsiteX5" y="connsiteY5"/>
-              </a:cxn>
-              <a:cxn ang="0">
-                <a:pos x="connsiteX6" y="connsiteY6"/>
-              </a:cxn>
-              <a:cxn ang="0">
-                <a:pos x="connsiteX7" y="connsiteY7"/>
-              </a:cxn>
-              <a:cxn ang="0">
-                <a:pos x="connsiteX8" y="connsiteY8"/>
-              </a:cxn>
-              <a:cxn ang="0">
-                <a:pos x="connsiteX9" y="connsiteY9"/>
-              </a:cxn>
-              <a:cxn ang="0">
-                <a:pos x="connsiteX10" y="connsiteY10"/>
-              </a:cxn>
-            </a:cxnLst>
-            <a:rect l="l" t="t" r="r" b="b"/>
-            <a:pathLst>
-              <a:path w="659232" h="570570">
-                <a:moveTo>
-                  <a:pt x="486473" y="0"/>
-                </a:moveTo>
-                <a:cubicBezTo>
-                  <a:pt x="532162" y="0"/>
-                  <a:pt x="576770" y="4152"/>
-                  <a:pt x="619853" y="12060"/>
-                </a:cubicBezTo>
-                <a:lnTo>
-                  <a:pt x="659232" y="23024"/>
-                </a:lnTo>
-                <a:lnTo>
-                  <a:pt x="648374" y="119631"/>
-                </a:lnTo>
-                <a:cubicBezTo>
-                  <a:pt x="604294" y="312838"/>
-                  <a:pt x="455558" y="471852"/>
-                  <a:pt x="257611" y="546946"/>
-                </a:cubicBezTo>
-                <a:lnTo>
-                  <a:pt x="172759" y="570570"/>
-                </a:lnTo>
-                <a:lnTo>
-                  <a:pt x="161901" y="473962"/>
-                </a:lnTo>
-                <a:cubicBezTo>
-                  <a:pt x="144269" y="396680"/>
-                  <a:pt x="109892" y="324868"/>
-                  <a:pt x="62319" y="261709"/>
-                </a:cubicBezTo>
-                <a:lnTo>
-                  <a:pt x="0" y="193965"/>
-                </a:lnTo>
-                <a:lnTo>
-                  <a:pt x="18496" y="173859"/>
-                </a:lnTo>
-                <a:cubicBezTo>
-                  <a:pt x="138262" y="66440"/>
-                  <a:pt x="303716" y="0"/>
-                  <a:pt x="486473" y="0"/>
-                </a:cubicBezTo>
-                <a:close/>
-              </a:path>
-            </a:pathLst>
-          </a:custGeom>
-          <a:solidFill>
-            <a:srgbClr val="C00000"/>
-          </a:solidFill>
-          <a:ln>
-            <a:solidFill>
-              <a:schemeClr val="tx1"/>
-            </a:solidFill>
-          </a:ln>
-        </p:spPr>
-        <p:style>
-          <a:lnRef idx="2">
-            <a:schemeClr val="accent1">
-              <a:shade val="15000"/>
-            </a:schemeClr>
-          </a:lnRef>
-          <a:fillRef idx="1">
-            <a:schemeClr val="accent1"/>
-          </a:fillRef>
-          <a:effectRef idx="0">
-            <a:schemeClr val="accent1"/>
-          </a:effectRef>
-          <a:fontRef idx="minor">
-            <a:schemeClr val="lt1"/>
-          </a:fontRef>
-        </p:style>
-        <p:txBody>
-          <a:bodyPr wrap="square" rtlCol="0" anchor="ctr">
-            <a:noAutofit/>
-          </a:bodyPr>
-          <a:lstStyle/>
-          <a:p>
-            <a:pPr algn="ctr"/>
-            <a:endParaRPr lang="en-US"/>
-          </a:p>
-        </p:txBody>
-      </p:sp>
-      <p:sp>
-        <p:nvSpPr>
-          <p:cNvPr id="38" name="Freeform 10">
-            <a:extLst>
-              <a:ext uri="{FF2B5EF4-FFF2-40B4-BE49-F238E27FC236}">
-                <a16:creationId xmlns:a16="http://schemas.microsoft.com/office/drawing/2014/main" id="{D3EDD367-6C45-1D31-C859-C514C0FFC5CA}"/>
-              </a:ext>
-            </a:extLst>
-          </p:cNvPr>
-          <p:cNvSpPr/>
-          <p:nvPr/>
-        </p:nvSpPr>
-        <p:spPr>
-          <a:xfrm>
-            <a:off x="10136878" y="121281"/>
-            <a:ext cx="1323638" cy="787556"/>
-          </a:xfrm>
-          <a:custGeom>
-            <a:avLst/>
-            <a:gdLst>
-              <a:gd name="connsiteX0" fmla="*/ 661819 w 1323638"/>
-              <a:gd name="connsiteY0" fmla="*/ 0 h 787556"/>
-              <a:gd name="connsiteX1" fmla="*/ 1323638 w 1323638"/>
-              <a:gd name="connsiteY1" fmla="*/ 593592 h 787556"/>
-              <a:gd name="connsiteX2" fmla="*/ 1321050 w 1323638"/>
-              <a:gd name="connsiteY2" fmla="*/ 616615 h 787556"/>
-              <a:gd name="connsiteX3" fmla="*/ 1281671 w 1323638"/>
-              <a:gd name="connsiteY3" fmla="*/ 605651 h 787556"/>
-              <a:gd name="connsiteX4" fmla="*/ 1148291 w 1323638"/>
-              <a:gd name="connsiteY4" fmla="*/ 593591 h 787556"/>
-              <a:gd name="connsiteX5" fmla="*/ 680314 w 1323638"/>
-              <a:gd name="connsiteY5" fmla="*/ 767450 h 787556"/>
-              <a:gd name="connsiteX6" fmla="*/ 661818 w 1323638"/>
-              <a:gd name="connsiteY6" fmla="*/ 787556 h 787556"/>
-              <a:gd name="connsiteX7" fmla="*/ 643323 w 1323638"/>
-              <a:gd name="connsiteY7" fmla="*/ 767450 h 787556"/>
-              <a:gd name="connsiteX8" fmla="*/ 175346 w 1323638"/>
-              <a:gd name="connsiteY8" fmla="*/ 593591 h 787556"/>
-              <a:gd name="connsiteX9" fmla="*/ 41966 w 1323638"/>
-              <a:gd name="connsiteY9" fmla="*/ 605651 h 787556"/>
-              <a:gd name="connsiteX10" fmla="*/ 2588 w 1323638"/>
-              <a:gd name="connsiteY10" fmla="*/ 616614 h 787556"/>
-              <a:gd name="connsiteX11" fmla="*/ 0 w 1323638"/>
-              <a:gd name="connsiteY11" fmla="*/ 593592 h 787556"/>
-              <a:gd name="connsiteX12" fmla="*/ 661819 w 1323638"/>
-              <a:gd name="connsiteY12" fmla="*/ 0 h 787556"/>
-            </a:gdLst>
-            <a:ahLst/>
-            <a:cxnLst>
-              <a:cxn ang="0">
-                <a:pos x="connsiteX0" y="connsiteY0"/>
-              </a:cxn>
-              <a:cxn ang="0">
-                <a:pos x="connsiteX1" y="connsiteY1"/>
-              </a:cxn>
-              <a:cxn ang="0">
-                <a:pos x="connsiteX2" y="connsiteY2"/>
-              </a:cxn>
-              <a:cxn ang="0">
-                <a:pos x="connsiteX3" y="connsiteY3"/>
-              </a:cxn>
-              <a:cxn ang="0">
-                <a:pos x="connsiteX4" y="connsiteY4"/>
-              </a:cxn>
-              <a:cxn ang="0">
-                <a:pos x="connsiteX5" y="connsiteY5"/>
-              </a:cxn>
-              <a:cxn ang="0">
-                <a:pos x="connsiteX6" y="connsiteY6"/>
-              </a:cxn>
-              <a:cxn ang="0">
-                <a:pos x="connsiteX7" y="connsiteY7"/>
-              </a:cxn>
-              <a:cxn ang="0">
-                <a:pos x="connsiteX8" y="connsiteY8"/>
-              </a:cxn>
-              <a:cxn ang="0">
-                <a:pos x="connsiteX9" y="connsiteY9"/>
-              </a:cxn>
-              <a:cxn ang="0">
-                <a:pos x="connsiteX10" y="connsiteY10"/>
-              </a:cxn>
-              <a:cxn ang="0">
-                <a:pos x="connsiteX11" y="connsiteY11"/>
-              </a:cxn>
-              <a:cxn ang="0">
-                <a:pos x="connsiteX12" y="connsiteY12"/>
-              </a:cxn>
-            </a:cxnLst>
-            <a:rect l="l" t="t" r="r" b="b"/>
-            <a:pathLst>
-              <a:path w="1323638" h="787556">
-                <a:moveTo>
-                  <a:pt x="661819" y="0"/>
-                </a:moveTo>
-                <a:cubicBezTo>
-                  <a:pt x="1027332" y="0"/>
-                  <a:pt x="1323638" y="265760"/>
-                  <a:pt x="1323638" y="593592"/>
-                </a:cubicBezTo>
-                <a:lnTo>
-                  <a:pt x="1321050" y="616615"/>
-                </a:lnTo>
-                <a:lnTo>
-                  <a:pt x="1281671" y="605651"/>
-                </a:lnTo>
-                <a:cubicBezTo>
-                  <a:pt x="1238588" y="597743"/>
-                  <a:pt x="1193980" y="593591"/>
-                  <a:pt x="1148291" y="593591"/>
-                </a:cubicBezTo>
-                <a:cubicBezTo>
-                  <a:pt x="965534" y="593591"/>
-                  <a:pt x="800080" y="660031"/>
-                  <a:pt x="680314" y="767450"/>
-                </a:cubicBezTo>
-                <a:lnTo>
-                  <a:pt x="661818" y="787556"/>
-                </a:lnTo>
-                <a:lnTo>
-                  <a:pt x="643323" y="767450"/>
-                </a:lnTo>
-                <a:cubicBezTo>
-                  <a:pt x="523557" y="660031"/>
-                  <a:pt x="358102" y="593591"/>
-                  <a:pt x="175346" y="593591"/>
-                </a:cubicBezTo>
-                <a:cubicBezTo>
-                  <a:pt x="129657" y="593591"/>
-                  <a:pt x="85049" y="597743"/>
-                  <a:pt x="41966" y="605651"/>
-                </a:cubicBezTo>
-                <a:lnTo>
-                  <a:pt x="2588" y="616614"/>
-                </a:lnTo>
-                <a:lnTo>
-                  <a:pt x="0" y="593592"/>
-                </a:lnTo>
-                <a:cubicBezTo>
-                  <a:pt x="0" y="265760"/>
-                  <a:pt x="296306" y="0"/>
-                  <a:pt x="661819" y="0"/>
-                </a:cubicBezTo>
-                <a:close/>
-              </a:path>
-            </a:pathLst>
-          </a:custGeom>
-          <a:solidFill>
-            <a:srgbClr val="C00000"/>
-          </a:solidFill>
-          <a:ln>
-            <a:solidFill>
-              <a:schemeClr val="tx1"/>
-            </a:solidFill>
-          </a:ln>
-        </p:spPr>
-        <p:style>
-          <a:lnRef idx="2">
-            <a:schemeClr val="accent1">
-              <a:shade val="15000"/>
-            </a:schemeClr>
-          </a:lnRef>
-          <a:fillRef idx="1">
-            <a:schemeClr val="accent1"/>
-          </a:fillRef>
-          <a:effectRef idx="0">
-            <a:schemeClr val="accent1"/>
-          </a:effectRef>
-          <a:fontRef idx="minor">
-            <a:schemeClr val="lt1"/>
-          </a:fontRef>
-        </p:style>
-        <p:txBody>
-          <a:bodyPr wrap="square" rtlCol="0" anchor="ctr">
-            <a:noAutofit/>
-          </a:bodyPr>
-          <a:lstStyle/>
-          <a:p>
-            <a:pPr algn="ctr"/>
-            <a:endParaRPr lang="en-US"/>
-          </a:p>
-        </p:txBody>
-      </p:sp>
-      <p:sp>
-        <p:nvSpPr>
-          <p:cNvPr id="39" name="TextBox 38">
-            <a:extLst>
-              <a:ext uri="{FF2B5EF4-FFF2-40B4-BE49-F238E27FC236}">
-                <a16:creationId xmlns:a16="http://schemas.microsoft.com/office/drawing/2014/main" id="{33F1C698-38C5-17D9-3FDE-B126B1403260}"/>
-              </a:ext>
-            </a:extLst>
-          </p:cNvPr>
-          <p:cNvSpPr txBox="1"/>
-          <p:nvPr/>
-        </p:nvSpPr>
-        <p:spPr>
-          <a:xfrm>
-            <a:off x="9555609" y="1190841"/>
-            <a:ext cx="1270854" cy="586299"/>
-          </a:xfrm>
-          <a:prstGeom prst="rect">
-            <a:avLst/>
-          </a:prstGeom>
-          <a:noFill/>
-        </p:spPr>
-        <p:txBody>
-          <a:bodyPr wrap="square" rtlCol="0">
-            <a:spAutoFit/>
-          </a:bodyPr>
-          <a:lstStyle/>
-          <a:p>
-            <a:pPr algn="ctr"/>
-            <a:r>
-              <a:rPr lang="en-US" sz="1400" dirty="0"/>
-              <a:t>Newtonian</a:t>
-            </a:r>
-          </a:p>
-          <a:p>
-            <a:pPr algn="ctr"/>
-            <a:r>
-              <a:rPr lang="en-US" sz="1400" dirty="0"/>
-              <a:t>Systems</a:t>
-            </a:r>
-          </a:p>
-        </p:txBody>
-      </p:sp>
-      <p:sp>
-        <p:nvSpPr>
-          <p:cNvPr id="42" name="TextBox 41">
-            <a:extLst>
-              <a:ext uri="{FF2B5EF4-FFF2-40B4-BE49-F238E27FC236}">
-                <a16:creationId xmlns:a16="http://schemas.microsoft.com/office/drawing/2014/main" id="{C3AA23A5-8714-364A-06F9-244B3CCE25FB}"/>
-              </a:ext>
-            </a:extLst>
-          </p:cNvPr>
-          <p:cNvSpPr txBox="1"/>
-          <p:nvPr/>
-        </p:nvSpPr>
-        <p:spPr>
-          <a:xfrm>
-            <a:off x="10850584" y="1203177"/>
-            <a:ext cx="1212148" cy="586299"/>
-          </a:xfrm>
-          <a:prstGeom prst="rect">
-            <a:avLst/>
-          </a:prstGeom>
-          <a:noFill/>
-        </p:spPr>
-        <p:txBody>
-          <a:bodyPr wrap="square" rtlCol="0">
-            <a:spAutoFit/>
-          </a:bodyPr>
-          <a:lstStyle/>
-          <a:p>
-            <a:pPr algn="ctr"/>
-            <a:r>
-              <a:rPr lang="en-US" sz="1400" dirty="0"/>
-              <a:t>Hamiltonian</a:t>
-            </a:r>
-          </a:p>
-          <a:p>
-            <a:pPr algn="ctr"/>
-            <a:r>
-              <a:rPr lang="en-US" sz="1400" dirty="0"/>
-              <a:t>Systems</a:t>
-            </a:r>
-          </a:p>
-        </p:txBody>
-      </p:sp>
-      <p:sp>
-        <p:nvSpPr>
-          <p:cNvPr id="43" name="TextBox 42">
-            <a:extLst>
-              <a:ext uri="{FF2B5EF4-FFF2-40B4-BE49-F238E27FC236}">
-                <a16:creationId xmlns:a16="http://schemas.microsoft.com/office/drawing/2014/main" id="{B7AE10AE-A283-8A2F-1DEA-13957D315385}"/>
-              </a:ext>
-            </a:extLst>
-          </p:cNvPr>
-          <p:cNvSpPr txBox="1"/>
-          <p:nvPr/>
-        </p:nvSpPr>
-        <p:spPr>
-          <a:xfrm>
-            <a:off x="10272087" y="244914"/>
-            <a:ext cx="1053217" cy="523220"/>
-          </a:xfrm>
-          <a:prstGeom prst="rect">
-            <a:avLst/>
-          </a:prstGeom>
-          <a:noFill/>
-        </p:spPr>
-        <p:txBody>
-          <a:bodyPr wrap="square" rtlCol="0">
-            <a:spAutoFit/>
-          </a:bodyPr>
-          <a:lstStyle/>
-          <a:p>
-            <a:pPr algn="ctr"/>
-            <a:r>
-              <a:rPr lang="en-US" sz="1400" dirty="0"/>
-              <a:t>Lagrangian</a:t>
-            </a:r>
-          </a:p>
-          <a:p>
-            <a:pPr algn="ctr"/>
-            <a:r>
-              <a:rPr lang="en-US" sz="1400" dirty="0"/>
-              <a:t>Systems</a:t>
-            </a:r>
-          </a:p>
-        </p:txBody>
-      </p:sp>
-      <p:sp>
-        <p:nvSpPr>
-          <p:cNvPr id="44" name="Freeform 14">
-            <a:extLst>
-              <a:ext uri="{FF2B5EF4-FFF2-40B4-BE49-F238E27FC236}">
-                <a16:creationId xmlns:a16="http://schemas.microsoft.com/office/drawing/2014/main" id="{C9799F88-4D3D-AED5-2035-ACC27FA856EC}"/>
-              </a:ext>
-            </a:extLst>
-          </p:cNvPr>
-          <p:cNvSpPr/>
-          <p:nvPr/>
-        </p:nvSpPr>
-        <p:spPr>
-          <a:xfrm>
-            <a:off x="10625939" y="908837"/>
-            <a:ext cx="345517" cy="399628"/>
-          </a:xfrm>
-          <a:custGeom>
-            <a:avLst/>
-            <a:gdLst>
-              <a:gd name="connsiteX0" fmla="*/ 172758 w 345517"/>
-              <a:gd name="connsiteY0" fmla="*/ 0 h 399628"/>
-              <a:gd name="connsiteX1" fmla="*/ 235077 w 345517"/>
-              <a:gd name="connsiteY1" fmla="*/ 67744 h 399628"/>
-              <a:gd name="connsiteX2" fmla="*/ 334659 w 345517"/>
-              <a:gd name="connsiteY2" fmla="*/ 279997 h 399628"/>
-              <a:gd name="connsiteX3" fmla="*/ 345517 w 345517"/>
-              <a:gd name="connsiteY3" fmla="*/ 376605 h 399628"/>
-              <a:gd name="connsiteX4" fmla="*/ 306139 w 345517"/>
-              <a:gd name="connsiteY4" fmla="*/ 387568 h 399628"/>
-              <a:gd name="connsiteX5" fmla="*/ 172759 w 345517"/>
-              <a:gd name="connsiteY5" fmla="*/ 399628 h 399628"/>
-              <a:gd name="connsiteX6" fmla="*/ 39379 w 345517"/>
-              <a:gd name="connsiteY6" fmla="*/ 387568 h 399628"/>
-              <a:gd name="connsiteX7" fmla="*/ 0 w 345517"/>
-              <a:gd name="connsiteY7" fmla="*/ 376604 h 399628"/>
-              <a:gd name="connsiteX8" fmla="*/ 10858 w 345517"/>
-              <a:gd name="connsiteY8" fmla="*/ 279997 h 399628"/>
-              <a:gd name="connsiteX9" fmla="*/ 110440 w 345517"/>
-              <a:gd name="connsiteY9" fmla="*/ 67744 h 399628"/>
-              <a:gd name="connsiteX10" fmla="*/ 172758 w 345517"/>
-              <a:gd name="connsiteY10" fmla="*/ 0 h 399628"/>
-            </a:gdLst>
-            <a:ahLst/>
-            <a:cxnLst>
-              <a:cxn ang="0">
-                <a:pos x="connsiteX0" y="connsiteY0"/>
-              </a:cxn>
-              <a:cxn ang="0">
-                <a:pos x="connsiteX1" y="connsiteY1"/>
-              </a:cxn>
-              <a:cxn ang="0">
-                <a:pos x="connsiteX2" y="connsiteY2"/>
-              </a:cxn>
-              <a:cxn ang="0">
-                <a:pos x="connsiteX3" y="connsiteY3"/>
-              </a:cxn>
-              <a:cxn ang="0">
-                <a:pos x="connsiteX4" y="connsiteY4"/>
-              </a:cxn>
-              <a:cxn ang="0">
-                <a:pos x="connsiteX5" y="connsiteY5"/>
-              </a:cxn>
-              <a:cxn ang="0">
-                <a:pos x="connsiteX6" y="connsiteY6"/>
-              </a:cxn>
-              <a:cxn ang="0">
-                <a:pos x="connsiteX7" y="connsiteY7"/>
-              </a:cxn>
-              <a:cxn ang="0">
-                <a:pos x="connsiteX8" y="connsiteY8"/>
-              </a:cxn>
-              <a:cxn ang="0">
-                <a:pos x="connsiteX9" y="connsiteY9"/>
-              </a:cxn>
-              <a:cxn ang="0">
-                <a:pos x="connsiteX10" y="connsiteY10"/>
-              </a:cxn>
-            </a:cxnLst>
-            <a:rect l="l" t="t" r="r" b="b"/>
-            <a:pathLst>
-              <a:path w="345517" h="399628">
-                <a:moveTo>
-                  <a:pt x="172758" y="0"/>
-                </a:moveTo>
-                <a:lnTo>
-                  <a:pt x="235077" y="67744"/>
-                </a:lnTo>
-                <a:cubicBezTo>
-                  <a:pt x="282650" y="130903"/>
-                  <a:pt x="317027" y="202715"/>
-                  <a:pt x="334659" y="279997"/>
-                </a:cubicBezTo>
-                <a:lnTo>
-                  <a:pt x="345517" y="376605"/>
-                </a:lnTo>
-                <a:lnTo>
-                  <a:pt x="306139" y="387568"/>
-                </a:lnTo>
-                <a:cubicBezTo>
-                  <a:pt x="263056" y="395476"/>
-                  <a:pt x="218448" y="399628"/>
-                  <a:pt x="172759" y="399628"/>
-                </a:cubicBezTo>
-                <a:cubicBezTo>
-                  <a:pt x="127070" y="399628"/>
-                  <a:pt x="82462" y="395476"/>
-                  <a:pt x="39379" y="387568"/>
-                </a:cubicBezTo>
-                <a:lnTo>
-                  <a:pt x="0" y="376604"/>
-                </a:lnTo>
-                <a:lnTo>
-                  <a:pt x="10858" y="279997"/>
-                </a:lnTo>
-                <a:cubicBezTo>
-                  <a:pt x="28490" y="202715"/>
-                  <a:pt x="62867" y="130903"/>
-                  <a:pt x="110440" y="67744"/>
-                </a:cubicBezTo>
-                <a:lnTo>
-                  <a:pt x="172758" y="0"/>
-                </a:lnTo>
-                <a:close/>
-              </a:path>
-            </a:pathLst>
-          </a:custGeom>
-          <a:solidFill>
-            <a:srgbClr val="008000"/>
-          </a:solidFill>
-          <a:ln>
-            <a:solidFill>
-              <a:schemeClr val="tx1"/>
-            </a:solidFill>
-          </a:ln>
-        </p:spPr>
-        <p:style>
-          <a:lnRef idx="2">
-            <a:schemeClr val="accent1">
-              <a:shade val="15000"/>
-            </a:schemeClr>
-          </a:lnRef>
-          <a:fillRef idx="1">
-            <a:schemeClr val="accent1"/>
-          </a:fillRef>
-          <a:effectRef idx="0">
-            <a:schemeClr val="accent1"/>
-          </a:effectRef>
-          <a:fontRef idx="minor">
-            <a:schemeClr val="lt1"/>
-          </a:fontRef>
-        </p:style>
-        <p:txBody>
-          <a:bodyPr wrap="square" rtlCol="0" anchor="ctr">
-            <a:noAutofit/>
-          </a:bodyPr>
-          <a:lstStyle/>
-          <a:p>
-            <a:pPr algn="ctr"/>
-            <a:endParaRPr lang="en-US"/>
-          </a:p>
-        </p:txBody>
-      </p:sp>
-      <p:sp>
-        <p:nvSpPr>
-          <p:cNvPr id="45" name="Freeform 31">
-            <a:extLst>
-              <a:ext uri="{FF2B5EF4-FFF2-40B4-BE49-F238E27FC236}">
-                <a16:creationId xmlns:a16="http://schemas.microsoft.com/office/drawing/2014/main" id="{E64E394D-F243-DFC6-C6F9-B055B8AAC58B}"/>
-              </a:ext>
-            </a:extLst>
-          </p:cNvPr>
-          <p:cNvSpPr/>
-          <p:nvPr/>
-        </p:nvSpPr>
-        <p:spPr>
-          <a:xfrm>
-            <a:off x="10139466" y="714873"/>
-            <a:ext cx="659230" cy="570569"/>
-          </a:xfrm>
-          <a:custGeom>
-            <a:avLst/>
-            <a:gdLst>
-              <a:gd name="connsiteX0" fmla="*/ 172758 w 659230"/>
-              <a:gd name="connsiteY0" fmla="*/ 0 h 570569"/>
-              <a:gd name="connsiteX1" fmla="*/ 640735 w 659230"/>
-              <a:gd name="connsiteY1" fmla="*/ 173859 h 570569"/>
-              <a:gd name="connsiteX2" fmla="*/ 659230 w 659230"/>
-              <a:gd name="connsiteY2" fmla="*/ 193965 h 570569"/>
-              <a:gd name="connsiteX3" fmla="*/ 596912 w 659230"/>
-              <a:gd name="connsiteY3" fmla="*/ 261709 h 570569"/>
-              <a:gd name="connsiteX4" fmla="*/ 497330 w 659230"/>
-              <a:gd name="connsiteY4" fmla="*/ 473962 h 570569"/>
-              <a:gd name="connsiteX5" fmla="*/ 486472 w 659230"/>
-              <a:gd name="connsiteY5" fmla="*/ 570569 h 570569"/>
-              <a:gd name="connsiteX6" fmla="*/ 401621 w 659230"/>
-              <a:gd name="connsiteY6" fmla="*/ 546946 h 570569"/>
-              <a:gd name="connsiteX7" fmla="*/ 10858 w 659230"/>
-              <a:gd name="connsiteY7" fmla="*/ 119631 h 570569"/>
-              <a:gd name="connsiteX8" fmla="*/ 0 w 659230"/>
-              <a:gd name="connsiteY8" fmla="*/ 23023 h 570569"/>
-              <a:gd name="connsiteX9" fmla="*/ 39378 w 659230"/>
-              <a:gd name="connsiteY9" fmla="*/ 12060 h 570569"/>
-              <a:gd name="connsiteX10" fmla="*/ 172758 w 659230"/>
-              <a:gd name="connsiteY10" fmla="*/ 0 h 570569"/>
-            </a:gdLst>
-            <a:ahLst/>
-            <a:cxnLst>
-              <a:cxn ang="0">
-                <a:pos x="connsiteX0" y="connsiteY0"/>
-              </a:cxn>
-              <a:cxn ang="0">
-                <a:pos x="connsiteX1" y="connsiteY1"/>
-              </a:cxn>
-              <a:cxn ang="0">
-                <a:pos x="connsiteX2" y="connsiteY2"/>
-              </a:cxn>
-              <a:cxn ang="0">
-                <a:pos x="connsiteX3" y="connsiteY3"/>
-              </a:cxn>
-              <a:cxn ang="0">
-                <a:pos x="connsiteX4" y="connsiteY4"/>
-              </a:cxn>
-              <a:cxn ang="0">
-                <a:pos x="connsiteX5" y="connsiteY5"/>
-              </a:cxn>
-              <a:cxn ang="0">
-                <a:pos x="connsiteX6" y="connsiteY6"/>
-              </a:cxn>
-              <a:cxn ang="0">
-                <a:pos x="connsiteX7" y="connsiteY7"/>
-              </a:cxn>
-              <a:cxn ang="0">
-                <a:pos x="connsiteX8" y="connsiteY8"/>
-              </a:cxn>
-              <a:cxn ang="0">
-                <a:pos x="connsiteX9" y="connsiteY9"/>
-              </a:cxn>
-              <a:cxn ang="0">
-                <a:pos x="connsiteX10" y="connsiteY10"/>
-              </a:cxn>
-            </a:cxnLst>
-            <a:rect l="l" t="t" r="r" b="b"/>
-            <a:pathLst>
-              <a:path w="659230" h="570569">
-                <a:moveTo>
-                  <a:pt x="172758" y="0"/>
-                </a:moveTo>
-                <a:cubicBezTo>
-                  <a:pt x="355514" y="0"/>
-                  <a:pt x="520969" y="66440"/>
-                  <a:pt x="640735" y="173859"/>
-                </a:cubicBezTo>
-                <a:lnTo>
-                  <a:pt x="659230" y="193965"/>
-                </a:lnTo>
-                <a:lnTo>
-                  <a:pt x="596912" y="261709"/>
-                </a:lnTo>
-                <a:cubicBezTo>
-                  <a:pt x="549339" y="324868"/>
-                  <a:pt x="514962" y="396680"/>
-                  <a:pt x="497330" y="473962"/>
-                </a:cubicBezTo>
-                <a:lnTo>
-                  <a:pt x="486472" y="570569"/>
-                </a:lnTo>
-                <a:lnTo>
-                  <a:pt x="401621" y="546946"/>
-                </a:lnTo>
-                <a:cubicBezTo>
-                  <a:pt x="203674" y="471852"/>
-                  <a:pt x="54938" y="312838"/>
-                  <a:pt x="10858" y="119631"/>
-                </a:cubicBezTo>
-                <a:lnTo>
-                  <a:pt x="0" y="23023"/>
-                </a:lnTo>
-                <a:lnTo>
-                  <a:pt x="39378" y="12060"/>
-                </a:lnTo>
-                <a:cubicBezTo>
-                  <a:pt x="82461" y="4152"/>
-                  <a:pt x="127069" y="0"/>
-                  <a:pt x="172758" y="0"/>
-                </a:cubicBezTo>
-                <a:close/>
-              </a:path>
-            </a:pathLst>
-          </a:custGeom>
-          <a:solidFill>
-            <a:srgbClr val="C00000"/>
-          </a:solidFill>
-          <a:ln>
-            <a:solidFill>
-              <a:schemeClr val="tx1"/>
-            </a:solidFill>
-          </a:ln>
-        </p:spPr>
-        <p:style>
-          <a:lnRef idx="2">
-            <a:schemeClr val="accent1">
-              <a:shade val="15000"/>
-            </a:schemeClr>
-          </a:lnRef>
-          <a:fillRef idx="1">
-            <a:schemeClr val="accent1"/>
-          </a:fillRef>
-          <a:effectRef idx="0">
-            <a:schemeClr val="accent1"/>
-          </a:effectRef>
-          <a:fontRef idx="minor">
-            <a:schemeClr val="lt1"/>
-          </a:fontRef>
-        </p:style>
-        <p:txBody>
-          <a:bodyPr wrap="square" rtlCol="0" anchor="ctr">
-            <a:noAutofit/>
-          </a:bodyPr>
-          <a:lstStyle/>
-          <a:p>
-            <a:pPr algn="ctr"/>
-            <a:endParaRPr lang="en-US">
-              <a:solidFill>
-                <a:srgbClr val="C00000"/>
-              </a:solidFill>
-            </a:endParaRPr>
-          </a:p>
-        </p:txBody>
-      </p:sp>
+      <mc:AlternateContent xmlns:mc="http://schemas.openxmlformats.org/markup-compatibility/2006" xmlns:a14="http://schemas.microsoft.com/office/drawing/2010/main">
+        <mc:Choice Requires="a14">
+          <p:sp>
+            <p:nvSpPr>
+              <p:cNvPr id="15" name="TextBox 14">
+                <a:extLst>
+                  <a:ext uri="{FF2B5EF4-FFF2-40B4-BE49-F238E27FC236}">
+                    <a16:creationId xmlns:a16="http://schemas.microsoft.com/office/drawing/2014/main" id="{9C00422E-8E9D-DFE8-6E23-AF76883131C8}"/>
+                  </a:ext>
+                </a:extLst>
+              </p:cNvPr>
+              <p:cNvSpPr txBox="1"/>
+              <p:nvPr/>
+            </p:nvSpPr>
+            <p:spPr>
+              <a:xfrm>
+                <a:off x="666859" y="5581312"/>
+                <a:ext cx="8983546" cy="707886"/>
+              </a:xfrm>
+              <a:prstGeom prst="rect">
+                <a:avLst/>
+              </a:prstGeom>
+              <a:noFill/>
+            </p:spPr>
+            <p:txBody>
+              <a:bodyPr wrap="square" rtlCol="0">
+                <a:spAutoFit/>
+              </a:bodyPr>
+              <a:lstStyle/>
+              <a:p>
+                <a14:m>
+                  <m:oMath xmlns:m="http://schemas.openxmlformats.org/officeDocument/2006/math">
+                    <m:r>
+                      <a:rPr lang="en-US" sz="4000" b="0" i="1" smtClean="0">
+                        <a:solidFill>
+                          <a:schemeClr val="accent6">
+                            <a:lumMod val="75000"/>
+                          </a:schemeClr>
+                        </a:solidFill>
+                        <a:latin typeface="Cambria Math" panose="02040503050406030204" pitchFamily="18" charset="0"/>
+                      </a:rPr>
+                      <m:t>⇒ </m:t>
+                    </m:r>
+                  </m:oMath>
+                </a14:m>
+                <a:r>
+                  <a:rPr lang="en-US" sz="4000" dirty="0">
+                    <a:solidFill>
+                      <a:schemeClr val="accent6">
+                        <a:lumMod val="75000"/>
+                      </a:schemeClr>
+                    </a:solidFill>
+                  </a:rPr>
+                  <a:t>All </a:t>
+                </a:r>
+                <a:r>
+                  <a:rPr lang="en-US" sz="4000" dirty="0" err="1">
+                    <a:solidFill>
+                      <a:schemeClr val="accent6">
+                        <a:lumMod val="75000"/>
+                      </a:schemeClr>
+                    </a:solidFill>
+                  </a:rPr>
+                  <a:t>Lagrangian</a:t>
+                </a:r>
+                <a:r>
+                  <a:rPr lang="en-US" sz="4000" dirty="0">
+                    <a:solidFill>
+                      <a:schemeClr val="accent6">
+                        <a:lumMod val="75000"/>
+                      </a:schemeClr>
+                    </a:solidFill>
+                  </a:rPr>
+                  <a:t> systems are Hamiltonian</a:t>
+                </a:r>
+              </a:p>
+            </p:txBody>
+          </p:sp>
+        </mc:Choice>
+        <mc:Fallback xmlns="">
+          <p:sp>
+            <p:nvSpPr>
+              <p:cNvPr id="15" name="TextBox 14">
+                <a:extLst>
+                  <a:ext uri="{FF2B5EF4-FFF2-40B4-BE49-F238E27FC236}">
+                    <a16:creationId xmlns:a16="http://schemas.microsoft.com/office/drawing/2014/main" id="{9C00422E-8E9D-DFE8-6E23-AF76883131C8}"/>
+                  </a:ext>
+                </a:extLst>
+              </p:cNvPr>
+              <p:cNvSpPr txBox="1">
+                <a:spLocks noRot="1" noChangeAspect="1" noMove="1" noResize="1" noEditPoints="1" noAdjustHandles="1" noChangeArrowheads="1" noChangeShapeType="1" noTextEdit="1"/>
+              </p:cNvSpPr>
+              <p:nvPr/>
+            </p:nvSpPr>
+            <p:spPr>
+              <a:xfrm>
+                <a:off x="666859" y="5581312"/>
+                <a:ext cx="8983546" cy="707886"/>
+              </a:xfrm>
+              <a:prstGeom prst="rect">
+                <a:avLst/>
+              </a:prstGeom>
+              <a:blipFill>
+                <a:blip r:embed="rId11"/>
+                <a:stretch>
+                  <a:fillRect t="-15517" r="-68" b="-36207"/>
+                </a:stretch>
+              </a:blipFill>
+            </p:spPr>
+            <p:txBody>
+              <a:bodyPr/>
+              <a:lstStyle/>
+              <a:p>
+                <a:r>
+                  <a:rPr lang="en-US">
+                    <a:noFill/>
+                  </a:rPr>
+                  <a:t> </a:t>
+                </a:r>
+              </a:p>
+            </p:txBody>
+          </p:sp>
+        </mc:Fallback>
+      </mc:AlternateContent>
     </p:spTree>
     <p:extLst>
       <p:ext uri="{BB962C8B-B14F-4D97-AF65-F5344CB8AC3E}">
-        <p14:creationId xmlns:p14="http://schemas.microsoft.com/office/powerpoint/2010/main" val="710249618"/>
+        <p14:creationId xmlns:p14="http://schemas.microsoft.com/office/powerpoint/2010/main" val="2583878720"/>
       </p:ext>
     </p:extLst>
   </p:cSld>
@@ -9389,63 +9236,6 @@
           <a:chExt cx="0" cy="0"/>
         </a:xfrm>
       </p:grpSpPr>
-      <p:sp>
-        <p:nvSpPr>
-          <p:cNvPr id="2" name="Footer Placeholder 1">
-            <a:extLst>
-              <a:ext uri="{FF2B5EF4-FFF2-40B4-BE49-F238E27FC236}">
-                <a16:creationId xmlns:a16="http://schemas.microsoft.com/office/drawing/2014/main" id="{C78621A0-EF9F-2B44-0373-70CDEB1A25A1}"/>
-              </a:ext>
-            </a:extLst>
-          </p:cNvPr>
-          <p:cNvSpPr>
-            <a:spLocks noGrp="1"/>
-          </p:cNvSpPr>
-          <p:nvPr>
-            <p:ph type="ftr" sz="quarter" idx="11"/>
-          </p:nvPr>
-        </p:nvSpPr>
-        <p:spPr/>
-        <p:txBody>
-          <a:bodyPr/>
-          <a:lstStyle/>
-          <a:p>
-            <a:r>
-              <a:rPr lang="en-US"/>
-              <a:t>Gabriele Carcassi - University of Michigan</a:t>
-            </a:r>
-          </a:p>
-        </p:txBody>
-      </p:sp>
-      <p:sp>
-        <p:nvSpPr>
-          <p:cNvPr id="3" name="Slide Number Placeholder 2">
-            <a:extLst>
-              <a:ext uri="{FF2B5EF4-FFF2-40B4-BE49-F238E27FC236}">
-                <a16:creationId xmlns:a16="http://schemas.microsoft.com/office/drawing/2014/main" id="{F4F841A9-50FB-1423-C2AD-0DADF689445A}"/>
-              </a:ext>
-            </a:extLst>
-          </p:cNvPr>
-          <p:cNvSpPr>
-            <a:spLocks noGrp="1"/>
-          </p:cNvSpPr>
-          <p:nvPr>
-            <p:ph type="sldNum" sz="quarter" idx="12"/>
-          </p:nvPr>
-        </p:nvSpPr>
-        <p:spPr/>
-        <p:txBody>
-          <a:bodyPr/>
-          <a:lstStyle/>
-          <a:p>
-            <a:fld id="{F47845EA-7733-40EE-B074-20032348B727}" type="slidenum">
-              <a:rPr lang="en-US" smtClean="0"/>
-              <a:t>11</a:t>
-            </a:fld>
-            <a:endParaRPr lang="en-US"/>
-          </a:p>
-        </p:txBody>
-      </p:sp>
       <mc:AlternateContent xmlns:mc="http://schemas.openxmlformats.org/markup-compatibility/2006" xmlns:a14="http://schemas.microsoft.com/office/drawing/2010/main">
         <mc:Choice Requires="a14">
           <p:sp>
@@ -10332,8 +10122,8 @@
           </a:p>
         </p:txBody>
       </p:sp>
-      <mc:AlternateContent xmlns:mc="http://schemas.openxmlformats.org/markup-compatibility/2006">
-        <mc:Choice xmlns:a14="http://schemas.microsoft.com/office/drawing/2010/main" Requires="a14">
+      <mc:AlternateContent xmlns:mc="http://schemas.openxmlformats.org/markup-compatibility/2006" xmlns:a14="http://schemas.microsoft.com/office/drawing/2010/main">
+        <mc:Choice Requires="a14">
           <p:sp>
             <p:nvSpPr>
               <p:cNvPr id="6" name="TextBox 5">
@@ -10445,7 +10235,7 @@
             </p:txBody>
           </p:sp>
         </mc:Choice>
-        <mc:Fallback>
+        <mc:Fallback xmlns="">
           <p:sp>
             <p:nvSpPr>
               <p:cNvPr id="6" name="TextBox 5">
@@ -10490,8 +10280,8 @@
           </p:sp>
         </mc:Fallback>
       </mc:AlternateContent>
-      <mc:AlternateContent xmlns:mc="http://schemas.openxmlformats.org/markup-compatibility/2006">
-        <mc:Choice xmlns:a14="http://schemas.microsoft.com/office/drawing/2010/main" Requires="a14">
+      <mc:AlternateContent xmlns:mc="http://schemas.openxmlformats.org/markup-compatibility/2006" xmlns:a14="http://schemas.microsoft.com/office/drawing/2010/main">
+        <mc:Choice Requires="a14">
           <p:sp>
             <p:nvSpPr>
               <p:cNvPr id="12" name="TextBox 11">
@@ -10603,7 +10393,7 @@
             </p:txBody>
           </p:sp>
         </mc:Choice>
-        <mc:Fallback>
+        <mc:Fallback xmlns="">
           <p:sp>
             <p:nvSpPr>
               <p:cNvPr id="12" name="TextBox 11">
@@ -12560,63 +12350,6 @@
           <a:chExt cx="0" cy="0"/>
         </a:xfrm>
       </p:grpSpPr>
-      <p:sp>
-        <p:nvSpPr>
-          <p:cNvPr id="2" name="Footer Placeholder 1">
-            <a:extLst>
-              <a:ext uri="{FF2B5EF4-FFF2-40B4-BE49-F238E27FC236}">
-                <a16:creationId xmlns:a16="http://schemas.microsoft.com/office/drawing/2014/main" id="{C78621A0-EF9F-2B44-0373-70CDEB1A25A1}"/>
-              </a:ext>
-            </a:extLst>
-          </p:cNvPr>
-          <p:cNvSpPr>
-            <a:spLocks noGrp="1"/>
-          </p:cNvSpPr>
-          <p:nvPr>
-            <p:ph type="ftr" sz="quarter" idx="11"/>
-          </p:nvPr>
-        </p:nvSpPr>
-        <p:spPr/>
-        <p:txBody>
-          <a:bodyPr/>
-          <a:lstStyle/>
-          <a:p>
-            <a:r>
-              <a:rPr lang="en-US"/>
-              <a:t>Gabriele Carcassi - University of Michigan</a:t>
-            </a:r>
-          </a:p>
-        </p:txBody>
-      </p:sp>
-      <p:sp>
-        <p:nvSpPr>
-          <p:cNvPr id="3" name="Slide Number Placeholder 2">
-            <a:extLst>
-              <a:ext uri="{FF2B5EF4-FFF2-40B4-BE49-F238E27FC236}">
-                <a16:creationId xmlns:a16="http://schemas.microsoft.com/office/drawing/2014/main" id="{F4F841A9-50FB-1423-C2AD-0DADF689445A}"/>
-              </a:ext>
-            </a:extLst>
-          </p:cNvPr>
-          <p:cNvSpPr>
-            <a:spLocks noGrp="1"/>
-          </p:cNvSpPr>
-          <p:nvPr>
-            <p:ph type="sldNum" sz="quarter" idx="12"/>
-          </p:nvPr>
-        </p:nvSpPr>
-        <p:spPr/>
-        <p:txBody>
-          <a:bodyPr/>
-          <a:lstStyle/>
-          <a:p>
-            <a:fld id="{F47845EA-7733-40EE-B074-20032348B727}" type="slidenum">
-              <a:rPr lang="en-US" smtClean="0"/>
-              <a:t>12</a:t>
-            </a:fld>
-            <a:endParaRPr lang="en-US"/>
-          </a:p>
-        </p:txBody>
-      </p:sp>
       <p:grpSp>
         <p:nvGrpSpPr>
           <p:cNvPr id="32" name="Group 31">
@@ -15899,8 +15632,8 @@
           </a:p>
         </p:txBody>
       </p:sp>
-      <mc:AlternateContent xmlns:mc="http://schemas.openxmlformats.org/markup-compatibility/2006">
-        <mc:Choice xmlns:a14="http://schemas.microsoft.com/office/drawing/2010/main" Requires="a14">
+      <mc:AlternateContent xmlns:mc="http://schemas.openxmlformats.org/markup-compatibility/2006" xmlns:a14="http://schemas.microsoft.com/office/drawing/2010/main">
+        <mc:Choice Requires="a14">
           <p:sp>
             <p:nvSpPr>
               <p:cNvPr id="5" name="TextBox 4">
@@ -16012,7 +15745,7 @@
             </p:txBody>
           </p:sp>
         </mc:Choice>
-        <mc:Fallback>
+        <mc:Fallback xmlns="">
           <p:sp>
             <p:nvSpPr>
               <p:cNvPr id="5" name="TextBox 4">
@@ -16057,8 +15790,8 @@
           </p:sp>
         </mc:Fallback>
       </mc:AlternateContent>
-      <mc:AlternateContent xmlns:mc="http://schemas.openxmlformats.org/markup-compatibility/2006">
-        <mc:Choice xmlns:a14="http://schemas.microsoft.com/office/drawing/2010/main" Requires="a14">
+      <mc:AlternateContent xmlns:mc="http://schemas.openxmlformats.org/markup-compatibility/2006" xmlns:a14="http://schemas.microsoft.com/office/drawing/2010/main">
+        <mc:Choice Requires="a14">
           <p:sp>
             <p:nvSpPr>
               <p:cNvPr id="8" name="TextBox 7">
@@ -16170,7 +15903,7 @@
             </p:txBody>
           </p:sp>
         </mc:Choice>
-        <mc:Fallback>
+        <mc:Fallback xmlns="">
           <p:sp>
             <p:nvSpPr>
               <p:cNvPr id="8" name="TextBox 7">
@@ -16369,63 +16102,6 @@
           <a:chExt cx="0" cy="0"/>
         </a:xfrm>
       </p:grpSpPr>
-      <p:sp>
-        <p:nvSpPr>
-          <p:cNvPr id="2" name="Footer Placeholder 1">
-            <a:extLst>
-              <a:ext uri="{FF2B5EF4-FFF2-40B4-BE49-F238E27FC236}">
-                <a16:creationId xmlns:a16="http://schemas.microsoft.com/office/drawing/2014/main" id="{C78621A0-EF9F-2B44-0373-70CDEB1A25A1}"/>
-              </a:ext>
-            </a:extLst>
-          </p:cNvPr>
-          <p:cNvSpPr>
-            <a:spLocks noGrp="1"/>
-          </p:cNvSpPr>
-          <p:nvPr>
-            <p:ph type="ftr" sz="quarter" idx="11"/>
-          </p:nvPr>
-        </p:nvSpPr>
-        <p:spPr/>
-        <p:txBody>
-          <a:bodyPr/>
-          <a:lstStyle/>
-          <a:p>
-            <a:r>
-              <a:rPr lang="en-US"/>
-              <a:t>Gabriele Carcassi - University of Michigan</a:t>
-            </a:r>
-          </a:p>
-        </p:txBody>
-      </p:sp>
-      <p:sp>
-        <p:nvSpPr>
-          <p:cNvPr id="3" name="Slide Number Placeholder 2">
-            <a:extLst>
-              <a:ext uri="{FF2B5EF4-FFF2-40B4-BE49-F238E27FC236}">
-                <a16:creationId xmlns:a16="http://schemas.microsoft.com/office/drawing/2014/main" id="{F4F841A9-50FB-1423-C2AD-0DADF689445A}"/>
-              </a:ext>
-            </a:extLst>
-          </p:cNvPr>
-          <p:cNvSpPr>
-            <a:spLocks noGrp="1"/>
-          </p:cNvSpPr>
-          <p:nvPr>
-            <p:ph type="sldNum" sz="quarter" idx="12"/>
-          </p:nvPr>
-        </p:nvSpPr>
-        <p:spPr/>
-        <p:txBody>
-          <a:bodyPr/>
-          <a:lstStyle/>
-          <a:p>
-            <a:fld id="{F47845EA-7733-40EE-B074-20032348B727}" type="slidenum">
-              <a:rPr lang="en-US" smtClean="0"/>
-              <a:t>13</a:t>
-            </a:fld>
-            <a:endParaRPr lang="en-US"/>
-          </a:p>
-        </p:txBody>
-      </p:sp>
       <p:grpSp>
         <p:nvGrpSpPr>
           <p:cNvPr id="32" name="Group 31">
@@ -19708,8 +19384,8 @@
           </a:p>
         </p:txBody>
       </p:sp>
-      <mc:AlternateContent xmlns:mc="http://schemas.openxmlformats.org/markup-compatibility/2006">
-        <mc:Choice xmlns:a14="http://schemas.microsoft.com/office/drawing/2010/main" Requires="a14">
+      <mc:AlternateContent xmlns:mc="http://schemas.openxmlformats.org/markup-compatibility/2006" xmlns:a14="http://schemas.microsoft.com/office/drawing/2010/main">
+        <mc:Choice Requires="a14">
           <p:sp>
             <p:nvSpPr>
               <p:cNvPr id="5" name="TextBox 4">
@@ -19821,7 +19497,7 @@
             </p:txBody>
           </p:sp>
         </mc:Choice>
-        <mc:Fallback>
+        <mc:Fallback xmlns="">
           <p:sp>
             <p:nvSpPr>
               <p:cNvPr id="5" name="TextBox 4">
@@ -19866,8 +19542,8 @@
           </p:sp>
         </mc:Fallback>
       </mc:AlternateContent>
-      <mc:AlternateContent xmlns:mc="http://schemas.openxmlformats.org/markup-compatibility/2006">
-        <mc:Choice xmlns:a14="http://schemas.microsoft.com/office/drawing/2010/main" Requires="a14">
+      <mc:AlternateContent xmlns:mc="http://schemas.openxmlformats.org/markup-compatibility/2006" xmlns:a14="http://schemas.microsoft.com/office/drawing/2010/main">
+        <mc:Choice Requires="a14">
           <p:sp>
             <p:nvSpPr>
               <p:cNvPr id="8" name="TextBox 7">
@@ -19979,7 +19655,7 @@
             </p:txBody>
           </p:sp>
         </mc:Choice>
-        <mc:Fallback>
+        <mc:Fallback xmlns="">
           <p:sp>
             <p:nvSpPr>
               <p:cNvPr id="8" name="TextBox 7">
@@ -20194,7 +19870,7 @@
         </p:nvCxnSpPr>
         <p:spPr>
           <a:xfrm>
-            <a:off x="478482" y="3852295"/>
+            <a:off x="440970" y="3589213"/>
             <a:ext cx="91440" cy="91440"/>
           </a:xfrm>
           <a:prstGeom prst="line">
@@ -20237,7 +19913,7 @@
         </p:nvCxnSpPr>
         <p:spPr>
           <a:xfrm rot="5400000">
-            <a:off x="478482" y="3849756"/>
+            <a:off x="440970" y="3586674"/>
             <a:ext cx="91440" cy="91440"/>
           </a:xfrm>
           <a:prstGeom prst="line">
@@ -20608,63 +20284,6 @@
           </a:fontRef>
         </p:style>
       </p:cxnSp>
-      <p:sp>
-        <p:nvSpPr>
-          <p:cNvPr id="2" name="Footer Placeholder 1">
-            <a:extLst>
-              <a:ext uri="{FF2B5EF4-FFF2-40B4-BE49-F238E27FC236}">
-                <a16:creationId xmlns:a16="http://schemas.microsoft.com/office/drawing/2014/main" id="{90202CA4-19F2-C49B-291E-A9FF439C227B}"/>
-              </a:ext>
-            </a:extLst>
-          </p:cNvPr>
-          <p:cNvSpPr>
-            <a:spLocks noGrp="1"/>
-          </p:cNvSpPr>
-          <p:nvPr>
-            <p:ph type="ftr" sz="quarter" idx="11"/>
-          </p:nvPr>
-        </p:nvSpPr>
-        <p:spPr/>
-        <p:txBody>
-          <a:bodyPr/>
-          <a:lstStyle/>
-          <a:p>
-            <a:r>
-              <a:rPr lang="en-US"/>
-              <a:t>Gabriele Carcassi - University of Michigan</a:t>
-            </a:r>
-          </a:p>
-        </p:txBody>
-      </p:sp>
-      <p:sp>
-        <p:nvSpPr>
-          <p:cNvPr id="3" name="Slide Number Placeholder 2">
-            <a:extLst>
-              <a:ext uri="{FF2B5EF4-FFF2-40B4-BE49-F238E27FC236}">
-                <a16:creationId xmlns:a16="http://schemas.microsoft.com/office/drawing/2014/main" id="{30D67C1A-B13A-5801-A2AB-5653A8FDCBCE}"/>
-              </a:ext>
-            </a:extLst>
-          </p:cNvPr>
-          <p:cNvSpPr>
-            <a:spLocks noGrp="1"/>
-          </p:cNvSpPr>
-          <p:nvPr>
-            <p:ph type="sldNum" sz="quarter" idx="12"/>
-          </p:nvPr>
-        </p:nvSpPr>
-        <p:spPr/>
-        <p:txBody>
-          <a:bodyPr/>
-          <a:lstStyle/>
-          <a:p>
-            <a:fld id="{F47845EA-7733-40EE-B074-20032348B727}" type="slidenum">
-              <a:rPr lang="en-US" smtClean="0"/>
-              <a:t>14</a:t>
-            </a:fld>
-            <a:endParaRPr lang="en-US"/>
-          </a:p>
-        </p:txBody>
-      </p:sp>
       <p:sp>
         <p:nvSpPr>
           <p:cNvPr id="10" name="TextBox 9">
@@ -23218,7 +22837,7 @@
         </p:nvCxnSpPr>
         <p:spPr>
           <a:xfrm flipH="1">
-            <a:off x="334295" y="4303776"/>
+            <a:off x="296783" y="4040694"/>
             <a:ext cx="199105" cy="0"/>
           </a:xfrm>
           <a:prstGeom prst="straightConnector1">
@@ -23438,7 +23057,7 @@
         </p:nvCxnSpPr>
         <p:spPr>
           <a:xfrm flipH="1">
-            <a:off x="334295" y="4715891"/>
+            <a:off x="296783" y="4452809"/>
             <a:ext cx="199105" cy="0"/>
           </a:xfrm>
           <a:prstGeom prst="straightConnector1">
@@ -23658,7 +23277,7 @@
         </p:nvCxnSpPr>
         <p:spPr>
           <a:xfrm flipH="1">
-            <a:off x="339517" y="5131816"/>
+            <a:off x="302005" y="4868734"/>
             <a:ext cx="199105" cy="0"/>
           </a:xfrm>
           <a:prstGeom prst="straightConnector1">
@@ -24684,53 +24303,7 @@
         </p:nvCxnSpPr>
         <p:spPr>
           <a:xfrm flipH="1" flipV="1">
-            <a:off x="7051355" y="2555640"/>
-            <a:ext cx="2042480" cy="10347"/>
-          </a:xfrm>
-          <a:prstGeom prst="line">
-            <a:avLst/>
-          </a:prstGeom>
-          <a:noFill/>
-          <a:ln w="25400">
-            <a:solidFill>
-              <a:schemeClr val="accent1"/>
-            </a:solidFill>
-          </a:ln>
-        </p:spPr>
-        <p:style>
-          <a:lnRef idx="2">
-            <a:schemeClr val="accent1">
-              <a:shade val="15000"/>
-            </a:schemeClr>
-          </a:lnRef>
-          <a:fillRef idx="1">
-            <a:schemeClr val="accent1"/>
-          </a:fillRef>
-          <a:effectRef idx="0">
-            <a:schemeClr val="accent1"/>
-          </a:effectRef>
-          <a:fontRef idx="minor">
-            <a:schemeClr val="lt1"/>
-          </a:fontRef>
-        </p:style>
-      </p:cxnSp>
-      <p:cxnSp>
-        <p:nvCxnSpPr>
-          <p:cNvPr id="26" name="Straight Connector 25">
-            <a:extLst>
-              <a:ext uri="{FF2B5EF4-FFF2-40B4-BE49-F238E27FC236}">
-                <a16:creationId xmlns:a16="http://schemas.microsoft.com/office/drawing/2014/main" id="{DE007EBF-EDBD-8463-D7FC-87D3906A221A}"/>
-              </a:ext>
-            </a:extLst>
-          </p:cNvPr>
-          <p:cNvCxnSpPr>
-            <a:cxnSpLocks/>
-          </p:cNvCxnSpPr>
-          <p:nvPr/>
-        </p:nvCxnSpPr>
-        <p:spPr>
-          <a:xfrm flipH="1" flipV="1">
-            <a:off x="9111315" y="3628359"/>
+            <a:off x="7039051" y="3615203"/>
             <a:ext cx="2042480" cy="10347"/>
           </a:xfrm>
           <a:prstGeom prst="line">
@@ -24966,7 +24539,7 @@
         </p:nvSpPr>
         <p:spPr>
           <a:xfrm>
-            <a:off x="9862404" y="2412118"/>
+            <a:off x="7016395" y="2360071"/>
             <a:ext cx="1521891" cy="369332"/>
           </a:xfrm>
           <a:prstGeom prst="rect">
@@ -25679,6 +25252,250 @@
           </p:sp>
         </mc:Fallback>
       </mc:AlternateContent>
+      <p:cxnSp>
+        <p:nvCxnSpPr>
+          <p:cNvPr id="4" name="Straight Connector 3">
+            <a:extLst>
+              <a:ext uri="{FF2B5EF4-FFF2-40B4-BE49-F238E27FC236}">
+                <a16:creationId xmlns:a16="http://schemas.microsoft.com/office/drawing/2014/main" id="{FC650CEB-E76A-01F5-76A0-BFC437B4C69B}"/>
+              </a:ext>
+            </a:extLst>
+          </p:cNvPr>
+          <p:cNvCxnSpPr>
+            <a:cxnSpLocks/>
+          </p:cNvCxnSpPr>
+          <p:nvPr/>
+        </p:nvCxnSpPr>
+        <p:spPr>
+          <a:xfrm flipH="1" flipV="1">
+            <a:off x="9096118" y="2564306"/>
+            <a:ext cx="2042480" cy="10347"/>
+          </a:xfrm>
+          <a:prstGeom prst="line">
+            <a:avLst/>
+          </a:prstGeom>
+          <a:noFill/>
+          <a:ln w="25400">
+            <a:solidFill>
+              <a:schemeClr val="accent1"/>
+            </a:solidFill>
+          </a:ln>
+        </p:spPr>
+        <p:style>
+          <a:lnRef idx="2">
+            <a:schemeClr val="accent1">
+              <a:shade val="15000"/>
+            </a:schemeClr>
+          </a:lnRef>
+          <a:fillRef idx="1">
+            <a:schemeClr val="accent1"/>
+          </a:fillRef>
+          <a:effectRef idx="0">
+            <a:schemeClr val="accent1"/>
+          </a:effectRef>
+          <a:fontRef idx="minor">
+            <a:schemeClr val="lt1"/>
+          </a:fontRef>
+        </p:style>
+      </p:cxnSp>
+      <mc:AlternateContent xmlns:mc="http://schemas.openxmlformats.org/markup-compatibility/2006" xmlns:a14="http://schemas.microsoft.com/office/drawing/2010/main">
+        <mc:Choice Requires="a14">
+          <p:sp>
+            <p:nvSpPr>
+              <p:cNvPr id="6" name="TextBox 5">
+                <a:extLst>
+                  <a:ext uri="{FF2B5EF4-FFF2-40B4-BE49-F238E27FC236}">
+                    <a16:creationId xmlns:a16="http://schemas.microsoft.com/office/drawing/2014/main" id="{03F202D0-0454-6E50-47F3-84FCEED014C7}"/>
+                  </a:ext>
+                </a:extLst>
+              </p:cNvPr>
+              <p:cNvSpPr txBox="1"/>
+              <p:nvPr/>
+            </p:nvSpPr>
+            <p:spPr>
+              <a:xfrm>
+                <a:off x="9093140" y="3415836"/>
+                <a:ext cx="178006" cy="369332"/>
+              </a:xfrm>
+              <a:prstGeom prst="rect">
+                <a:avLst/>
+              </a:prstGeom>
+              <a:noFill/>
+            </p:spPr>
+            <p:txBody>
+              <a:bodyPr wrap="square" rtlCol="0">
+                <a:spAutoFit/>
+              </a:bodyPr>
+              <a:lstStyle/>
+              <a:p>
+                <a:pPr/>
+                <a14:m>
+                  <m:oMathPara xmlns:m="http://schemas.openxmlformats.org/officeDocument/2006/math">
+                    <m:oMathParaPr>
+                      <m:jc m:val="centerGroup"/>
+                    </m:oMathParaPr>
+                    <m:oMath xmlns:m="http://schemas.openxmlformats.org/officeDocument/2006/math">
+                      <m:r>
+                        <a:rPr lang="en-US" b="0" i="1" smtClean="0">
+                          <a:latin typeface="Cambria Math" panose="02040503050406030204" pitchFamily="18" charset="0"/>
+                        </a:rPr>
+                        <m:t>−</m:t>
+                      </m:r>
+                      <m:r>
+                        <a:rPr lang="en-US" b="0" i="1" smtClean="0">
+                          <a:latin typeface="Cambria Math" panose="02040503050406030204" pitchFamily="18" charset="0"/>
+                        </a:rPr>
+                        <m:t>𝑐</m:t>
+                      </m:r>
+                    </m:oMath>
+                  </m:oMathPara>
+                </a14:m>
+                <a:endParaRPr lang="en-US" dirty="0"/>
+              </a:p>
+            </p:txBody>
+          </p:sp>
+        </mc:Choice>
+        <mc:Fallback xmlns="">
+          <p:sp>
+            <p:nvSpPr>
+              <p:cNvPr id="6" name="TextBox 5">
+                <a:extLst>
+                  <a:ext uri="{FF2B5EF4-FFF2-40B4-BE49-F238E27FC236}">
+                    <a16:creationId xmlns:a16="http://schemas.microsoft.com/office/drawing/2014/main" id="{03F202D0-0454-6E50-47F3-84FCEED014C7}"/>
+                  </a:ext>
+                </a:extLst>
+              </p:cNvPr>
+              <p:cNvSpPr txBox="1">
+                <a:spLocks noRot="1" noChangeAspect="1" noMove="1" noResize="1" noEditPoints="1" noAdjustHandles="1" noChangeArrowheads="1" noChangeShapeType="1" noTextEdit="1"/>
+              </p:cNvSpPr>
+              <p:nvPr/>
+            </p:nvSpPr>
+            <p:spPr>
+              <a:xfrm>
+                <a:off x="9093140" y="3415836"/>
+                <a:ext cx="178006" cy="369332"/>
+              </a:xfrm>
+              <a:prstGeom prst="rect">
+                <a:avLst/>
+              </a:prstGeom>
+              <a:blipFill>
+                <a:blip r:embed="rId12"/>
+                <a:stretch>
+                  <a:fillRect r="-137931"/>
+                </a:stretch>
+              </a:blipFill>
+            </p:spPr>
+            <p:txBody>
+              <a:bodyPr/>
+              <a:lstStyle/>
+              <a:p>
+                <a:r>
+                  <a:rPr lang="en-US">
+                    <a:noFill/>
+                  </a:rPr>
+                  <a:t> </a:t>
+                </a:r>
+              </a:p>
+            </p:txBody>
+          </p:sp>
+        </mc:Fallback>
+      </mc:AlternateContent>
+      <mc:AlternateContent xmlns:mc="http://schemas.openxmlformats.org/markup-compatibility/2006" xmlns:a14="http://schemas.microsoft.com/office/drawing/2010/main">
+        <mc:Choice Requires="a14">
+          <p:sp>
+            <p:nvSpPr>
+              <p:cNvPr id="8" name="TextBox 7">
+                <a:extLst>
+                  <a:ext uri="{FF2B5EF4-FFF2-40B4-BE49-F238E27FC236}">
+                    <a16:creationId xmlns:a16="http://schemas.microsoft.com/office/drawing/2014/main" id="{14F0FECB-08EF-7BF0-E539-675C0BDE0C45}"/>
+                  </a:ext>
+                </a:extLst>
+              </p:cNvPr>
+              <p:cNvSpPr txBox="1"/>
+              <p:nvPr/>
+            </p:nvSpPr>
+            <p:spPr>
+              <a:xfrm>
+                <a:off x="8823324" y="2360071"/>
+                <a:ext cx="178006" cy="369332"/>
+              </a:xfrm>
+              <a:prstGeom prst="rect">
+                <a:avLst/>
+              </a:prstGeom>
+              <a:noFill/>
+            </p:spPr>
+            <p:txBody>
+              <a:bodyPr wrap="square" rtlCol="0">
+                <a:spAutoFit/>
+              </a:bodyPr>
+              <a:lstStyle/>
+              <a:p>
+                <a:pPr/>
+                <a14:m>
+                  <m:oMathPara xmlns:m="http://schemas.openxmlformats.org/officeDocument/2006/math">
+                    <m:oMathParaPr>
+                      <m:jc m:val="centerGroup"/>
+                    </m:oMathParaPr>
+                    <m:oMath xmlns:m="http://schemas.openxmlformats.org/officeDocument/2006/math">
+                      <m:r>
+                        <a:rPr lang="en-US" b="0" i="1" smtClean="0">
+                          <a:latin typeface="Cambria Math" panose="02040503050406030204" pitchFamily="18" charset="0"/>
+                        </a:rPr>
+                        <m:t>𝑐</m:t>
+                      </m:r>
+                    </m:oMath>
+                  </m:oMathPara>
+                </a14:m>
+                <a:endParaRPr lang="en-US" dirty="0"/>
+              </a:p>
+            </p:txBody>
+          </p:sp>
+        </mc:Choice>
+        <mc:Fallback xmlns="">
+          <p:sp>
+            <p:nvSpPr>
+              <p:cNvPr id="8" name="TextBox 7">
+                <a:extLst>
+                  <a:ext uri="{FF2B5EF4-FFF2-40B4-BE49-F238E27FC236}">
+                    <a16:creationId xmlns:a16="http://schemas.microsoft.com/office/drawing/2014/main" id="{14F0FECB-08EF-7BF0-E539-675C0BDE0C45}"/>
+                  </a:ext>
+                </a:extLst>
+              </p:cNvPr>
+              <p:cNvSpPr txBox="1">
+                <a:spLocks noRot="1" noChangeAspect="1" noMove="1" noResize="1" noEditPoints="1" noAdjustHandles="1" noChangeArrowheads="1" noChangeShapeType="1" noTextEdit="1"/>
+              </p:cNvSpPr>
+              <p:nvPr/>
+            </p:nvSpPr>
+            <p:spPr>
+              <a:xfrm>
+                <a:off x="8823324" y="2360071"/>
+                <a:ext cx="178006" cy="369332"/>
+              </a:xfrm>
+              <a:prstGeom prst="rect">
+                <a:avLst/>
+              </a:prstGeom>
+              <a:blipFill>
+                <a:blip r:embed="rId13"/>
+                <a:stretch>
+                  <a:fillRect r="-40000"/>
+                </a:stretch>
+              </a:blipFill>
+            </p:spPr>
+            <p:txBody>
+              <a:bodyPr/>
+              <a:lstStyle/>
+              <a:p>
+                <a:r>
+                  <a:rPr lang="en-US">
+                    <a:noFill/>
+                  </a:rPr>
+                  <a:t> </a:t>
+                </a:r>
+              </a:p>
+            </p:txBody>
+          </p:sp>
+        </mc:Fallback>
+      </mc:AlternateContent>
     </p:spTree>
     <p:extLst>
       <p:ext uri="{BB962C8B-B14F-4D97-AF65-F5344CB8AC3E}">
@@ -25809,63 +25626,6 @@
           <a:lstStyle/>
           <a:p>
             <a:pPr algn="ctr"/>
-            <a:endParaRPr lang="en-US"/>
-          </a:p>
-        </p:txBody>
-      </p:sp>
-      <p:sp>
-        <p:nvSpPr>
-          <p:cNvPr id="2" name="Footer Placeholder 1">
-            <a:extLst>
-              <a:ext uri="{FF2B5EF4-FFF2-40B4-BE49-F238E27FC236}">
-                <a16:creationId xmlns:a16="http://schemas.microsoft.com/office/drawing/2014/main" id="{7C1D1200-9071-94E0-B702-75A7E8C19AB6}"/>
-              </a:ext>
-            </a:extLst>
-          </p:cNvPr>
-          <p:cNvSpPr>
-            <a:spLocks noGrp="1"/>
-          </p:cNvSpPr>
-          <p:nvPr>
-            <p:ph type="ftr" sz="quarter" idx="11"/>
-          </p:nvPr>
-        </p:nvSpPr>
-        <p:spPr/>
-        <p:txBody>
-          <a:bodyPr/>
-          <a:lstStyle/>
-          <a:p>
-            <a:r>
-              <a:rPr lang="en-US"/>
-              <a:t>Gabriele Carcassi - University of Michigan</a:t>
-            </a:r>
-          </a:p>
-        </p:txBody>
-      </p:sp>
-      <p:sp>
-        <p:nvSpPr>
-          <p:cNvPr id="3" name="Slide Number Placeholder 2">
-            <a:extLst>
-              <a:ext uri="{FF2B5EF4-FFF2-40B4-BE49-F238E27FC236}">
-                <a16:creationId xmlns:a16="http://schemas.microsoft.com/office/drawing/2014/main" id="{99845C04-C5A6-D26D-5BC6-757A54F0EB08}"/>
-              </a:ext>
-            </a:extLst>
-          </p:cNvPr>
-          <p:cNvSpPr>
-            <a:spLocks noGrp="1"/>
-          </p:cNvSpPr>
-          <p:nvPr>
-            <p:ph type="sldNum" sz="quarter" idx="12"/>
-          </p:nvPr>
-        </p:nvSpPr>
-        <p:spPr/>
-        <p:txBody>
-          <a:bodyPr/>
-          <a:lstStyle/>
-          <a:p>
-            <a:fld id="{F47845EA-7733-40EE-B074-20032348B727}" type="slidenum">
-              <a:rPr lang="en-US" smtClean="0"/>
-              <a:t>15</a:t>
-            </a:fld>
             <a:endParaRPr lang="en-US"/>
           </a:p>
         </p:txBody>
@@ -26249,6 +26009,36 @@
 </p:sld>
 </file>
 
+<file path=ppt/slides/slide16.xml><?xml version="1.0" encoding="utf-8"?>
+<p:sld xmlns:a="http://schemas.openxmlformats.org/drawingml/2006/main" xmlns:r="http://schemas.openxmlformats.org/officeDocument/2006/relationships" xmlns:p="http://schemas.openxmlformats.org/presentationml/2006/main">
+  <p:cSld>
+    <p:spTree>
+      <p:nvGrpSpPr>
+        <p:cNvPr id="1" name=""/>
+        <p:cNvGrpSpPr/>
+        <p:nvPr/>
+      </p:nvGrpSpPr>
+      <p:grpSpPr>
+        <a:xfrm>
+          <a:off x="0" y="0"/>
+          <a:ext cx="0" cy="0"/>
+          <a:chOff x="0" y="0"/>
+          <a:chExt cx="0" cy="0"/>
+        </a:xfrm>
+      </p:grpSpPr>
+    </p:spTree>
+    <p:extLst>
+      <p:ext uri="{BB962C8B-B14F-4D97-AF65-F5344CB8AC3E}">
+        <p14:creationId xmlns:p14="http://schemas.microsoft.com/office/powerpoint/2010/main" val="288610860"/>
+      </p:ext>
+    </p:extLst>
+  </p:cSld>
+  <p:clrMapOvr>
+    <a:masterClrMapping/>
+  </p:clrMapOvr>
+</p:sld>
+</file>
+
 <file path=ppt/slides/slide2.xml><?xml version="1.0" encoding="utf-8"?>
 <p:sld xmlns:a="http://schemas.openxmlformats.org/drawingml/2006/main" xmlns:r="http://schemas.openxmlformats.org/officeDocument/2006/relationships" xmlns:p="http://schemas.openxmlformats.org/presentationml/2006/main">
   <p:cSld>
@@ -26266,63 +26056,6 @@
           <a:chExt cx="0" cy="0"/>
         </a:xfrm>
       </p:grpSpPr>
-      <p:sp>
-        <p:nvSpPr>
-          <p:cNvPr id="2" name="Footer Placeholder 1">
-            <a:extLst>
-              <a:ext uri="{FF2B5EF4-FFF2-40B4-BE49-F238E27FC236}">
-                <a16:creationId xmlns:a16="http://schemas.microsoft.com/office/drawing/2014/main" id="{0D81CFD4-F417-1EB1-05A9-F9D2915EA68D}"/>
-              </a:ext>
-            </a:extLst>
-          </p:cNvPr>
-          <p:cNvSpPr>
-            <a:spLocks noGrp="1"/>
-          </p:cNvSpPr>
-          <p:nvPr>
-            <p:ph type="ftr" sz="quarter" idx="11"/>
-          </p:nvPr>
-        </p:nvSpPr>
-        <p:spPr/>
-        <p:txBody>
-          <a:bodyPr/>
-          <a:lstStyle/>
-          <a:p>
-            <a:r>
-              <a:rPr lang="en-US"/>
-              <a:t>Gabriele Carcassi - University of Michigan</a:t>
-            </a:r>
-          </a:p>
-        </p:txBody>
-      </p:sp>
-      <p:sp>
-        <p:nvSpPr>
-          <p:cNvPr id="3" name="Slide Number Placeholder 2">
-            <a:extLst>
-              <a:ext uri="{FF2B5EF4-FFF2-40B4-BE49-F238E27FC236}">
-                <a16:creationId xmlns:a16="http://schemas.microsoft.com/office/drawing/2014/main" id="{A5F53AF7-5E44-D1A8-D36C-DB0DA26587B7}"/>
-              </a:ext>
-            </a:extLst>
-          </p:cNvPr>
-          <p:cNvSpPr>
-            <a:spLocks noGrp="1"/>
-          </p:cNvSpPr>
-          <p:nvPr>
-            <p:ph type="sldNum" sz="quarter" idx="12"/>
-          </p:nvPr>
-        </p:nvSpPr>
-        <p:spPr/>
-        <p:txBody>
-          <a:bodyPr/>
-          <a:lstStyle/>
-          <a:p>
-            <a:fld id="{F47845EA-7733-40EE-B074-20032348B727}" type="slidenum">
-              <a:rPr lang="en-US" smtClean="0"/>
-              <a:t>2</a:t>
-            </a:fld>
-            <a:endParaRPr lang="en-US"/>
-          </a:p>
-        </p:txBody>
-      </p:sp>
       <p:pic>
         <p:nvPicPr>
           <p:cNvPr id="8" name="Picture 7" descr="A close-up of a text&#10;&#10;Description automatically generated">
@@ -26783,63 +26516,6 @@
           <a:chExt cx="0" cy="0"/>
         </a:xfrm>
       </p:grpSpPr>
-      <p:sp>
-        <p:nvSpPr>
-          <p:cNvPr id="2" name="Footer Placeholder 1">
-            <a:extLst>
-              <a:ext uri="{FF2B5EF4-FFF2-40B4-BE49-F238E27FC236}">
-                <a16:creationId xmlns:a16="http://schemas.microsoft.com/office/drawing/2014/main" id="{577D6EC1-DFF8-97C7-A9DA-BCDB9C77D4E6}"/>
-              </a:ext>
-            </a:extLst>
-          </p:cNvPr>
-          <p:cNvSpPr>
-            <a:spLocks noGrp="1"/>
-          </p:cNvSpPr>
-          <p:nvPr>
-            <p:ph type="ftr" sz="quarter" idx="11"/>
-          </p:nvPr>
-        </p:nvSpPr>
-        <p:spPr/>
-        <p:txBody>
-          <a:bodyPr/>
-          <a:lstStyle/>
-          <a:p>
-            <a:r>
-              <a:rPr lang="en-US"/>
-              <a:t>Gabriele Carcassi - University of Michigan</a:t>
-            </a:r>
-          </a:p>
-        </p:txBody>
-      </p:sp>
-      <p:sp>
-        <p:nvSpPr>
-          <p:cNvPr id="3" name="Slide Number Placeholder 2">
-            <a:extLst>
-              <a:ext uri="{FF2B5EF4-FFF2-40B4-BE49-F238E27FC236}">
-                <a16:creationId xmlns:a16="http://schemas.microsoft.com/office/drawing/2014/main" id="{CCBCE4D4-6651-AC02-8A0D-0694016B5FAC}"/>
-              </a:ext>
-            </a:extLst>
-          </p:cNvPr>
-          <p:cNvSpPr>
-            <a:spLocks noGrp="1"/>
-          </p:cNvSpPr>
-          <p:nvPr>
-            <p:ph type="sldNum" sz="quarter" idx="12"/>
-          </p:nvPr>
-        </p:nvSpPr>
-        <p:spPr/>
-        <p:txBody>
-          <a:bodyPr/>
-          <a:lstStyle/>
-          <a:p>
-            <a:fld id="{F47845EA-7733-40EE-B074-20032348B727}" type="slidenum">
-              <a:rPr lang="en-US" smtClean="0"/>
-              <a:t>3</a:t>
-            </a:fld>
-            <a:endParaRPr lang="en-US"/>
-          </a:p>
-        </p:txBody>
-      </p:sp>
       <p:sp>
         <p:nvSpPr>
           <p:cNvPr id="4" name="TextBox 3">
@@ -29618,63 +29294,6 @@
       </p:grpSpPr>
       <p:sp>
         <p:nvSpPr>
-          <p:cNvPr id="2" name="Footer Placeholder 1">
-            <a:extLst>
-              <a:ext uri="{FF2B5EF4-FFF2-40B4-BE49-F238E27FC236}">
-                <a16:creationId xmlns:a16="http://schemas.microsoft.com/office/drawing/2014/main" id="{BE317FA4-C0AC-32CF-6606-FFE9AA503500}"/>
-              </a:ext>
-            </a:extLst>
-          </p:cNvPr>
-          <p:cNvSpPr>
-            <a:spLocks noGrp="1"/>
-          </p:cNvSpPr>
-          <p:nvPr>
-            <p:ph type="ftr" sz="quarter" idx="11"/>
-          </p:nvPr>
-        </p:nvSpPr>
-        <p:spPr/>
-        <p:txBody>
-          <a:bodyPr/>
-          <a:lstStyle/>
-          <a:p>
-            <a:r>
-              <a:rPr lang="en-US"/>
-              <a:t>Gabriele Carcassi - University of Michigan</a:t>
-            </a:r>
-          </a:p>
-        </p:txBody>
-      </p:sp>
-      <p:sp>
-        <p:nvSpPr>
-          <p:cNvPr id="3" name="Slide Number Placeholder 2">
-            <a:extLst>
-              <a:ext uri="{FF2B5EF4-FFF2-40B4-BE49-F238E27FC236}">
-                <a16:creationId xmlns:a16="http://schemas.microsoft.com/office/drawing/2014/main" id="{8C018ACC-C9A2-92B5-BDDC-3D39279A24AC}"/>
-              </a:ext>
-            </a:extLst>
-          </p:cNvPr>
-          <p:cNvSpPr>
-            <a:spLocks noGrp="1"/>
-          </p:cNvSpPr>
-          <p:nvPr>
-            <p:ph type="sldNum" sz="quarter" idx="12"/>
-          </p:nvPr>
-        </p:nvSpPr>
-        <p:spPr/>
-        <p:txBody>
-          <a:bodyPr/>
-          <a:lstStyle/>
-          <a:p>
-            <a:fld id="{F47845EA-7733-40EE-B074-20032348B727}" type="slidenum">
-              <a:rPr lang="en-US" smtClean="0"/>
-              <a:t>4</a:t>
-            </a:fld>
-            <a:endParaRPr lang="en-US"/>
-          </a:p>
-        </p:txBody>
-      </p:sp>
-      <p:sp>
-        <p:nvSpPr>
           <p:cNvPr id="4" name="TextBox 3">
             <a:extLst>
               <a:ext uri="{FF2B5EF4-FFF2-40B4-BE49-F238E27FC236}">
@@ -30438,7 +30057,7 @@
             <p:spPr>
               <a:xfrm>
                 <a:off x="6994463" y="1318490"/>
-                <a:ext cx="1795620" cy="473591"/>
+                <a:ext cx="2072106" cy="509178"/>
               </a:xfrm>
               <a:prstGeom prst="rect">
                 <a:avLst/>
@@ -30461,7 +30080,7 @@
                       <m:sSup>
                         <m:sSupPr>
                           <m:ctrlPr>
-                            <a:rPr lang="en-US" sz="2400" i="1">
+                            <a:rPr lang="en-US" sz="2400" i="1" smtClean="0">
                               <a:latin typeface="Cambria Math" panose="02040503050406030204" pitchFamily="18" charset="0"/>
                             </a:rPr>
                           </m:ctrlPr>
@@ -30514,37 +30133,48 @@
                           </m:r>
                         </m:sub>
                       </m:sSub>
-                      <m:r>
-                        <a:rPr lang="en-US" sz="2400" i="1">
-                          <a:latin typeface="Cambria Math" panose="02040503050406030204" pitchFamily="18" charset="0"/>
-                        </a:rPr>
-                        <m:t>𝑚</m:t>
-                      </m:r>
-                      <m:sSup>
-                        <m:sSupPr>
+                      <m:d>
+                        <m:dPr>
                           <m:ctrlPr>
-                            <a:rPr lang="en-US" sz="2400" i="1">
+                            <a:rPr lang="en-US" sz="2400" b="0" i="1" smtClean="0">
                               <a:latin typeface="Cambria Math" panose="02040503050406030204" pitchFamily="18" charset="0"/>
                             </a:rPr>
                           </m:ctrlPr>
-                        </m:sSupPr>
+                        </m:dPr>
                         <m:e>
                           <m:r>
                             <a:rPr lang="en-US" sz="2400" i="1">
                               <a:latin typeface="Cambria Math" panose="02040503050406030204" pitchFamily="18" charset="0"/>
                             </a:rPr>
-                            <m:t>𝑣</m:t>
+                            <m:t>𝑚</m:t>
                           </m:r>
+                          <m:sSup>
+                            <m:sSupPr>
+                              <m:ctrlPr>
+                                <a:rPr lang="en-US" sz="2400" i="1">
+                                  <a:latin typeface="Cambria Math" panose="02040503050406030204" pitchFamily="18" charset="0"/>
+                                </a:rPr>
+                              </m:ctrlPr>
+                            </m:sSupPr>
+                            <m:e>
+                              <m:r>
+                                <a:rPr lang="en-US" sz="2400" i="1">
+                                  <a:latin typeface="Cambria Math" panose="02040503050406030204" pitchFamily="18" charset="0"/>
+                                </a:rPr>
+                                <m:t>𝑣</m:t>
+                              </m:r>
+                            </m:e>
+                            <m:sup>
+                              <m:r>
+                                <a:rPr lang="en-US" sz="2400" i="1">
+                                  <a:latin typeface="Cambria Math" panose="02040503050406030204" pitchFamily="18" charset="0"/>
+                                </a:rPr>
+                                <m:t>𝑖</m:t>
+                              </m:r>
+                            </m:sup>
+                          </m:sSup>
                         </m:e>
-                        <m:sup>
-                          <m:r>
-                            <a:rPr lang="en-US" sz="2400" i="1">
-                              <a:latin typeface="Cambria Math" panose="02040503050406030204" pitchFamily="18" charset="0"/>
-                            </a:rPr>
-                            <m:t>𝑖</m:t>
-                          </m:r>
-                        </m:sup>
-                      </m:sSup>
+                      </m:d>
                     </m:oMath>
                   </m:oMathPara>
                 </a14:m>
@@ -30571,7 +30201,7 @@
             <p:spPr>
               <a:xfrm>
                 <a:off x="6994463" y="1318490"/>
-                <a:ext cx="1795620" cy="473591"/>
+                <a:ext cx="2072106" cy="509178"/>
               </a:xfrm>
               <a:prstGeom prst="rect">
                 <a:avLst/>
@@ -30579,7 +30209,7 @@
               <a:blipFill>
                 <a:blip r:embed="rId4"/>
                 <a:stretch>
-                  <a:fillRect b="-1282"/>
+                  <a:fillRect/>
                 </a:stretch>
               </a:blipFill>
             </p:spPr>
@@ -31368,7 +30998,7 @@
             <p:spPr>
               <a:xfrm>
                 <a:off x="6960736" y="4273549"/>
-                <a:ext cx="1863074" cy="547266"/>
+                <a:ext cx="1842299" cy="518155"/>
               </a:xfrm>
               <a:prstGeom prst="rect">
                 <a:avLst/>
@@ -31391,7 +31021,7 @@
                       <m:sSub>
                         <m:sSubPr>
                           <m:ctrlPr>
-                            <a:rPr lang="en-US" sz="2400" i="1">
+                            <a:rPr lang="en-US" sz="2400" i="1" smtClean="0">
                               <a:latin typeface="Cambria Math" panose="02040503050406030204" pitchFamily="18" charset="0"/>
                             </a:rPr>
                           </m:ctrlPr>
@@ -31461,31 +31091,31 @@
                           </m:r>
                         </m:e>
                         <m:sub>
-                          <m:sSup>
-                            <m:sSupPr>
+                          <m:sSub>
+                            <m:sSubPr>
                               <m:ctrlPr>
-                                <a:rPr lang="en-US" sz="2400" i="1">
+                                <a:rPr lang="en-US" sz="2400" b="0" i="1" smtClean="0">
                                   <a:latin typeface="Cambria Math" panose="02040503050406030204" pitchFamily="18" charset="0"/>
                                 </a:rPr>
                               </m:ctrlPr>
-                            </m:sSupPr>
+                            </m:sSubPr>
                             <m:e>
                               <m:r>
-                                <a:rPr lang="en-US" sz="2400" i="1">
+                                <a:rPr lang="en-US" sz="2400" b="0" i="1" smtClean="0">
                                   <a:latin typeface="Cambria Math" panose="02040503050406030204" pitchFamily="18" charset="0"/>
                                 </a:rPr>
                                 <m:t>𝑝</m:t>
                               </m:r>
                             </m:e>
-                            <m:sup>
+                            <m:sub>
                               <m:r>
-                                <a:rPr lang="en-US" sz="2400" i="1">
+                                <a:rPr lang="en-US" sz="2400" b="0" i="1" smtClean="0">
                                   <a:latin typeface="Cambria Math" panose="02040503050406030204" pitchFamily="18" charset="0"/>
                                 </a:rPr>
                                 <m:t>𝑖</m:t>
                               </m:r>
-                            </m:sup>
-                          </m:sSup>
+                            </m:sub>
+                          </m:sSub>
                         </m:sub>
                       </m:sSub>
                       <m:r>
@@ -31520,7 +31150,7 @@
             <p:spPr>
               <a:xfrm>
                 <a:off x="6960736" y="4273549"/>
-                <a:ext cx="1863074" cy="547266"/>
+                <a:ext cx="1842299" cy="518155"/>
               </a:xfrm>
               <a:prstGeom prst="rect">
                 <a:avLst/>
@@ -31935,7 +31565,7 @@
             <p:spPr>
               <a:xfrm>
                 <a:off x="6959967" y="4987816"/>
-                <a:ext cx="1864613" cy="547266"/>
+                <a:ext cx="2077300" cy="526811"/>
               </a:xfrm>
               <a:prstGeom prst="rect">
                 <a:avLst/>
@@ -31958,7 +31588,7 @@
                       <m:sSub>
                         <m:sSubPr>
                           <m:ctrlPr>
-                            <a:rPr lang="en-US" sz="2400" i="1">
+                            <a:rPr lang="en-US" sz="2400" i="1" smtClean="0">
                               <a:latin typeface="Cambria Math" panose="02040503050406030204" pitchFamily="18" charset="0"/>
                             </a:rPr>
                           </m:ctrlPr>
@@ -31980,36 +31610,42 @@
                           </m:r>
                         </m:sub>
                       </m:sSub>
-                      <m:sSup>
-                        <m:sSupPr>
+                      <m:sSub>
+                        <m:sSubPr>
                           <m:ctrlPr>
-                            <a:rPr lang="en-US" sz="2400" i="1">
+                            <a:rPr lang="en-US" sz="2400" b="0" i="1" smtClean="0">
                               <a:latin typeface="Cambria Math" panose="02040503050406030204" pitchFamily="18" charset="0"/>
                             </a:rPr>
                           </m:ctrlPr>
-                        </m:sSupPr>
+                        </m:sSubPr>
                         <m:e>
                           <m:r>
-                            <a:rPr lang="en-US" sz="2400" i="1">
+                            <a:rPr lang="en-US" sz="2400" b="0" i="1" smtClean="0">
                               <a:latin typeface="Cambria Math" panose="02040503050406030204" pitchFamily="18" charset="0"/>
                             </a:rPr>
                             <m:t>𝑝</m:t>
                           </m:r>
                         </m:e>
-                        <m:sup>
+                        <m:sub>
                           <m:r>
-                            <a:rPr lang="en-US" sz="2400" i="1">
+                            <a:rPr lang="en-US" sz="2400" b="0" i="1" smtClean="0">
                               <a:latin typeface="Cambria Math" panose="02040503050406030204" pitchFamily="18" charset="0"/>
                             </a:rPr>
                             <m:t>𝑖</m:t>
                           </m:r>
-                        </m:sup>
-                      </m:sSup>
+                        </m:sub>
+                      </m:sSub>
                       <m:r>
                         <a:rPr lang="en-US" sz="2400" i="1">
                           <a:latin typeface="Cambria Math" panose="02040503050406030204" pitchFamily="18" charset="0"/>
                         </a:rPr>
                         <m:t>=</m:t>
+                      </m:r>
+                      <m:r>
+                        <a:rPr lang="en-US" sz="2400" b="0" i="1" smtClean="0">
+                          <a:latin typeface="Cambria Math" panose="02040503050406030204" pitchFamily="18" charset="0"/>
+                        </a:rPr>
+                        <m:t>−</m:t>
                       </m:r>
                       <m:sSub>
                         <m:sSubPr>
@@ -32087,7 +31723,7 @@
             <p:spPr>
               <a:xfrm>
                 <a:off x="6959967" y="4987816"/>
-                <a:ext cx="1864613" cy="547266"/>
+                <a:ext cx="2077300" cy="526811"/>
               </a:xfrm>
               <a:prstGeom prst="rect">
                 <a:avLst/>
@@ -32095,7 +31731,7 @@
               <a:blipFill>
                 <a:blip r:embed="rId12"/>
                 <a:stretch>
-                  <a:fillRect/>
+                  <a:fillRect b="-5747"/>
                 </a:stretch>
               </a:blipFill>
             </p:spPr>
@@ -32131,7 +31767,7 @@
             <p:spPr>
               <a:xfrm>
                 <a:off x="4837715" y="3409268"/>
-                <a:ext cx="1586140" cy="504818"/>
+                <a:ext cx="1605183" cy="407291"/>
               </a:xfrm>
               <a:prstGeom prst="rect">
                 <a:avLst/>
@@ -32223,14 +31859,14 @@
                               </m:r>
                             </m:e>
                             <m:sub>
-                              <m:sSub>
-                                <m:sSubPr>
+                              <m:sSup>
+                                <m:sSupPr>
                                   <m:ctrlPr>
                                     <a:rPr lang="en-US" b="0" i="1" smtClean="0">
                                       <a:latin typeface="Cambria Math" panose="02040503050406030204" pitchFamily="18" charset="0"/>
                                     </a:rPr>
                                   </m:ctrlPr>
-                                </m:sSubPr>
+                                </m:sSupPr>
                                 <m:e>
                                   <m:r>
                                     <a:rPr lang="en-US" b="0" i="1" smtClean="0">
@@ -32239,15 +31875,15 @@
                                     <m:t>𝑣</m:t>
                                   </m:r>
                                 </m:e>
-                                <m:sub>
+                                <m:sup>
                                   <m:r>
                                     <a:rPr lang="en-US" b="0" i="1" smtClean="0">
                                       <a:latin typeface="Cambria Math" panose="02040503050406030204" pitchFamily="18" charset="0"/>
                                     </a:rPr>
                                     <m:t>𝑗</m:t>
                                   </m:r>
-                                </m:sub>
-                              </m:sSub>
+                                </m:sup>
+                              </m:sSup>
                             </m:sub>
                           </m:sSub>
                           <m:r>
@@ -32296,7 +31932,7 @@
             <p:spPr>
               <a:xfrm>
                 <a:off x="4837715" y="3409268"/>
-                <a:ext cx="1586140" cy="504818"/>
+                <a:ext cx="1605183" cy="407291"/>
               </a:xfrm>
               <a:prstGeom prst="rect">
                 <a:avLst/>
@@ -32304,7 +31940,7 @@
               <a:blipFill>
                 <a:blip r:embed="rId13"/>
                 <a:stretch>
-                  <a:fillRect b="-2410"/>
+                  <a:fillRect/>
                 </a:stretch>
               </a:blipFill>
             </p:spPr>
@@ -32496,8 +32132,8 @@
         </p:nvCxnSpPr>
         <p:spPr>
           <a:xfrm flipH="1">
-            <a:off x="6423855" y="3512557"/>
-            <a:ext cx="570608" cy="149120"/>
+            <a:off x="6442898" y="3512557"/>
+            <a:ext cx="551565" cy="100357"/>
           </a:xfrm>
           <a:prstGeom prst="line">
             <a:avLst/>
@@ -32586,63 +32222,6 @@
       </p:grpSpPr>
       <p:sp>
         <p:nvSpPr>
-          <p:cNvPr id="2" name="Footer Placeholder 1">
-            <a:extLst>
-              <a:ext uri="{FF2B5EF4-FFF2-40B4-BE49-F238E27FC236}">
-                <a16:creationId xmlns:a16="http://schemas.microsoft.com/office/drawing/2014/main" id="{A80B40F4-A1E9-3C73-B772-AF856A34A550}"/>
-              </a:ext>
-            </a:extLst>
-          </p:cNvPr>
-          <p:cNvSpPr>
-            <a:spLocks noGrp="1"/>
-          </p:cNvSpPr>
-          <p:nvPr>
-            <p:ph type="ftr" sz="quarter" idx="11"/>
-          </p:nvPr>
-        </p:nvSpPr>
-        <p:spPr/>
-        <p:txBody>
-          <a:bodyPr/>
-          <a:lstStyle/>
-          <a:p>
-            <a:r>
-              <a:rPr lang="en-US"/>
-              <a:t>Gabriele Carcassi - University of Michigan</a:t>
-            </a:r>
-          </a:p>
-        </p:txBody>
-      </p:sp>
-      <p:sp>
-        <p:nvSpPr>
-          <p:cNvPr id="3" name="Slide Number Placeholder 2">
-            <a:extLst>
-              <a:ext uri="{FF2B5EF4-FFF2-40B4-BE49-F238E27FC236}">
-                <a16:creationId xmlns:a16="http://schemas.microsoft.com/office/drawing/2014/main" id="{766FB11F-C394-6DEA-12D0-238DA99130C7}"/>
-              </a:ext>
-            </a:extLst>
-          </p:cNvPr>
-          <p:cNvSpPr>
-            <a:spLocks noGrp="1"/>
-          </p:cNvSpPr>
-          <p:nvPr>
-            <p:ph type="sldNum" sz="quarter" idx="12"/>
-          </p:nvPr>
-        </p:nvSpPr>
-        <p:spPr/>
-        <p:txBody>
-          <a:bodyPr/>
-          <a:lstStyle/>
-          <a:p>
-            <a:fld id="{F47845EA-7733-40EE-B074-20032348B727}" type="slidenum">
-              <a:rPr lang="en-US" smtClean="0"/>
-              <a:t>5</a:t>
-            </a:fld>
-            <a:endParaRPr lang="en-US"/>
-          </a:p>
-        </p:txBody>
-      </p:sp>
-      <p:sp>
-        <p:nvSpPr>
           <p:cNvPr id="5" name="TextBox 4">
             <a:extLst>
               <a:ext uri="{FF2B5EF4-FFF2-40B4-BE49-F238E27FC236}">
@@ -32671,7 +32250,7 @@
           <a:p>
             <a:r>
               <a:rPr lang="en-US" sz="2000" dirty="0"/>
-              <a:t>Newtonian: Three independently chosen functions (i.e. the Forces) of position and velocity</a:t>
+              <a:t>Newtonian: Three independently chosen functions (i.e. the forces) of position and velocity</a:t>
             </a:r>
           </a:p>
         </p:txBody>
@@ -33325,10 +32904,10 @@
         </p:nvGrpSpPr>
         <p:grpSpPr>
           <a:xfrm>
-            <a:off x="357521" y="2165070"/>
-            <a:ext cx="7667983" cy="1188146"/>
-            <a:chOff x="528506" y="2735169"/>
-            <a:chExt cx="7667983" cy="1188146"/>
+            <a:off x="38075" y="2205145"/>
+            <a:ext cx="7987429" cy="1109485"/>
+            <a:chOff x="209060" y="2775244"/>
+            <a:chExt cx="7987429" cy="1109485"/>
           </a:xfrm>
         </p:grpSpPr>
         <mc:AlternateContent xmlns:mc="http://schemas.openxmlformats.org/markup-compatibility/2006" xmlns:a14="http://schemas.microsoft.com/office/drawing/2010/main">
@@ -33347,8 +32926,8 @@
               </p:nvSpPr>
               <p:spPr>
                 <a:xfrm>
-                  <a:off x="528506" y="2735169"/>
-                  <a:ext cx="3888629" cy="1188146"/>
+                  <a:off x="209060" y="2776733"/>
+                  <a:ext cx="4527521" cy="1107996"/>
                 </a:xfrm>
                 <a:prstGeom prst="rect">
                   <a:avLst/>
@@ -33374,14 +32953,14 @@
                           </a:rPr>
                           <m:t>[</m:t>
                         </m:r>
-                        <m:sSub>
-                          <m:sSubPr>
+                        <m:sSup>
+                          <m:sSupPr>
                             <m:ctrlPr>
                               <a:rPr lang="en-US" sz="6600" b="0" i="1" smtClean="0">
                                 <a:latin typeface="Cambria Math" panose="02040503050406030204" pitchFamily="18" charset="0"/>
                               </a:rPr>
                             </m:ctrlPr>
-                          </m:sSubPr>
+                          </m:sSupPr>
                           <m:e>
                             <m:r>
                               <a:rPr lang="en-US" sz="6600" b="0" i="1" smtClean="0">
@@ -33390,29 +32969,29 @@
                               <m:t>𝐹</m:t>
                             </m:r>
                           </m:e>
-                          <m:sub>
+                          <m:sup>
                             <m:r>
                               <a:rPr lang="en-US" sz="6600" b="0" i="1" smtClean="0">
                                 <a:latin typeface="Cambria Math" panose="02040503050406030204" pitchFamily="18" charset="0"/>
                               </a:rPr>
                               <m:t>𝑥</m:t>
                             </m:r>
-                          </m:sub>
-                        </m:sSub>
+                          </m:sup>
+                        </m:sSup>
                         <m:r>
                           <a:rPr lang="en-US" sz="6600" b="0" i="1" smtClean="0">
                             <a:latin typeface="Cambria Math" panose="02040503050406030204" pitchFamily="18" charset="0"/>
                           </a:rPr>
                           <m:t>,</m:t>
                         </m:r>
-                        <m:sSub>
-                          <m:sSubPr>
+                        <m:sSup>
+                          <m:sSupPr>
                             <m:ctrlPr>
                               <a:rPr lang="en-US" sz="6600" i="1">
                                 <a:latin typeface="Cambria Math" panose="02040503050406030204" pitchFamily="18" charset="0"/>
                               </a:rPr>
                             </m:ctrlPr>
-                          </m:sSubPr>
+                          </m:sSupPr>
                           <m:e>
                             <m:r>
                               <a:rPr lang="en-US" sz="6600" i="1">
@@ -33421,46 +33000,46 @@
                               <m:t>𝐹</m:t>
                             </m:r>
                           </m:e>
-                          <m:sub>
+                          <m:sup>
                             <m:r>
-                              <a:rPr lang="en-US" sz="6600" i="1">
+                              <a:rPr lang="en-US" sz="6600" b="0" i="1" smtClean="0">
                                 <a:latin typeface="Cambria Math" panose="02040503050406030204" pitchFamily="18" charset="0"/>
                               </a:rPr>
                               <m:t>𝑦</m:t>
                             </m:r>
-                          </m:sub>
-                        </m:sSub>
+                          </m:sup>
+                        </m:sSup>
                         <m:r>
                           <a:rPr lang="en-US" sz="6600" b="0" i="1" smtClean="0">
                             <a:latin typeface="Cambria Math" panose="02040503050406030204" pitchFamily="18" charset="0"/>
                           </a:rPr>
                           <m:t>,</m:t>
                         </m:r>
-                        <m:sSub>
-                          <m:sSubPr>
+                        <m:sSup>
+                          <m:sSupPr>
                             <m:ctrlPr>
-                              <a:rPr lang="en-US" sz="6600" b="0" i="1" smtClean="0">
+                              <a:rPr lang="en-US" sz="6600" i="1">
                                 <a:latin typeface="Cambria Math" panose="02040503050406030204" pitchFamily="18" charset="0"/>
                               </a:rPr>
                             </m:ctrlPr>
-                          </m:sSubPr>
+                          </m:sSupPr>
                           <m:e>
                             <m:r>
-                              <a:rPr lang="en-US" sz="6600" b="0" i="1" smtClean="0">
+                              <a:rPr lang="en-US" sz="6600" i="1">
                                 <a:latin typeface="Cambria Math" panose="02040503050406030204" pitchFamily="18" charset="0"/>
                               </a:rPr>
                               <m:t>𝐹</m:t>
                             </m:r>
                           </m:e>
-                          <m:sub>
+                          <m:sup>
                             <m:r>
                               <a:rPr lang="en-US" sz="6600" b="0" i="1" smtClean="0">
                                 <a:latin typeface="Cambria Math" panose="02040503050406030204" pitchFamily="18" charset="0"/>
                               </a:rPr>
                               <m:t>𝑧</m:t>
                             </m:r>
-                          </m:sub>
-                        </m:sSub>
+                          </m:sup>
+                        </m:sSup>
                         <m:r>
                           <a:rPr lang="en-US" sz="6600" b="0" i="1" smtClean="0">
                             <a:latin typeface="Cambria Math" panose="02040503050406030204" pitchFamily="18" charset="0"/>
@@ -33492,8 +33071,8 @@
               </p:nvSpPr>
               <p:spPr>
                 <a:xfrm>
-                  <a:off x="528506" y="2735169"/>
-                  <a:ext cx="3888629" cy="1188146"/>
+                  <a:off x="209060" y="2776733"/>
+                  <a:ext cx="4527521" cy="1107996"/>
                 </a:xfrm>
                 <a:prstGeom prst="rect">
                   <a:avLst/>
@@ -33729,9 +33308,9 @@
             <p:nvPr/>
           </p:nvCxnSpPr>
           <p:spPr>
-            <a:xfrm>
-              <a:off x="4417135" y="3329242"/>
-              <a:ext cx="960160" cy="0"/>
+            <a:xfrm flipV="1">
+              <a:off x="4736581" y="3329242"/>
+              <a:ext cx="640714" cy="1489"/>
             </a:xfrm>
             <a:prstGeom prst="straightConnector1">
               <a:avLst/>
@@ -33980,7 +33559,7 @@
         </p:nvCxnSpPr>
         <p:spPr>
           <a:xfrm flipH="1">
-            <a:off x="2301836" y="1570381"/>
+            <a:off x="2301836" y="1611945"/>
             <a:ext cx="116278" cy="594689"/>
           </a:xfrm>
           <a:prstGeom prst="line">
@@ -34034,63 +33613,6 @@
       </p:grpSpPr>
       <p:sp>
         <p:nvSpPr>
-          <p:cNvPr id="2" name="Footer Placeholder 1">
-            <a:extLst>
-              <a:ext uri="{FF2B5EF4-FFF2-40B4-BE49-F238E27FC236}">
-                <a16:creationId xmlns:a16="http://schemas.microsoft.com/office/drawing/2014/main" id="{A80B40F4-A1E9-3C73-B772-AF856A34A550}"/>
-              </a:ext>
-            </a:extLst>
-          </p:cNvPr>
-          <p:cNvSpPr>
-            <a:spLocks noGrp="1"/>
-          </p:cNvSpPr>
-          <p:nvPr>
-            <p:ph type="ftr" sz="quarter" idx="11"/>
-          </p:nvPr>
-        </p:nvSpPr>
-        <p:spPr/>
-        <p:txBody>
-          <a:bodyPr/>
-          <a:lstStyle/>
-          <a:p>
-            <a:r>
-              <a:rPr lang="en-US"/>
-              <a:t>Gabriele Carcassi - University of Michigan</a:t>
-            </a:r>
-          </a:p>
-        </p:txBody>
-      </p:sp>
-      <p:sp>
-        <p:nvSpPr>
-          <p:cNvPr id="3" name="Slide Number Placeholder 2">
-            <a:extLst>
-              <a:ext uri="{FF2B5EF4-FFF2-40B4-BE49-F238E27FC236}">
-                <a16:creationId xmlns:a16="http://schemas.microsoft.com/office/drawing/2014/main" id="{766FB11F-C394-6DEA-12D0-238DA99130C7}"/>
-              </a:ext>
-            </a:extLst>
-          </p:cNvPr>
-          <p:cNvSpPr>
-            <a:spLocks noGrp="1"/>
-          </p:cNvSpPr>
-          <p:nvPr>
-            <p:ph type="sldNum" sz="quarter" idx="12"/>
-          </p:nvPr>
-        </p:nvSpPr>
-        <p:spPr/>
-        <p:txBody>
-          <a:bodyPr/>
-          <a:lstStyle/>
-          <a:p>
-            <a:fld id="{F47845EA-7733-40EE-B074-20032348B727}" type="slidenum">
-              <a:rPr lang="en-US" smtClean="0"/>
-              <a:t>6</a:t>
-            </a:fld>
-            <a:endParaRPr lang="en-US"/>
-          </a:p>
-        </p:txBody>
-      </p:sp>
-      <p:sp>
-        <p:nvSpPr>
           <p:cNvPr id="5" name="TextBox 4">
             <a:extLst>
               <a:ext uri="{FF2B5EF4-FFF2-40B4-BE49-F238E27FC236}">
@@ -34119,7 +33641,7 @@
           <a:p>
             <a:r>
               <a:rPr lang="en-US" sz="2000" dirty="0"/>
-              <a:t>Newtonian: Three independently chosen functions (i.e. the Forces) of position and velocity</a:t>
+              <a:t>Newtonian: Three independently chosen functions (i.e. the forces) of position and velocity</a:t>
             </a:r>
           </a:p>
         </p:txBody>
@@ -34779,10 +34301,10 @@
         </p:nvGrpSpPr>
         <p:grpSpPr>
           <a:xfrm>
-            <a:off x="357521" y="2165070"/>
-            <a:ext cx="7667983" cy="1188146"/>
-            <a:chOff x="528506" y="2735169"/>
-            <a:chExt cx="7667983" cy="1188146"/>
+            <a:off x="38075" y="2205145"/>
+            <a:ext cx="7987429" cy="1109485"/>
+            <a:chOff x="209060" y="2775244"/>
+            <a:chExt cx="7987429" cy="1109485"/>
           </a:xfrm>
         </p:grpSpPr>
         <mc:AlternateContent xmlns:mc="http://schemas.openxmlformats.org/markup-compatibility/2006" xmlns:a14="http://schemas.microsoft.com/office/drawing/2010/main">
@@ -34801,8 +34323,8 @@
               </p:nvSpPr>
               <p:spPr>
                 <a:xfrm>
-                  <a:off x="528506" y="2735169"/>
-                  <a:ext cx="3888629" cy="1188146"/>
+                  <a:off x="209060" y="2776733"/>
+                  <a:ext cx="4527521" cy="1107996"/>
                 </a:xfrm>
                 <a:prstGeom prst="rect">
                   <a:avLst/>
@@ -34828,14 +34350,14 @@
                           </a:rPr>
                           <m:t>[</m:t>
                         </m:r>
-                        <m:sSub>
-                          <m:sSubPr>
+                        <m:sSup>
+                          <m:sSupPr>
                             <m:ctrlPr>
                               <a:rPr lang="en-US" sz="6600" b="0" i="1" smtClean="0">
                                 <a:latin typeface="Cambria Math" panose="02040503050406030204" pitchFamily="18" charset="0"/>
                               </a:rPr>
                             </m:ctrlPr>
-                          </m:sSubPr>
+                          </m:sSupPr>
                           <m:e>
                             <m:r>
                               <a:rPr lang="en-US" sz="6600" b="0" i="1" smtClean="0">
@@ -34844,29 +34366,29 @@
                               <m:t>𝐹</m:t>
                             </m:r>
                           </m:e>
-                          <m:sub>
+                          <m:sup>
                             <m:r>
                               <a:rPr lang="en-US" sz="6600" b="0" i="1" smtClean="0">
                                 <a:latin typeface="Cambria Math" panose="02040503050406030204" pitchFamily="18" charset="0"/>
                               </a:rPr>
                               <m:t>𝑥</m:t>
                             </m:r>
-                          </m:sub>
-                        </m:sSub>
+                          </m:sup>
+                        </m:sSup>
                         <m:r>
                           <a:rPr lang="en-US" sz="6600" b="0" i="1" smtClean="0">
                             <a:latin typeface="Cambria Math" panose="02040503050406030204" pitchFamily="18" charset="0"/>
                           </a:rPr>
                           <m:t>,</m:t>
                         </m:r>
-                        <m:sSub>
-                          <m:sSubPr>
+                        <m:sSup>
+                          <m:sSupPr>
                             <m:ctrlPr>
                               <a:rPr lang="en-US" sz="6600" i="1">
                                 <a:latin typeface="Cambria Math" panose="02040503050406030204" pitchFamily="18" charset="0"/>
                               </a:rPr>
                             </m:ctrlPr>
-                          </m:sSubPr>
+                          </m:sSupPr>
                           <m:e>
                             <m:r>
                               <a:rPr lang="en-US" sz="6600" i="1">
@@ -34875,46 +34397,46 @@
                               <m:t>𝐹</m:t>
                             </m:r>
                           </m:e>
-                          <m:sub>
+                          <m:sup>
                             <m:r>
-                              <a:rPr lang="en-US" sz="6600" i="1">
+                              <a:rPr lang="en-US" sz="6600" b="0" i="1" smtClean="0">
                                 <a:latin typeface="Cambria Math" panose="02040503050406030204" pitchFamily="18" charset="0"/>
                               </a:rPr>
                               <m:t>𝑦</m:t>
                             </m:r>
-                          </m:sub>
-                        </m:sSub>
+                          </m:sup>
+                        </m:sSup>
                         <m:r>
                           <a:rPr lang="en-US" sz="6600" b="0" i="1" smtClean="0">
                             <a:latin typeface="Cambria Math" panose="02040503050406030204" pitchFamily="18" charset="0"/>
                           </a:rPr>
                           <m:t>,</m:t>
                         </m:r>
-                        <m:sSub>
-                          <m:sSubPr>
+                        <m:sSup>
+                          <m:sSupPr>
                             <m:ctrlPr>
-                              <a:rPr lang="en-US" sz="6600" b="0" i="1" smtClean="0">
+                              <a:rPr lang="en-US" sz="6600" i="1">
                                 <a:latin typeface="Cambria Math" panose="02040503050406030204" pitchFamily="18" charset="0"/>
                               </a:rPr>
                             </m:ctrlPr>
-                          </m:sSubPr>
+                          </m:sSupPr>
                           <m:e>
                             <m:r>
-                              <a:rPr lang="en-US" sz="6600" b="0" i="1" smtClean="0">
+                              <a:rPr lang="en-US" sz="6600" i="1">
                                 <a:latin typeface="Cambria Math" panose="02040503050406030204" pitchFamily="18" charset="0"/>
                               </a:rPr>
                               <m:t>𝐹</m:t>
                             </m:r>
                           </m:e>
-                          <m:sub>
+                          <m:sup>
                             <m:r>
                               <a:rPr lang="en-US" sz="6600" b="0" i="1" smtClean="0">
                                 <a:latin typeface="Cambria Math" panose="02040503050406030204" pitchFamily="18" charset="0"/>
                               </a:rPr>
                               <m:t>𝑧</m:t>
                             </m:r>
-                          </m:sub>
-                        </m:sSub>
+                          </m:sup>
+                        </m:sSup>
                         <m:r>
                           <a:rPr lang="en-US" sz="6600" b="0" i="1" smtClean="0">
                             <a:latin typeface="Cambria Math" panose="02040503050406030204" pitchFamily="18" charset="0"/>
@@ -34946,8 +34468,8 @@
               </p:nvSpPr>
               <p:spPr>
                 <a:xfrm>
-                  <a:off x="528506" y="2735169"/>
-                  <a:ext cx="3888629" cy="1188146"/>
+                  <a:off x="209060" y="2776733"/>
+                  <a:ext cx="4527521" cy="1107996"/>
                 </a:xfrm>
                 <a:prstGeom prst="rect">
                   <a:avLst/>
@@ -35183,9 +34705,9 @@
             <p:nvPr/>
           </p:nvCxnSpPr>
           <p:spPr>
-            <a:xfrm>
-              <a:off x="4417135" y="3329242"/>
-              <a:ext cx="960160" cy="0"/>
+            <a:xfrm flipV="1">
+              <a:off x="4736581" y="3329242"/>
+              <a:ext cx="640714" cy="1489"/>
             </a:xfrm>
             <a:prstGeom prst="straightConnector1">
               <a:avLst/>
@@ -35434,7 +34956,7 @@
         </p:nvCxnSpPr>
         <p:spPr>
           <a:xfrm flipH="1">
-            <a:off x="2301836" y="1570381"/>
+            <a:off x="2301836" y="1611945"/>
             <a:ext cx="116278" cy="594689"/>
           </a:xfrm>
           <a:prstGeom prst="line">
@@ -35459,7 +34981,7 @@
     </p:spTree>
     <p:extLst>
       <p:ext uri="{BB962C8B-B14F-4D97-AF65-F5344CB8AC3E}">
-        <p14:creationId xmlns:p14="http://schemas.microsoft.com/office/powerpoint/2010/main" val="2415886538"/>
+        <p14:creationId xmlns:p14="http://schemas.microsoft.com/office/powerpoint/2010/main" val="2161604464"/>
       </p:ext>
     </p:extLst>
   </p:cSld>
@@ -35486,63 +35008,6 @@
           <a:chExt cx="0" cy="0"/>
         </a:xfrm>
       </p:grpSpPr>
-      <p:sp>
-        <p:nvSpPr>
-          <p:cNvPr id="2" name="Footer Placeholder 1">
-            <a:extLst>
-              <a:ext uri="{FF2B5EF4-FFF2-40B4-BE49-F238E27FC236}">
-                <a16:creationId xmlns:a16="http://schemas.microsoft.com/office/drawing/2014/main" id="{C78621A0-EF9F-2B44-0373-70CDEB1A25A1}"/>
-              </a:ext>
-            </a:extLst>
-          </p:cNvPr>
-          <p:cNvSpPr>
-            <a:spLocks noGrp="1"/>
-          </p:cNvSpPr>
-          <p:nvPr>
-            <p:ph type="ftr" sz="quarter" idx="11"/>
-          </p:nvPr>
-        </p:nvSpPr>
-        <p:spPr/>
-        <p:txBody>
-          <a:bodyPr/>
-          <a:lstStyle/>
-          <a:p>
-            <a:r>
-              <a:rPr lang="en-US"/>
-              <a:t>Gabriele Carcassi - University of Michigan</a:t>
-            </a:r>
-          </a:p>
-        </p:txBody>
-      </p:sp>
-      <p:sp>
-        <p:nvSpPr>
-          <p:cNvPr id="3" name="Slide Number Placeholder 2">
-            <a:extLst>
-              <a:ext uri="{FF2B5EF4-FFF2-40B4-BE49-F238E27FC236}">
-                <a16:creationId xmlns:a16="http://schemas.microsoft.com/office/drawing/2014/main" id="{F4F841A9-50FB-1423-C2AD-0DADF689445A}"/>
-              </a:ext>
-            </a:extLst>
-          </p:cNvPr>
-          <p:cNvSpPr>
-            <a:spLocks noGrp="1"/>
-          </p:cNvSpPr>
-          <p:nvPr>
-            <p:ph type="sldNum" sz="quarter" idx="12"/>
-          </p:nvPr>
-        </p:nvSpPr>
-        <p:spPr/>
-        <p:txBody>
-          <a:bodyPr/>
-          <a:lstStyle/>
-          <a:p>
-            <a:fld id="{F47845EA-7733-40EE-B074-20032348B727}" type="slidenum">
-              <a:rPr lang="en-US" smtClean="0"/>
-              <a:t>7</a:t>
-            </a:fld>
-            <a:endParaRPr lang="en-US"/>
-          </a:p>
-        </p:txBody>
-      </p:sp>
       <mc:AlternateContent xmlns:mc="http://schemas.openxmlformats.org/markup-compatibility/2006" xmlns:a14="http://schemas.microsoft.com/office/drawing/2010/main">
         <mc:Choice Requires="a14">
           <p:sp>
@@ -38686,8 +38151,8 @@
             </p:nvSpPr>
             <p:spPr>
               <a:xfrm>
-                <a:off x="836634" y="3877408"/>
-                <a:ext cx="8833444" cy="995209"/>
+                <a:off x="493731" y="3877408"/>
+                <a:ext cx="9301521" cy="995209"/>
               </a:xfrm>
               <a:prstGeom prst="rect">
                 <a:avLst/>
@@ -38862,123 +38327,171 @@
                           </m:r>
                         </m:sup>
                       </m:sSup>
-                      <m:sSub>
-                        <m:sSubPr>
+                      <m:d>
+                        <m:dPr>
                           <m:ctrlPr>
-                            <a:rPr lang="en-US" sz="4400" i="1">
+                            <a:rPr lang="en-US" sz="4400" b="0" i="1" smtClean="0">
                               <a:latin typeface="Cambria Math" panose="02040503050406030204" pitchFamily="18" charset="0"/>
                             </a:rPr>
                           </m:ctrlPr>
-                        </m:sSubPr>
+                        </m:dPr>
                         <m:e>
-                          <m:r>
-                            <a:rPr lang="en-US" sz="4400" i="1">
-                              <a:latin typeface="Cambria Math" panose="02040503050406030204" pitchFamily="18" charset="0"/>
-                            </a:rPr>
-                            <m:t>𝜕</m:t>
-                          </m:r>
-                        </m:e>
-                        <m:sub>
-                          <m:sSup>
-                            <m:sSupPr>
+                          <m:sSub>
+                            <m:sSubPr>
                               <m:ctrlPr>
                                 <a:rPr lang="en-US" sz="4400" i="1">
                                   <a:latin typeface="Cambria Math" panose="02040503050406030204" pitchFamily="18" charset="0"/>
                                 </a:rPr>
                               </m:ctrlPr>
-                            </m:sSupPr>
+                            </m:sSubPr>
                             <m:e>
                               <m:r>
                                 <a:rPr lang="en-US" sz="4400" i="1">
                                   <a:latin typeface="Cambria Math" panose="02040503050406030204" pitchFamily="18" charset="0"/>
                                 </a:rPr>
-                                <m:t>𝑥</m:t>
+                                <m:t>𝜕</m:t>
                               </m:r>
                             </m:e>
-                            <m:sup>
-                              <m:r>
-                                <a:rPr lang="en-US" sz="4400" i="1">
-                                  <a:latin typeface="Cambria Math" panose="02040503050406030204" pitchFamily="18" charset="0"/>
-                                </a:rPr>
-                                <m:t>𝑖</m:t>
-                              </m:r>
-                            </m:sup>
-                          </m:sSup>
-                        </m:sub>
-                      </m:sSub>
-                      <m:r>
-                        <a:rPr lang="en-US" sz="4400" i="1">
-                          <a:latin typeface="Cambria Math" panose="02040503050406030204" pitchFamily="18" charset="0"/>
-                        </a:rPr>
-                        <m:t>𝐿</m:t>
-                      </m:r>
-                      <m:r>
-                        <a:rPr lang="en-US" sz="4400" i="1">
-                          <a:latin typeface="Cambria Math" panose="02040503050406030204" pitchFamily="18" charset="0"/>
-                        </a:rPr>
-                        <m:t>−</m:t>
-                      </m:r>
-                      <m:sSub>
-                        <m:sSubPr>
-                          <m:ctrlPr>
-                            <a:rPr lang="en-US" sz="4400" i="1">
-                              <a:latin typeface="Cambria Math" panose="02040503050406030204" pitchFamily="18" charset="0"/>
-                            </a:rPr>
-                          </m:ctrlPr>
-                        </m:sSubPr>
-                        <m:e>
+                            <m:sub>
+                              <m:sSup>
+                                <m:sSupPr>
+                                  <m:ctrlPr>
+                                    <a:rPr lang="en-US" sz="4400" i="1">
+                                      <a:latin typeface="Cambria Math" panose="02040503050406030204" pitchFamily="18" charset="0"/>
+                                    </a:rPr>
+                                  </m:ctrlPr>
+                                </m:sSupPr>
+                                <m:e>
+                                  <m:r>
+                                    <a:rPr lang="en-US" sz="4400" i="1">
+                                      <a:latin typeface="Cambria Math" panose="02040503050406030204" pitchFamily="18" charset="0"/>
+                                    </a:rPr>
+                                    <m:t>𝑥</m:t>
+                                  </m:r>
+                                </m:e>
+                                <m:sup>
+                                  <m:r>
+                                    <a:rPr lang="en-US" sz="4400" i="1">
+                                      <a:latin typeface="Cambria Math" panose="02040503050406030204" pitchFamily="18" charset="0"/>
+                                    </a:rPr>
+                                    <m:t>𝑖</m:t>
+                                  </m:r>
+                                </m:sup>
+                              </m:sSup>
+                            </m:sub>
+                          </m:sSub>
                           <m:r>
                             <a:rPr lang="en-US" sz="4400" i="1">
                               <a:latin typeface="Cambria Math" panose="02040503050406030204" pitchFamily="18" charset="0"/>
                             </a:rPr>
-                            <m:t>𝜕</m:t>
+                            <m:t>𝐿</m:t>
                           </m:r>
-                        </m:e>
-                        <m:sub>
-                          <m:sSup>
-                            <m:sSupPr>
+                          <m:r>
+                            <a:rPr lang="en-US" sz="4400" i="1">
+                              <a:latin typeface="Cambria Math" panose="02040503050406030204" pitchFamily="18" charset="0"/>
+                            </a:rPr>
+                            <m:t>−</m:t>
+                          </m:r>
+                          <m:sSub>
+                            <m:sSubPr>
                               <m:ctrlPr>
                                 <a:rPr lang="en-US" sz="4400" i="1">
                                   <a:latin typeface="Cambria Math" panose="02040503050406030204" pitchFamily="18" charset="0"/>
                                 </a:rPr>
                               </m:ctrlPr>
-                            </m:sSupPr>
+                            </m:sSubPr>
                             <m:e>
                               <m:r>
                                 <a:rPr lang="en-US" sz="4400" i="1">
                                   <a:latin typeface="Cambria Math" panose="02040503050406030204" pitchFamily="18" charset="0"/>
                                 </a:rPr>
-                                <m:t>𝑥</m:t>
+                                <m:t>𝜕</m:t>
                               </m:r>
                             </m:e>
-                            <m:sup>
+                            <m:sub>
+                              <m:sSup>
+                                <m:sSupPr>
+                                  <m:ctrlPr>
+                                    <a:rPr lang="en-US" sz="4400" i="1">
+                                      <a:latin typeface="Cambria Math" panose="02040503050406030204" pitchFamily="18" charset="0"/>
+                                    </a:rPr>
+                                  </m:ctrlPr>
+                                </m:sSupPr>
+                                <m:e>
+                                  <m:r>
+                                    <a:rPr lang="en-US" sz="4400" i="1">
+                                      <a:latin typeface="Cambria Math" panose="02040503050406030204" pitchFamily="18" charset="0"/>
+                                    </a:rPr>
+                                    <m:t>𝑥</m:t>
+                                  </m:r>
+                                </m:e>
+                                <m:sup>
+                                  <m:r>
+                                    <a:rPr lang="en-US" sz="4400" i="1">
+                                      <a:latin typeface="Cambria Math" panose="02040503050406030204" pitchFamily="18" charset="0"/>
+                                    </a:rPr>
+                                    <m:t>𝑗</m:t>
+                                  </m:r>
+                                </m:sup>
+                              </m:sSup>
+                            </m:sub>
+                          </m:sSub>
+                          <m:sSub>
+                            <m:sSubPr>
+                              <m:ctrlPr>
+                                <a:rPr lang="en-US" sz="4400" i="1">
+                                  <a:latin typeface="Cambria Math" panose="02040503050406030204" pitchFamily="18" charset="0"/>
+                                </a:rPr>
+                              </m:ctrlPr>
+                            </m:sSubPr>
+                            <m:e>
                               <m:r>
                                 <a:rPr lang="en-US" sz="4400" i="1">
                                   <a:latin typeface="Cambria Math" panose="02040503050406030204" pitchFamily="18" charset="0"/>
                                 </a:rPr>
-                                <m:t>𝑗</m:t>
+                                <m:t>𝜕</m:t>
                               </m:r>
-                            </m:sup>
-                          </m:sSup>
-                        </m:sub>
-                      </m:sSub>
-                      <m:sSub>
-                        <m:sSubPr>
-                          <m:ctrlPr>
-                            <a:rPr lang="en-US" sz="4400" i="1">
-                              <a:latin typeface="Cambria Math" panose="02040503050406030204" pitchFamily="18" charset="0"/>
-                            </a:rPr>
-                          </m:ctrlPr>
-                        </m:sSubPr>
-                        <m:e>
+                            </m:e>
+                            <m:sub>
+                              <m:sSup>
+                                <m:sSupPr>
+                                  <m:ctrlPr>
+                                    <a:rPr lang="en-US" sz="4400" i="1">
+                                      <a:latin typeface="Cambria Math" panose="02040503050406030204" pitchFamily="18" charset="0"/>
+                                    </a:rPr>
+                                  </m:ctrlPr>
+                                </m:sSupPr>
+                                <m:e>
+                                  <m:r>
+                                    <a:rPr lang="en-US" sz="4400" i="1">
+                                      <a:latin typeface="Cambria Math" panose="02040503050406030204" pitchFamily="18" charset="0"/>
+                                    </a:rPr>
+                                    <m:t>𝑣</m:t>
+                                  </m:r>
+                                </m:e>
+                                <m:sup>
+                                  <m:r>
+                                    <a:rPr lang="en-US" sz="4400" i="1">
+                                      <a:latin typeface="Cambria Math" panose="02040503050406030204" pitchFamily="18" charset="0"/>
+                                    </a:rPr>
+                                    <m:t>𝑖</m:t>
+                                  </m:r>
+                                </m:sup>
+                              </m:sSup>
+                            </m:sub>
+                          </m:sSub>
                           <m:r>
                             <a:rPr lang="en-US" sz="4400" i="1">
                               <a:latin typeface="Cambria Math" panose="02040503050406030204" pitchFamily="18" charset="0"/>
                             </a:rPr>
-                            <m:t>𝜕</m:t>
+                            <m:t>𝐿</m:t>
                           </m:r>
-                        </m:e>
-                        <m:sub>
+                          <m:r>
+                            <a:rPr lang="en-US" sz="4400" b="0" i="1" smtClean="0">
+                              <a:latin typeface="Cambria Math" panose="02040503050406030204" pitchFamily="18" charset="0"/>
+                            </a:rPr>
+                            <m:t> </m:t>
+                          </m:r>
                           <m:sSup>
                             <m:sSupPr>
                               <m:ctrlPr>
@@ -39000,49 +38513,12 @@
                                 <a:rPr lang="en-US" sz="4400" i="1">
                                   <a:latin typeface="Cambria Math" panose="02040503050406030204" pitchFamily="18" charset="0"/>
                                 </a:rPr>
-                                <m:t>𝑖</m:t>
+                                <m:t>𝑗</m:t>
                               </m:r>
                             </m:sup>
                           </m:sSup>
-                        </m:sub>
-                      </m:sSub>
-                      <m:r>
-                        <a:rPr lang="en-US" sz="4400" i="1">
-                          <a:latin typeface="Cambria Math" panose="02040503050406030204" pitchFamily="18" charset="0"/>
-                        </a:rPr>
-                        <m:t>𝐿</m:t>
-                      </m:r>
-                      <m:r>
-                        <a:rPr lang="en-US" sz="4400" b="0" i="1" smtClean="0">
-                          <a:latin typeface="Cambria Math" panose="02040503050406030204" pitchFamily="18" charset="0"/>
-                        </a:rPr>
-                        <m:t> </m:t>
-                      </m:r>
-                      <m:sSup>
-                        <m:sSupPr>
-                          <m:ctrlPr>
-                            <a:rPr lang="en-US" sz="4400" i="1">
-                              <a:latin typeface="Cambria Math" panose="02040503050406030204" pitchFamily="18" charset="0"/>
-                            </a:rPr>
-                          </m:ctrlPr>
-                        </m:sSupPr>
-                        <m:e>
-                          <m:r>
-                            <a:rPr lang="en-US" sz="4400" i="1">
-                              <a:latin typeface="Cambria Math" panose="02040503050406030204" pitchFamily="18" charset="0"/>
-                            </a:rPr>
-                            <m:t>𝑣</m:t>
-                          </m:r>
                         </m:e>
-                        <m:sup>
-                          <m:r>
-                            <a:rPr lang="en-US" sz="4400" i="1">
-                              <a:latin typeface="Cambria Math" panose="02040503050406030204" pitchFamily="18" charset="0"/>
-                            </a:rPr>
-                            <m:t>𝑗</m:t>
-                          </m:r>
-                        </m:sup>
-                      </m:sSup>
+                      </m:d>
                     </m:oMath>
                   </m:oMathPara>
                 </a14:m>
@@ -39068,8 +38544,8 @@
             </p:nvSpPr>
             <p:spPr>
               <a:xfrm>
-                <a:off x="836634" y="3877408"/>
-                <a:ext cx="8833444" cy="995209"/>
+                <a:off x="493731" y="3877408"/>
+                <a:ext cx="9301521" cy="995209"/>
               </a:xfrm>
               <a:prstGeom prst="rect">
                 <a:avLst/>
@@ -39152,7 +38628,7 @@
             <p:spPr>
               <a:xfrm>
                 <a:off x="728449" y="3259788"/>
-                <a:ext cx="1993494" cy="646331"/>
+                <a:ext cx="1879041" cy="684290"/>
               </a:xfrm>
               <a:prstGeom prst="rect">
                 <a:avLst/>
@@ -39167,31 +38643,132 @@
               <a:p>
                 <a14:m>
                   <m:oMath xmlns:m="http://schemas.openxmlformats.org/officeDocument/2006/math">
+                    <m:d>
+                      <m:dPr>
+                        <m:begChr m:val="|"/>
+                        <m:endChr m:val="|"/>
+                        <m:ctrlPr>
+                          <a:rPr lang="en-US" i="1" smtClean="0">
+                            <a:latin typeface="Cambria Math" panose="02040503050406030204" pitchFamily="18" charset="0"/>
+                          </a:rPr>
+                        </m:ctrlPr>
+                      </m:dPr>
+                      <m:e>
+                        <m:sSub>
+                          <m:sSubPr>
+                            <m:ctrlPr>
+                              <a:rPr lang="en-US" i="1">
+                                <a:latin typeface="Cambria Math" panose="02040503050406030204" pitchFamily="18" charset="0"/>
+                              </a:rPr>
+                            </m:ctrlPr>
+                          </m:sSubPr>
+                          <m:e>
+                            <m:r>
+                              <a:rPr lang="en-US" i="1">
+                                <a:latin typeface="Cambria Math" panose="02040503050406030204" pitchFamily="18" charset="0"/>
+                              </a:rPr>
+                              <m:t>𝜕</m:t>
+                            </m:r>
+                          </m:e>
+                          <m:sub>
+                            <m:sSup>
+                              <m:sSupPr>
+                                <m:ctrlPr>
+                                  <a:rPr lang="en-US" i="1">
+                                    <a:latin typeface="Cambria Math" panose="02040503050406030204" pitchFamily="18" charset="0"/>
+                                  </a:rPr>
+                                </m:ctrlPr>
+                              </m:sSupPr>
+                              <m:e>
+                                <m:r>
+                                  <a:rPr lang="en-US" i="1">
+                                    <a:latin typeface="Cambria Math" panose="02040503050406030204" pitchFamily="18" charset="0"/>
+                                  </a:rPr>
+                                  <m:t>𝑣</m:t>
+                                </m:r>
+                              </m:e>
+                              <m:sup>
+                                <m:r>
+                                  <a:rPr lang="en-US" i="1">
+                                    <a:latin typeface="Cambria Math" panose="02040503050406030204" pitchFamily="18" charset="0"/>
+                                  </a:rPr>
+                                  <m:t>𝑖</m:t>
+                                </m:r>
+                              </m:sup>
+                            </m:sSup>
+                          </m:sub>
+                        </m:sSub>
+                        <m:sSub>
+                          <m:sSubPr>
+                            <m:ctrlPr>
+                              <a:rPr lang="en-US" i="1">
+                                <a:latin typeface="Cambria Math" panose="02040503050406030204" pitchFamily="18" charset="0"/>
+                              </a:rPr>
+                            </m:ctrlPr>
+                          </m:sSubPr>
+                          <m:e>
+                            <m:r>
+                              <a:rPr lang="en-US" i="1">
+                                <a:latin typeface="Cambria Math" panose="02040503050406030204" pitchFamily="18" charset="0"/>
+                              </a:rPr>
+                              <m:t>𝜕</m:t>
+                            </m:r>
+                          </m:e>
+                          <m:sub>
+                            <m:sSup>
+                              <m:sSupPr>
+                                <m:ctrlPr>
+                                  <a:rPr lang="en-US" i="1">
+                                    <a:latin typeface="Cambria Math" panose="02040503050406030204" pitchFamily="18" charset="0"/>
+                                  </a:rPr>
+                                </m:ctrlPr>
+                              </m:sSupPr>
+                              <m:e>
+                                <m:r>
+                                  <a:rPr lang="en-US" i="1">
+                                    <a:latin typeface="Cambria Math" panose="02040503050406030204" pitchFamily="18" charset="0"/>
+                                  </a:rPr>
+                                  <m:t>𝑣</m:t>
+                                </m:r>
+                              </m:e>
+                              <m:sup>
+                                <m:r>
+                                  <a:rPr lang="en-US" i="1">
+                                    <a:latin typeface="Cambria Math" panose="02040503050406030204" pitchFamily="18" charset="0"/>
+                                  </a:rPr>
+                                  <m:t>𝑗</m:t>
+                                </m:r>
+                              </m:sup>
+                            </m:sSup>
+                          </m:sub>
+                        </m:sSub>
+                        <m:r>
+                          <a:rPr lang="en-US" i="1">
+                            <a:latin typeface="Cambria Math" panose="02040503050406030204" pitchFamily="18" charset="0"/>
+                          </a:rPr>
+                          <m:t> </m:t>
+                        </m:r>
+                        <m:r>
+                          <a:rPr lang="en-US" i="1">
+                            <a:latin typeface="Cambria Math" panose="02040503050406030204" pitchFamily="18" charset="0"/>
+                          </a:rPr>
+                          <m:t>𝐿</m:t>
+                        </m:r>
+                      </m:e>
+                    </m:d>
                     <m:r>
-                      <a:rPr lang="en-US" b="0" i="1" smtClean="0">
+                      <a:rPr lang="en-US" i="1">
                         <a:latin typeface="Cambria Math" panose="02040503050406030204" pitchFamily="18" charset="0"/>
                       </a:rPr>
-                      <m:t>≡</m:t>
+                      <m:t>≠0</m:t>
                     </m:r>
                   </m:oMath>
                 </a14:m>
                 <a:r>
-                  <a:rPr lang="en-US" dirty="0"/>
+                  <a:rPr lang="en-US" i="1" dirty="0">
+                    <a:latin typeface="Cambria Math" panose="02040503050406030204" pitchFamily="18" charset="0"/>
+                  </a:rPr>
                   <a:t> </a:t>
-                </a:r>
-                <a14:m>
-                  <m:oMath xmlns:m="http://schemas.openxmlformats.org/officeDocument/2006/math">
-                    <m:r>
-                      <a:rPr lang="en-US" b="0" i="1" dirty="0" smtClean="0">
-                        <a:latin typeface="Cambria Math" panose="02040503050406030204" pitchFamily="18" charset="0"/>
-                      </a:rPr>
-                      <m:t>𝐿</m:t>
-                    </m:r>
-                  </m:oMath>
-                </a14:m>
-                <a:r>
-                  <a:rPr lang="en-US" dirty="0"/>
-                  <a:t> is hyperregular</a:t>
                 </a:r>
               </a:p>
               <a:p>
@@ -39231,7 +38808,7 @@
             <p:spPr>
               <a:xfrm>
                 <a:off x="728449" y="3259788"/>
-                <a:ext cx="1993494" cy="646331"/>
+                <a:ext cx="1879041" cy="684290"/>
               </a:xfrm>
               <a:prstGeom prst="rect">
                 <a:avLst/>
@@ -39239,7 +38816,7 @@
               <a:blipFill>
                 <a:blip r:embed="rId10"/>
                 <a:stretch>
-                  <a:fillRect t="-5660" r="-2134" b="-14151"/>
+                  <a:fillRect r="-2589" b="-13393"/>
                 </a:stretch>
               </a:blipFill>
             </p:spPr>
@@ -39288,63 +38865,6 @@
           <a:chExt cx="0" cy="0"/>
         </a:xfrm>
       </p:grpSpPr>
-      <p:sp>
-        <p:nvSpPr>
-          <p:cNvPr id="2" name="Footer Placeholder 1">
-            <a:extLst>
-              <a:ext uri="{FF2B5EF4-FFF2-40B4-BE49-F238E27FC236}">
-                <a16:creationId xmlns:a16="http://schemas.microsoft.com/office/drawing/2014/main" id="{C78621A0-EF9F-2B44-0373-70CDEB1A25A1}"/>
-              </a:ext>
-            </a:extLst>
-          </p:cNvPr>
-          <p:cNvSpPr>
-            <a:spLocks noGrp="1"/>
-          </p:cNvSpPr>
-          <p:nvPr>
-            <p:ph type="ftr" sz="quarter" idx="11"/>
-          </p:nvPr>
-        </p:nvSpPr>
-        <p:spPr/>
-        <p:txBody>
-          <a:bodyPr/>
-          <a:lstStyle/>
-          <a:p>
-            <a:r>
-              <a:rPr lang="en-US"/>
-              <a:t>Gabriele Carcassi - University of Michigan</a:t>
-            </a:r>
-          </a:p>
-        </p:txBody>
-      </p:sp>
-      <p:sp>
-        <p:nvSpPr>
-          <p:cNvPr id="3" name="Slide Number Placeholder 2">
-            <a:extLst>
-              <a:ext uri="{FF2B5EF4-FFF2-40B4-BE49-F238E27FC236}">
-                <a16:creationId xmlns:a16="http://schemas.microsoft.com/office/drawing/2014/main" id="{F4F841A9-50FB-1423-C2AD-0DADF689445A}"/>
-              </a:ext>
-            </a:extLst>
-          </p:cNvPr>
-          <p:cNvSpPr>
-            <a:spLocks noGrp="1"/>
-          </p:cNvSpPr>
-          <p:nvPr>
-            <p:ph type="sldNum" sz="quarter" idx="12"/>
-          </p:nvPr>
-        </p:nvSpPr>
-        <p:spPr/>
-        <p:txBody>
-          <a:bodyPr/>
-          <a:lstStyle/>
-          <a:p>
-            <a:fld id="{F47845EA-7733-40EE-B074-20032348B727}" type="slidenum">
-              <a:rPr lang="en-US" smtClean="0"/>
-              <a:t>8</a:t>
-            </a:fld>
-            <a:endParaRPr lang="en-US"/>
-          </a:p>
-        </p:txBody>
-      </p:sp>
       <mc:AlternateContent xmlns:mc="http://schemas.openxmlformats.org/markup-compatibility/2006" xmlns:a14="http://schemas.microsoft.com/office/drawing/2010/main">
         <mc:Choice Requires="a14">
           <p:sp>
@@ -42488,8 +42008,8 @@
             </p:nvSpPr>
             <p:spPr>
               <a:xfrm>
-                <a:off x="836634" y="3877408"/>
-                <a:ext cx="8833444" cy="995209"/>
+                <a:off x="493731" y="3877408"/>
+                <a:ext cx="9301521" cy="995209"/>
               </a:xfrm>
               <a:prstGeom prst="rect">
                 <a:avLst/>
@@ -42664,123 +42184,171 @@
                           </m:r>
                         </m:sup>
                       </m:sSup>
-                      <m:sSub>
-                        <m:sSubPr>
+                      <m:d>
+                        <m:dPr>
                           <m:ctrlPr>
-                            <a:rPr lang="en-US" sz="4400" i="1">
+                            <a:rPr lang="en-US" sz="4400" b="0" i="1" smtClean="0">
                               <a:latin typeface="Cambria Math" panose="02040503050406030204" pitchFamily="18" charset="0"/>
                             </a:rPr>
                           </m:ctrlPr>
-                        </m:sSubPr>
+                        </m:dPr>
                         <m:e>
-                          <m:r>
-                            <a:rPr lang="en-US" sz="4400" i="1">
-                              <a:latin typeface="Cambria Math" panose="02040503050406030204" pitchFamily="18" charset="0"/>
-                            </a:rPr>
-                            <m:t>𝜕</m:t>
-                          </m:r>
-                        </m:e>
-                        <m:sub>
-                          <m:sSup>
-                            <m:sSupPr>
+                          <m:sSub>
+                            <m:sSubPr>
                               <m:ctrlPr>
                                 <a:rPr lang="en-US" sz="4400" i="1">
                                   <a:latin typeface="Cambria Math" panose="02040503050406030204" pitchFamily="18" charset="0"/>
                                 </a:rPr>
                               </m:ctrlPr>
-                            </m:sSupPr>
+                            </m:sSubPr>
                             <m:e>
                               <m:r>
                                 <a:rPr lang="en-US" sz="4400" i="1">
                                   <a:latin typeface="Cambria Math" panose="02040503050406030204" pitchFamily="18" charset="0"/>
                                 </a:rPr>
-                                <m:t>𝑥</m:t>
+                                <m:t>𝜕</m:t>
                               </m:r>
                             </m:e>
-                            <m:sup>
-                              <m:r>
-                                <a:rPr lang="en-US" sz="4400" i="1">
-                                  <a:latin typeface="Cambria Math" panose="02040503050406030204" pitchFamily="18" charset="0"/>
-                                </a:rPr>
-                                <m:t>𝑖</m:t>
-                              </m:r>
-                            </m:sup>
-                          </m:sSup>
-                        </m:sub>
-                      </m:sSub>
-                      <m:r>
-                        <a:rPr lang="en-US" sz="4400" i="1">
-                          <a:latin typeface="Cambria Math" panose="02040503050406030204" pitchFamily="18" charset="0"/>
-                        </a:rPr>
-                        <m:t>𝐿</m:t>
-                      </m:r>
-                      <m:r>
-                        <a:rPr lang="en-US" sz="4400" i="1">
-                          <a:latin typeface="Cambria Math" panose="02040503050406030204" pitchFamily="18" charset="0"/>
-                        </a:rPr>
-                        <m:t>−</m:t>
-                      </m:r>
-                      <m:sSub>
-                        <m:sSubPr>
-                          <m:ctrlPr>
-                            <a:rPr lang="en-US" sz="4400" i="1">
-                              <a:latin typeface="Cambria Math" panose="02040503050406030204" pitchFamily="18" charset="0"/>
-                            </a:rPr>
-                          </m:ctrlPr>
-                        </m:sSubPr>
-                        <m:e>
+                            <m:sub>
+                              <m:sSup>
+                                <m:sSupPr>
+                                  <m:ctrlPr>
+                                    <a:rPr lang="en-US" sz="4400" i="1">
+                                      <a:latin typeface="Cambria Math" panose="02040503050406030204" pitchFamily="18" charset="0"/>
+                                    </a:rPr>
+                                  </m:ctrlPr>
+                                </m:sSupPr>
+                                <m:e>
+                                  <m:r>
+                                    <a:rPr lang="en-US" sz="4400" i="1">
+                                      <a:latin typeface="Cambria Math" panose="02040503050406030204" pitchFamily="18" charset="0"/>
+                                    </a:rPr>
+                                    <m:t>𝑥</m:t>
+                                  </m:r>
+                                </m:e>
+                                <m:sup>
+                                  <m:r>
+                                    <a:rPr lang="en-US" sz="4400" i="1">
+                                      <a:latin typeface="Cambria Math" panose="02040503050406030204" pitchFamily="18" charset="0"/>
+                                    </a:rPr>
+                                    <m:t>𝑖</m:t>
+                                  </m:r>
+                                </m:sup>
+                              </m:sSup>
+                            </m:sub>
+                          </m:sSub>
                           <m:r>
                             <a:rPr lang="en-US" sz="4400" i="1">
                               <a:latin typeface="Cambria Math" panose="02040503050406030204" pitchFamily="18" charset="0"/>
                             </a:rPr>
-                            <m:t>𝜕</m:t>
+                            <m:t>𝐿</m:t>
                           </m:r>
-                        </m:e>
-                        <m:sub>
-                          <m:sSup>
-                            <m:sSupPr>
+                          <m:r>
+                            <a:rPr lang="en-US" sz="4400" i="1">
+                              <a:latin typeface="Cambria Math" panose="02040503050406030204" pitchFamily="18" charset="0"/>
+                            </a:rPr>
+                            <m:t>−</m:t>
+                          </m:r>
+                          <m:sSub>
+                            <m:sSubPr>
                               <m:ctrlPr>
                                 <a:rPr lang="en-US" sz="4400" i="1">
                                   <a:latin typeface="Cambria Math" panose="02040503050406030204" pitchFamily="18" charset="0"/>
                                 </a:rPr>
                               </m:ctrlPr>
-                            </m:sSupPr>
+                            </m:sSubPr>
                             <m:e>
                               <m:r>
                                 <a:rPr lang="en-US" sz="4400" i="1">
                                   <a:latin typeface="Cambria Math" panose="02040503050406030204" pitchFamily="18" charset="0"/>
                                 </a:rPr>
-                                <m:t>𝑥</m:t>
+                                <m:t>𝜕</m:t>
                               </m:r>
                             </m:e>
-                            <m:sup>
+                            <m:sub>
+                              <m:sSup>
+                                <m:sSupPr>
+                                  <m:ctrlPr>
+                                    <a:rPr lang="en-US" sz="4400" i="1">
+                                      <a:latin typeface="Cambria Math" panose="02040503050406030204" pitchFamily="18" charset="0"/>
+                                    </a:rPr>
+                                  </m:ctrlPr>
+                                </m:sSupPr>
+                                <m:e>
+                                  <m:r>
+                                    <a:rPr lang="en-US" sz="4400" i="1">
+                                      <a:latin typeface="Cambria Math" panose="02040503050406030204" pitchFamily="18" charset="0"/>
+                                    </a:rPr>
+                                    <m:t>𝑥</m:t>
+                                  </m:r>
+                                </m:e>
+                                <m:sup>
+                                  <m:r>
+                                    <a:rPr lang="en-US" sz="4400" i="1">
+                                      <a:latin typeface="Cambria Math" panose="02040503050406030204" pitchFamily="18" charset="0"/>
+                                    </a:rPr>
+                                    <m:t>𝑗</m:t>
+                                  </m:r>
+                                </m:sup>
+                              </m:sSup>
+                            </m:sub>
+                          </m:sSub>
+                          <m:sSub>
+                            <m:sSubPr>
+                              <m:ctrlPr>
+                                <a:rPr lang="en-US" sz="4400" i="1">
+                                  <a:latin typeface="Cambria Math" panose="02040503050406030204" pitchFamily="18" charset="0"/>
+                                </a:rPr>
+                              </m:ctrlPr>
+                            </m:sSubPr>
+                            <m:e>
                               <m:r>
                                 <a:rPr lang="en-US" sz="4400" i="1">
                                   <a:latin typeface="Cambria Math" panose="02040503050406030204" pitchFamily="18" charset="0"/>
                                 </a:rPr>
-                                <m:t>𝑗</m:t>
+                                <m:t>𝜕</m:t>
                               </m:r>
-                            </m:sup>
-                          </m:sSup>
-                        </m:sub>
-                      </m:sSub>
-                      <m:sSub>
-                        <m:sSubPr>
-                          <m:ctrlPr>
-                            <a:rPr lang="en-US" sz="4400" i="1">
-                              <a:latin typeface="Cambria Math" panose="02040503050406030204" pitchFamily="18" charset="0"/>
-                            </a:rPr>
-                          </m:ctrlPr>
-                        </m:sSubPr>
-                        <m:e>
+                            </m:e>
+                            <m:sub>
+                              <m:sSup>
+                                <m:sSupPr>
+                                  <m:ctrlPr>
+                                    <a:rPr lang="en-US" sz="4400" i="1">
+                                      <a:latin typeface="Cambria Math" panose="02040503050406030204" pitchFamily="18" charset="0"/>
+                                    </a:rPr>
+                                  </m:ctrlPr>
+                                </m:sSupPr>
+                                <m:e>
+                                  <m:r>
+                                    <a:rPr lang="en-US" sz="4400" i="1">
+                                      <a:latin typeface="Cambria Math" panose="02040503050406030204" pitchFamily="18" charset="0"/>
+                                    </a:rPr>
+                                    <m:t>𝑣</m:t>
+                                  </m:r>
+                                </m:e>
+                                <m:sup>
+                                  <m:r>
+                                    <a:rPr lang="en-US" sz="4400" i="1">
+                                      <a:latin typeface="Cambria Math" panose="02040503050406030204" pitchFamily="18" charset="0"/>
+                                    </a:rPr>
+                                    <m:t>𝑖</m:t>
+                                  </m:r>
+                                </m:sup>
+                              </m:sSup>
+                            </m:sub>
+                          </m:sSub>
                           <m:r>
                             <a:rPr lang="en-US" sz="4400" i="1">
                               <a:latin typeface="Cambria Math" panose="02040503050406030204" pitchFamily="18" charset="0"/>
                             </a:rPr>
-                            <m:t>𝜕</m:t>
+                            <m:t>𝐿</m:t>
                           </m:r>
-                        </m:e>
-                        <m:sub>
+                          <m:r>
+                            <a:rPr lang="en-US" sz="4400" b="0" i="1" smtClean="0">
+                              <a:latin typeface="Cambria Math" panose="02040503050406030204" pitchFamily="18" charset="0"/>
+                            </a:rPr>
+                            <m:t> </m:t>
+                          </m:r>
                           <m:sSup>
                             <m:sSupPr>
                               <m:ctrlPr>
@@ -42802,49 +42370,12 @@
                                 <a:rPr lang="en-US" sz="4400" i="1">
                                   <a:latin typeface="Cambria Math" panose="02040503050406030204" pitchFamily="18" charset="0"/>
                                 </a:rPr>
-                                <m:t>𝑖</m:t>
+                                <m:t>𝑗</m:t>
                               </m:r>
                             </m:sup>
                           </m:sSup>
-                        </m:sub>
-                      </m:sSub>
-                      <m:r>
-                        <a:rPr lang="en-US" sz="4400" i="1">
-                          <a:latin typeface="Cambria Math" panose="02040503050406030204" pitchFamily="18" charset="0"/>
-                        </a:rPr>
-                        <m:t>𝐿</m:t>
-                      </m:r>
-                      <m:r>
-                        <a:rPr lang="en-US" sz="4400" b="0" i="1" smtClean="0">
-                          <a:latin typeface="Cambria Math" panose="02040503050406030204" pitchFamily="18" charset="0"/>
-                        </a:rPr>
-                        <m:t> </m:t>
-                      </m:r>
-                      <m:sSup>
-                        <m:sSupPr>
-                          <m:ctrlPr>
-                            <a:rPr lang="en-US" sz="4400" i="1">
-                              <a:latin typeface="Cambria Math" panose="02040503050406030204" pitchFamily="18" charset="0"/>
-                            </a:rPr>
-                          </m:ctrlPr>
-                        </m:sSupPr>
-                        <m:e>
-                          <m:r>
-                            <a:rPr lang="en-US" sz="4400" i="1">
-                              <a:latin typeface="Cambria Math" panose="02040503050406030204" pitchFamily="18" charset="0"/>
-                            </a:rPr>
-                            <m:t>𝑣</m:t>
-                          </m:r>
                         </m:e>
-                        <m:sup>
-                          <m:r>
-                            <a:rPr lang="en-US" sz="4400" i="1">
-                              <a:latin typeface="Cambria Math" panose="02040503050406030204" pitchFamily="18" charset="0"/>
-                            </a:rPr>
-                            <m:t>𝑗</m:t>
-                          </m:r>
-                        </m:sup>
-                      </m:sSup>
+                      </m:d>
                     </m:oMath>
                   </m:oMathPara>
                 </a14:m>
@@ -42870,8 +42401,8 @@
             </p:nvSpPr>
             <p:spPr>
               <a:xfrm>
-                <a:off x="836634" y="3877408"/>
-                <a:ext cx="8833444" cy="995209"/>
+                <a:off x="493731" y="3877408"/>
+                <a:ext cx="9301521" cy="995209"/>
               </a:xfrm>
               <a:prstGeom prst="rect">
                 <a:avLst/>
@@ -42954,7 +42485,7 @@
             <p:spPr>
               <a:xfrm>
                 <a:off x="728449" y="3259788"/>
-                <a:ext cx="1993494" cy="646331"/>
+                <a:ext cx="1879041" cy="684290"/>
               </a:xfrm>
               <a:prstGeom prst="rect">
                 <a:avLst/>
@@ -42969,31 +42500,132 @@
               <a:p>
                 <a14:m>
                   <m:oMath xmlns:m="http://schemas.openxmlformats.org/officeDocument/2006/math">
+                    <m:d>
+                      <m:dPr>
+                        <m:begChr m:val="|"/>
+                        <m:endChr m:val="|"/>
+                        <m:ctrlPr>
+                          <a:rPr lang="en-US" i="1" smtClean="0">
+                            <a:latin typeface="Cambria Math" panose="02040503050406030204" pitchFamily="18" charset="0"/>
+                          </a:rPr>
+                        </m:ctrlPr>
+                      </m:dPr>
+                      <m:e>
+                        <m:sSub>
+                          <m:sSubPr>
+                            <m:ctrlPr>
+                              <a:rPr lang="en-US" i="1">
+                                <a:latin typeface="Cambria Math" panose="02040503050406030204" pitchFamily="18" charset="0"/>
+                              </a:rPr>
+                            </m:ctrlPr>
+                          </m:sSubPr>
+                          <m:e>
+                            <m:r>
+                              <a:rPr lang="en-US" i="1">
+                                <a:latin typeface="Cambria Math" panose="02040503050406030204" pitchFamily="18" charset="0"/>
+                              </a:rPr>
+                              <m:t>𝜕</m:t>
+                            </m:r>
+                          </m:e>
+                          <m:sub>
+                            <m:sSup>
+                              <m:sSupPr>
+                                <m:ctrlPr>
+                                  <a:rPr lang="en-US" i="1">
+                                    <a:latin typeface="Cambria Math" panose="02040503050406030204" pitchFamily="18" charset="0"/>
+                                  </a:rPr>
+                                </m:ctrlPr>
+                              </m:sSupPr>
+                              <m:e>
+                                <m:r>
+                                  <a:rPr lang="en-US" i="1">
+                                    <a:latin typeface="Cambria Math" panose="02040503050406030204" pitchFamily="18" charset="0"/>
+                                  </a:rPr>
+                                  <m:t>𝑣</m:t>
+                                </m:r>
+                              </m:e>
+                              <m:sup>
+                                <m:r>
+                                  <a:rPr lang="en-US" i="1">
+                                    <a:latin typeface="Cambria Math" panose="02040503050406030204" pitchFamily="18" charset="0"/>
+                                  </a:rPr>
+                                  <m:t>𝑖</m:t>
+                                </m:r>
+                              </m:sup>
+                            </m:sSup>
+                          </m:sub>
+                        </m:sSub>
+                        <m:sSub>
+                          <m:sSubPr>
+                            <m:ctrlPr>
+                              <a:rPr lang="en-US" i="1">
+                                <a:latin typeface="Cambria Math" panose="02040503050406030204" pitchFamily="18" charset="0"/>
+                              </a:rPr>
+                            </m:ctrlPr>
+                          </m:sSubPr>
+                          <m:e>
+                            <m:r>
+                              <a:rPr lang="en-US" i="1">
+                                <a:latin typeface="Cambria Math" panose="02040503050406030204" pitchFamily="18" charset="0"/>
+                              </a:rPr>
+                              <m:t>𝜕</m:t>
+                            </m:r>
+                          </m:e>
+                          <m:sub>
+                            <m:sSup>
+                              <m:sSupPr>
+                                <m:ctrlPr>
+                                  <a:rPr lang="en-US" i="1">
+                                    <a:latin typeface="Cambria Math" panose="02040503050406030204" pitchFamily="18" charset="0"/>
+                                  </a:rPr>
+                                </m:ctrlPr>
+                              </m:sSupPr>
+                              <m:e>
+                                <m:r>
+                                  <a:rPr lang="en-US" i="1">
+                                    <a:latin typeface="Cambria Math" panose="02040503050406030204" pitchFamily="18" charset="0"/>
+                                  </a:rPr>
+                                  <m:t>𝑣</m:t>
+                                </m:r>
+                              </m:e>
+                              <m:sup>
+                                <m:r>
+                                  <a:rPr lang="en-US" i="1">
+                                    <a:latin typeface="Cambria Math" panose="02040503050406030204" pitchFamily="18" charset="0"/>
+                                  </a:rPr>
+                                  <m:t>𝑗</m:t>
+                                </m:r>
+                              </m:sup>
+                            </m:sSup>
+                          </m:sub>
+                        </m:sSub>
+                        <m:r>
+                          <a:rPr lang="en-US" i="1">
+                            <a:latin typeface="Cambria Math" panose="02040503050406030204" pitchFamily="18" charset="0"/>
+                          </a:rPr>
+                          <m:t> </m:t>
+                        </m:r>
+                        <m:r>
+                          <a:rPr lang="en-US" i="1">
+                            <a:latin typeface="Cambria Math" panose="02040503050406030204" pitchFamily="18" charset="0"/>
+                          </a:rPr>
+                          <m:t>𝐿</m:t>
+                        </m:r>
+                      </m:e>
+                    </m:d>
                     <m:r>
-                      <a:rPr lang="en-US" b="0" i="1" smtClean="0">
+                      <a:rPr lang="en-US" i="1">
                         <a:latin typeface="Cambria Math" panose="02040503050406030204" pitchFamily="18" charset="0"/>
                       </a:rPr>
-                      <m:t>≡</m:t>
+                      <m:t>≠0</m:t>
                     </m:r>
                   </m:oMath>
                 </a14:m>
                 <a:r>
-                  <a:rPr lang="en-US" dirty="0"/>
+                  <a:rPr lang="en-US" i="1" dirty="0">
+                    <a:latin typeface="Cambria Math" panose="02040503050406030204" pitchFamily="18" charset="0"/>
+                  </a:rPr>
                   <a:t> </a:t>
-                </a:r>
-                <a14:m>
-                  <m:oMath xmlns:m="http://schemas.openxmlformats.org/officeDocument/2006/math">
-                    <m:r>
-                      <a:rPr lang="en-US" b="0" i="1" dirty="0" smtClean="0">
-                        <a:latin typeface="Cambria Math" panose="02040503050406030204" pitchFamily="18" charset="0"/>
-                      </a:rPr>
-                      <m:t>𝐿</m:t>
-                    </m:r>
-                  </m:oMath>
-                </a14:m>
-                <a:r>
-                  <a:rPr lang="en-US" dirty="0"/>
-                  <a:t> is hyperregular</a:t>
                 </a:r>
               </a:p>
               <a:p>
@@ -43033,7 +42665,7 @@
             <p:spPr>
               <a:xfrm>
                 <a:off x="728449" y="3259788"/>
-                <a:ext cx="1993494" cy="646331"/>
+                <a:ext cx="1879041" cy="684290"/>
               </a:xfrm>
               <a:prstGeom prst="rect">
                 <a:avLst/>
@@ -43041,7 +42673,7 @@
               <a:blipFill>
                 <a:blip r:embed="rId10"/>
                 <a:stretch>
-                  <a:fillRect t="-5660" r="-2134" b="-14151"/>
+                  <a:fillRect r="-2589" b="-13393"/>
                 </a:stretch>
               </a:blipFill>
             </p:spPr>
@@ -43063,7 +42695,7 @@
     </p:spTree>
     <p:extLst>
       <p:ext uri="{BB962C8B-B14F-4D97-AF65-F5344CB8AC3E}">
-        <p14:creationId xmlns:p14="http://schemas.microsoft.com/office/powerpoint/2010/main" val="3875206657"/>
+        <p14:creationId xmlns:p14="http://schemas.microsoft.com/office/powerpoint/2010/main" val="3603785865"/>
       </p:ext>
     </p:extLst>
   </p:cSld>
@@ -43090,63 +42722,6 @@
           <a:chExt cx="0" cy="0"/>
         </a:xfrm>
       </p:grpSpPr>
-      <p:sp>
-        <p:nvSpPr>
-          <p:cNvPr id="2" name="Footer Placeholder 1">
-            <a:extLst>
-              <a:ext uri="{FF2B5EF4-FFF2-40B4-BE49-F238E27FC236}">
-                <a16:creationId xmlns:a16="http://schemas.microsoft.com/office/drawing/2014/main" id="{33CEF7B5-0D63-6A9A-0C7B-65C2DB891516}"/>
-              </a:ext>
-            </a:extLst>
-          </p:cNvPr>
-          <p:cNvSpPr>
-            <a:spLocks noGrp="1"/>
-          </p:cNvSpPr>
-          <p:nvPr>
-            <p:ph type="ftr" sz="quarter" idx="11"/>
-          </p:nvPr>
-        </p:nvSpPr>
-        <p:spPr/>
-        <p:txBody>
-          <a:bodyPr/>
-          <a:lstStyle/>
-          <a:p>
-            <a:r>
-              <a:rPr lang="en-US"/>
-              <a:t>Gabriele Carcassi - University of Michigan</a:t>
-            </a:r>
-          </a:p>
-        </p:txBody>
-      </p:sp>
-      <p:sp>
-        <p:nvSpPr>
-          <p:cNvPr id="3" name="Slide Number Placeholder 2">
-            <a:extLst>
-              <a:ext uri="{FF2B5EF4-FFF2-40B4-BE49-F238E27FC236}">
-                <a16:creationId xmlns:a16="http://schemas.microsoft.com/office/drawing/2014/main" id="{4546466B-612E-16B2-E20B-557F1990BF16}"/>
-              </a:ext>
-            </a:extLst>
-          </p:cNvPr>
-          <p:cNvSpPr>
-            <a:spLocks noGrp="1"/>
-          </p:cNvSpPr>
-          <p:nvPr>
-            <p:ph type="sldNum" sz="quarter" idx="12"/>
-          </p:nvPr>
-        </p:nvSpPr>
-        <p:spPr/>
-        <p:txBody>
-          <a:bodyPr/>
-          <a:lstStyle/>
-          <a:p>
-            <a:fld id="{F47845EA-7733-40EE-B074-20032348B727}" type="slidenum">
-              <a:rPr lang="en-US" smtClean="0"/>
-              <a:t>9</a:t>
-            </a:fld>
-            <a:endParaRPr lang="en-US"/>
-          </a:p>
-        </p:txBody>
-      </p:sp>
       <p:grpSp>
         <p:nvGrpSpPr>
           <p:cNvPr id="5" name="Group 4">
@@ -44661,8 +44236,8 @@
         </p:nvCxnSpPr>
         <p:spPr>
           <a:xfrm flipH="1">
-            <a:off x="3204591" y="1498647"/>
-            <a:ext cx="540738" cy="218430"/>
+            <a:off x="2769620" y="1491970"/>
+            <a:ext cx="256486" cy="134027"/>
           </a:xfrm>
           <a:prstGeom prst="straightConnector1">
             <a:avLst/>
@@ -44700,7 +44275,7 @@
         </p:nvSpPr>
         <p:spPr>
           <a:xfrm>
-            <a:off x="3042933" y="1090792"/>
+            <a:off x="2170094" y="1090792"/>
             <a:ext cx="1886414" cy="369332"/>
           </a:xfrm>
           <a:prstGeom prst="rect">
@@ -45980,7 +45555,27 @@
                       </a:schemeClr>
                     </a:solidFill>
                   </a:rPr>
-                  <a:t>Every Lagrangian admits a Hamiltonian</a:t>
+                  <a:t>All </a:t>
+                </a:r>
+                <a:r>
+                  <a:rPr lang="en-US" sz="4000" dirty="0" err="1">
+                    <a:solidFill>
+                      <a:schemeClr val="accent6">
+                        <a:lumMod val="75000"/>
+                      </a:schemeClr>
+                    </a:solidFill>
+                  </a:rPr>
+                  <a:t>Lagrangian</a:t>
+                </a:r>
+                <a:r>
+                  <a:rPr lang="en-US" sz="4000" dirty="0">
+                    <a:solidFill>
+                      <a:schemeClr val="accent6">
+                        <a:lumMod val="75000"/>
+                      </a:schemeClr>
+                    </a:solidFill>
+                  </a:rPr>
+                  <a:t> systems are Hamiltonian</a:t>
                 </a:r>
               </a:p>
             </p:txBody>
@@ -46012,7 +45607,7 @@
               <a:blipFill>
                 <a:blip r:embed="rId11"/>
                 <a:stretch>
-                  <a:fillRect t="-15517" b="-36207"/>
+                  <a:fillRect t="-15517" r="-68" b="-36207"/>
                 </a:stretch>
               </a:blipFill>
             </p:spPr>
@@ -46361,127 +45956,6 @@
           </a:p>
         </p:txBody>
       </p:sp>
-      <mc:AlternateContent xmlns:mc="http://schemas.openxmlformats.org/markup-compatibility/2006">
-        <mc:Choice xmlns:a14="http://schemas.microsoft.com/office/drawing/2010/main" Requires="a14">
-          <p:sp>
-            <p:nvSpPr>
-              <p:cNvPr id="33" name="TextBox 32">
-                <a:extLst>
-                  <a:ext uri="{FF2B5EF4-FFF2-40B4-BE49-F238E27FC236}">
-                    <a16:creationId xmlns:a16="http://schemas.microsoft.com/office/drawing/2014/main" id="{455EC7C7-A7C5-5D78-7048-8272CEA6129A}"/>
-                  </a:ext>
-                </a:extLst>
-              </p:cNvPr>
-              <p:cNvSpPr txBox="1"/>
-              <p:nvPr/>
-            </p:nvSpPr>
-            <p:spPr>
-              <a:xfrm>
-                <a:off x="845748" y="2260125"/>
-                <a:ext cx="10742556" cy="707886"/>
-              </a:xfrm>
-              <a:prstGeom prst="rect">
-                <a:avLst/>
-              </a:prstGeom>
-              <a:noFill/>
-            </p:spPr>
-            <p:txBody>
-              <a:bodyPr wrap="none" rtlCol="0">
-                <a:spAutoFit/>
-              </a:bodyPr>
-              <a:lstStyle/>
-              <a:p>
-                <a14:m>
-                  <m:oMath xmlns:m="http://schemas.openxmlformats.org/officeDocument/2006/math">
-                    <m:r>
-                      <a:rPr lang="en-US" sz="4000" b="0" i="1" smtClean="0">
-                        <a:solidFill>
-                          <a:schemeClr val="accent6">
-                            <a:lumMod val="75000"/>
-                          </a:schemeClr>
-                        </a:solidFill>
-                        <a:latin typeface="Cambria Math" panose="02040503050406030204" pitchFamily="18" charset="0"/>
-                      </a:rPr>
-                      <m:t>⇒</m:t>
-                    </m:r>
-                  </m:oMath>
-                </a14:m>
-                <a:r>
-                  <a:rPr lang="en-US" sz="4000" dirty="0">
-                    <a:solidFill>
-                      <a:schemeClr val="accent6">
-                        <a:lumMod val="75000"/>
-                      </a:schemeClr>
-                    </a:solidFill>
-                  </a:rPr>
-                  <a:t> Only some Hamiltonian systems are </a:t>
-                </a:r>
-                <a:r>
-                  <a:rPr lang="en-US" sz="4000" dirty="0" err="1">
-                    <a:solidFill>
-                      <a:schemeClr val="accent6">
-                        <a:lumMod val="75000"/>
-                      </a:schemeClr>
-                    </a:solidFill>
-                  </a:rPr>
-                  <a:t>Lagrangian</a:t>
-                </a:r>
-                <a:endParaRPr lang="en-US" sz="4000" dirty="0">
-                  <a:solidFill>
-                    <a:schemeClr val="accent6">
-                      <a:lumMod val="75000"/>
-                    </a:schemeClr>
-                  </a:solidFill>
-                </a:endParaRPr>
-              </a:p>
-            </p:txBody>
-          </p:sp>
-        </mc:Choice>
-        <mc:Fallback>
-          <p:sp>
-            <p:nvSpPr>
-              <p:cNvPr id="33" name="TextBox 32">
-                <a:extLst>
-                  <a:ext uri="{FF2B5EF4-FFF2-40B4-BE49-F238E27FC236}">
-                    <a16:creationId xmlns:a16="http://schemas.microsoft.com/office/drawing/2014/main" id="{455EC7C7-A7C5-5D78-7048-8272CEA6129A}"/>
-                  </a:ext>
-                </a:extLst>
-              </p:cNvPr>
-              <p:cNvSpPr txBox="1">
-                <a:spLocks noRot="1" noChangeAspect="1" noMove="1" noResize="1" noEditPoints="1" noAdjustHandles="1" noChangeArrowheads="1" noChangeShapeType="1" noTextEdit="1"/>
-              </p:cNvSpPr>
-              <p:nvPr/>
-            </p:nvSpPr>
-            <p:spPr>
-              <a:xfrm>
-                <a:off x="845748" y="2260125"/>
-                <a:ext cx="10742556" cy="707886"/>
-              </a:xfrm>
-              <a:prstGeom prst="rect">
-                <a:avLst/>
-              </a:prstGeom>
-              <a:blipFill>
-                <a:blip r:embed="rId12"/>
-                <a:stretch>
-                  <a:fillRect t="-15517" b="-36207"/>
-                </a:stretch>
-              </a:blipFill>
-            </p:spPr>
-            <p:txBody>
-              <a:bodyPr/>
-              <a:lstStyle/>
-              <a:p>
-                <a:r>
-                  <a:rPr lang="en-US">
-                    <a:noFill/>
-                  </a:rPr>
-                  <a:t> </a:t>
-                </a:r>
-              </a:p>
-            </p:txBody>
-          </p:sp>
-        </mc:Fallback>
-      </mc:AlternateContent>
       <p:cxnSp>
         <p:nvCxnSpPr>
           <p:cNvPr id="36" name="Straight Connector 35">
